--- a/Diagram.pptx
+++ b/Diagram.pptx
@@ -3353,96 +3353,6 @@
           </a:p>
         </p:txBody>
       </p:sp>
-      <p:sp>
-        <p:nvSpPr>
-          <p:cNvPr id="4" name="TextBox 3">
-            <a:extLst>
-              <a:ext uri="{FF2B5EF4-FFF2-40B4-BE49-F238E27FC236}">
-                <a16:creationId xmlns:a16="http://schemas.microsoft.com/office/drawing/2014/main" id="{C680CA43-5C49-A347-BAC4-268F3B7F1BC4}"/>
-              </a:ext>
-            </a:extLst>
-          </p:cNvPr>
-          <p:cNvSpPr txBox="1"/>
-          <p:nvPr userDrawn="1"/>
-        </p:nvSpPr>
-        <p:spPr>
-          <a:xfrm>
-            <a:off x="538863" y="7683901"/>
-            <a:ext cx="7115490" cy="172355"/>
-          </a:xfrm>
-          <a:prstGeom prst="rect">
-            <a:avLst/>
-          </a:prstGeom>
-          <a:noFill/>
-        </p:spPr>
-        <p:txBody>
-          <a:bodyPr wrap="square" lIns="0" tIns="0" rIns="0" bIns="0" rtlCol="0">
-            <a:spAutoFit/>
-          </a:bodyPr>
-          <a:lstStyle/>
-          <a:p>
-            <a:pPr marL="0" marR="0" indent="0" algn="l" defTabSz="731520" rtl="0" eaLnBrk="1" fontAlgn="auto" latinLnBrk="0" hangingPunct="1">
-              <a:lnSpc>
-                <a:spcPct val="100000"/>
-              </a:lnSpc>
-              <a:spcBef>
-                <a:spcPts val="0"/>
-              </a:spcBef>
-              <a:spcAft>
-                <a:spcPts val="0"/>
-              </a:spcAft>
-              <a:buClrTx/>
-              <a:buSzTx/>
-              <a:buFontTx/>
-              <a:buNone/>
-              <a:tabLst/>
-              <a:defRPr/>
-            </a:pPr>
-            <a:r>
-              <a:rPr lang="en-US" sz="1120" b="0" i="0" dirty="0">
-                <a:solidFill>
-                  <a:schemeClr val="bg1">
-                    <a:lumMod val="50000"/>
-                  </a:schemeClr>
-                </a:solidFill>
-                <a:latin typeface="Amazon Ember" panose="020B0603020204020204" pitchFamily="34" charset="0"/>
-                <a:ea typeface="Amazon Ember" panose="020B0603020204020204" pitchFamily="34" charset="0"/>
-                <a:cs typeface="Amazon Ember" panose="020B0603020204020204" pitchFamily="34" charset="0"/>
-              </a:rPr>
-              <a:t>© 2020, Amazon Web Services, Inc. or its Affiliates. All rights reserved. </a:t>
-            </a:r>
-          </a:p>
-        </p:txBody>
-      </p:sp>
-      <p:pic>
-        <p:nvPicPr>
-          <p:cNvPr id="5" name="Picture 4">
-            <a:extLst>
-              <a:ext uri="{FF2B5EF4-FFF2-40B4-BE49-F238E27FC236}">
-                <a16:creationId xmlns:a16="http://schemas.microsoft.com/office/drawing/2014/main" id="{95568472-78C1-FD4C-80A1-628CA86D3F06}"/>
-              </a:ext>
-            </a:extLst>
-          </p:cNvPr>
-          <p:cNvPicPr>
-            <a:picLocks noChangeAspect="1"/>
-          </p:cNvPicPr>
-          <p:nvPr userDrawn="1"/>
-        </p:nvPicPr>
-        <p:blipFill>
-          <a:blip r:embed="rId2"/>
-          <a:srcRect/>
-          <a:stretch/>
-        </p:blipFill>
-        <p:spPr>
-          <a:xfrm>
-            <a:off x="13349613" y="7531058"/>
-            <a:ext cx="709192" cy="424101"/>
-          </a:xfrm>
-          <a:prstGeom prst="rect">
-            <a:avLst/>
-          </a:prstGeom>
-        </p:spPr>
-      </p:pic>
     </p:spTree>
     <p:extLst>
       <p:ext uri="{BB962C8B-B14F-4D97-AF65-F5344CB8AC3E}">
@@ -3746,96 +3656,6 @@
           </a:p>
         </p:txBody>
       </p:sp>
-      <p:sp>
-        <p:nvSpPr>
-          <p:cNvPr id="9" name="TextBox 8">
-            <a:extLst>
-              <a:ext uri="{FF2B5EF4-FFF2-40B4-BE49-F238E27FC236}">
-                <a16:creationId xmlns:a16="http://schemas.microsoft.com/office/drawing/2014/main" id="{1B954A5E-A2DC-9041-9311-DBC4F345DE43}"/>
-              </a:ext>
-            </a:extLst>
-          </p:cNvPr>
-          <p:cNvSpPr txBox="1"/>
-          <p:nvPr userDrawn="1"/>
-        </p:nvSpPr>
-        <p:spPr>
-          <a:xfrm>
-            <a:off x="538863" y="7683901"/>
-            <a:ext cx="7115490" cy="172355"/>
-          </a:xfrm>
-          <a:prstGeom prst="rect">
-            <a:avLst/>
-          </a:prstGeom>
-          <a:noFill/>
-        </p:spPr>
-        <p:txBody>
-          <a:bodyPr wrap="square" lIns="0" tIns="0" rIns="0" bIns="0" rtlCol="0">
-            <a:spAutoFit/>
-          </a:bodyPr>
-          <a:lstStyle/>
-          <a:p>
-            <a:pPr marL="0" marR="0" indent="0" algn="l" defTabSz="731520" rtl="0" eaLnBrk="1" fontAlgn="auto" latinLnBrk="0" hangingPunct="1">
-              <a:lnSpc>
-                <a:spcPct val="100000"/>
-              </a:lnSpc>
-              <a:spcBef>
-                <a:spcPts val="0"/>
-              </a:spcBef>
-              <a:spcAft>
-                <a:spcPts val="0"/>
-              </a:spcAft>
-              <a:buClrTx/>
-              <a:buSzTx/>
-              <a:buFontTx/>
-              <a:buNone/>
-              <a:tabLst/>
-              <a:defRPr/>
-            </a:pPr>
-            <a:r>
-              <a:rPr lang="en-US" sz="1120" b="0" i="0" dirty="0">
-                <a:solidFill>
-                  <a:schemeClr val="bg1">
-                    <a:lumMod val="50000"/>
-                  </a:schemeClr>
-                </a:solidFill>
-                <a:latin typeface="Amazon Ember" panose="020B0603020204020204" pitchFamily="34" charset="0"/>
-                <a:ea typeface="Amazon Ember" panose="020B0603020204020204" pitchFamily="34" charset="0"/>
-                <a:cs typeface="Amazon Ember" panose="020B0603020204020204" pitchFamily="34" charset="0"/>
-              </a:rPr>
-              <a:t>© 2020, Amazon Web Services, Inc. or its Affiliates. All rights reserved. </a:t>
-            </a:r>
-          </a:p>
-        </p:txBody>
-      </p:sp>
-      <p:pic>
-        <p:nvPicPr>
-          <p:cNvPr id="7" name="Picture 6">
-            <a:extLst>
-              <a:ext uri="{FF2B5EF4-FFF2-40B4-BE49-F238E27FC236}">
-                <a16:creationId xmlns:a16="http://schemas.microsoft.com/office/drawing/2014/main" id="{EF791862-4A02-AC41-AB46-5CAD4BB6429C}"/>
-              </a:ext>
-            </a:extLst>
-          </p:cNvPr>
-          <p:cNvPicPr>
-            <a:picLocks noChangeAspect="1"/>
-          </p:cNvPicPr>
-          <p:nvPr userDrawn="1"/>
-        </p:nvPicPr>
-        <p:blipFill>
-          <a:blip r:embed="rId2"/>
-          <a:srcRect/>
-          <a:stretch/>
-        </p:blipFill>
-        <p:spPr>
-          <a:xfrm>
-            <a:off x="13349613" y="7531058"/>
-            <a:ext cx="709192" cy="424101"/>
-          </a:xfrm>
-          <a:prstGeom prst="rect">
-            <a:avLst/>
-          </a:prstGeom>
-        </p:spPr>
-      </p:pic>
     </p:spTree>
     <p:extLst>
       <p:ext uri="{BB962C8B-B14F-4D97-AF65-F5344CB8AC3E}">
@@ -6650,84 +6470,6 @@
           </a:p>
         </p:txBody>
       </p:sp>
-      <p:sp>
-        <p:nvSpPr>
-          <p:cNvPr id="6" name="TextBox 5"/>
-          <p:cNvSpPr txBox="1"/>
-          <p:nvPr userDrawn="1"/>
-        </p:nvSpPr>
-        <p:spPr>
-          <a:xfrm>
-            <a:off x="538863" y="7683901"/>
-            <a:ext cx="7115490" cy="172355"/>
-          </a:xfrm>
-          <a:prstGeom prst="rect">
-            <a:avLst/>
-          </a:prstGeom>
-          <a:noFill/>
-        </p:spPr>
-        <p:txBody>
-          <a:bodyPr wrap="square" lIns="0" tIns="0" rIns="0" bIns="0" rtlCol="0">
-            <a:spAutoFit/>
-          </a:bodyPr>
-          <a:lstStyle/>
-          <a:p>
-            <a:pPr marL="0" marR="0" indent="0" algn="l" defTabSz="731520" rtl="0" eaLnBrk="1" fontAlgn="auto" latinLnBrk="0" hangingPunct="1">
-              <a:lnSpc>
-                <a:spcPct val="100000"/>
-              </a:lnSpc>
-              <a:spcBef>
-                <a:spcPts val="0"/>
-              </a:spcBef>
-              <a:spcAft>
-                <a:spcPts val="0"/>
-              </a:spcAft>
-              <a:buClrTx/>
-              <a:buSzTx/>
-              <a:buFontTx/>
-              <a:buNone/>
-              <a:tabLst/>
-              <a:defRPr/>
-            </a:pPr>
-            <a:r>
-              <a:rPr lang="en-US" sz="1120" b="0" i="0" dirty="0">
-                <a:solidFill>
-                  <a:schemeClr val="bg1">
-                    <a:lumMod val="50000"/>
-                  </a:schemeClr>
-                </a:solidFill>
-                <a:latin typeface="Amazon Ember" panose="020B0603020204020204" pitchFamily="34" charset="0"/>
-                <a:ea typeface="Amazon Ember" panose="020B0603020204020204" pitchFamily="34" charset="0"/>
-                <a:cs typeface="Amazon Ember" panose="020B0603020204020204" pitchFamily="34" charset="0"/>
-              </a:rPr>
-              <a:t>© 2020, Amazon Web Services, Inc. or its Affiliates. All rights reserved.</a:t>
-            </a:r>
-          </a:p>
-        </p:txBody>
-      </p:sp>
-      <p:pic>
-        <p:nvPicPr>
-          <p:cNvPr id="7" name="Picture 6"/>
-          <p:cNvPicPr>
-            <a:picLocks noChangeAspect="1"/>
-          </p:cNvPicPr>
-          <p:nvPr userDrawn="1"/>
-        </p:nvPicPr>
-        <p:blipFill>
-          <a:blip r:embed="rId26"/>
-          <a:srcRect/>
-          <a:stretch/>
-        </p:blipFill>
-        <p:spPr>
-          <a:xfrm>
-            <a:off x="13349613" y="7531058"/>
-            <a:ext cx="709192" cy="424101"/>
-          </a:xfrm>
-          <a:prstGeom prst="rect">
-            <a:avLst/>
-          </a:prstGeom>
-        </p:spPr>
-      </p:pic>
     </p:spTree>
     <p:extLst>
       <p:ext uri="{BB962C8B-B14F-4D97-AF65-F5344CB8AC3E}">
@@ -7053,1925 +6795,99 @@
           <a:chExt cx="0" cy="0"/>
         </a:xfrm>
       </p:grpSpPr>
-      <p:sp>
-        <p:nvSpPr>
-          <p:cNvPr id="4" name="Rectangle 3">
+      <p:grpSp>
+        <p:nvGrpSpPr>
+          <p:cNvPr id="167" name="Group 166">
             <a:extLst>
               <a:ext uri="{FF2B5EF4-FFF2-40B4-BE49-F238E27FC236}">
-                <a16:creationId xmlns:a16="http://schemas.microsoft.com/office/drawing/2014/main" id="{31B17231-AC0B-F041-868F-43D2E3056891}"/>
+                <a16:creationId xmlns:a16="http://schemas.microsoft.com/office/drawing/2014/main" id="{35B325AE-D4C4-0F49-A987-3B58E59811B6}"/>
               </a:ext>
             </a:extLst>
           </p:cNvPr>
-          <p:cNvSpPr/>
-          <p:nvPr/>
-        </p:nvSpPr>
-        <p:spPr>
-          <a:xfrm>
-            <a:off x="6709643" y="441069"/>
-            <a:ext cx="6146258" cy="4296374"/>
-          </a:xfrm>
-          <a:prstGeom prst="rect">
-            <a:avLst/>
-          </a:prstGeom>
-          <a:noFill/>
-          <a:ln w="12700">
-            <a:solidFill>
-              <a:schemeClr val="accent3"/>
-            </a:solidFill>
-            <a:prstDash val="sysDash"/>
-          </a:ln>
-        </p:spPr>
-        <p:style>
-          <a:lnRef idx="2">
-            <a:schemeClr val="accent1">
-              <a:shade val="50000"/>
-            </a:schemeClr>
-          </a:lnRef>
-          <a:fillRef idx="1">
-            <a:schemeClr val="accent1"/>
-          </a:fillRef>
-          <a:effectRef idx="0">
-            <a:schemeClr val="accent1"/>
-          </a:effectRef>
-          <a:fontRef idx="minor">
-            <a:schemeClr val="lt1"/>
-          </a:fontRef>
-        </p:style>
-        <p:txBody>
-          <a:bodyPr rot="0" spcFirstLastPara="0" vertOverflow="overflow" horzOverflow="overflow" vert="horz" wrap="square" lIns="457200" tIns="91440" rIns="91440" bIns="45720" numCol="1" spcCol="0" rtlCol="0" fromWordArt="0" anchor="t" anchorCtr="0" forceAA="0" compatLnSpc="1">
-            <a:prstTxWarp prst="textNoShape">
-              <a:avLst/>
-            </a:prstTxWarp>
-            <a:noAutofit/>
-          </a:bodyPr>
-          <a:lstStyle/>
-          <a:p>
-            <a:pPr algn="l"/>
-            <a:r>
-              <a:rPr lang="en-US" sz="1200" dirty="0">
-                <a:solidFill>
-                  <a:schemeClr val="accent3"/>
-                </a:solidFill>
-              </a:rPr>
-              <a:t>Primary Region</a:t>
-            </a:r>
-          </a:p>
-        </p:txBody>
-      </p:sp>
-      <p:pic>
-        <p:nvPicPr>
-          <p:cNvPr id="5" name="Graphic 4">
-            <a:extLst>
-              <a:ext uri="{FF2B5EF4-FFF2-40B4-BE49-F238E27FC236}">
-                <a16:creationId xmlns:a16="http://schemas.microsoft.com/office/drawing/2014/main" id="{1708BEB2-A826-D24F-A465-BE960062C5A2}"/>
-              </a:ext>
-            </a:extLst>
-          </p:cNvPr>
-          <p:cNvPicPr>
-            <a:picLocks noChangeAspect="1"/>
-          </p:cNvPicPr>
-          <p:nvPr/>
-        </p:nvPicPr>
-        <p:blipFill>
-          <a:blip r:embed="rId2">
-            <a:extLst>
-              <a:ext uri="{96DAC541-7B7A-43D3-8B79-37D633B846F1}">
-                <asvg:svgBlip xmlns:asvg="http://schemas.microsoft.com/office/drawing/2016/SVG/main" r:embed="rId3"/>
-              </a:ext>
-            </a:extLst>
-          </a:blip>
-          <a:stretch>
-            <a:fillRect/>
-          </a:stretch>
-        </p:blipFill>
-        <p:spPr>
-          <a:xfrm>
-            <a:off x="6716284" y="441068"/>
-            <a:ext cx="330200" cy="330200"/>
-          </a:xfrm>
-          <a:prstGeom prst="rect">
-            <a:avLst/>
-          </a:prstGeom>
-        </p:spPr>
-      </p:pic>
-      <p:sp>
-        <p:nvSpPr>
-          <p:cNvPr id="6" name="Rectangle 5">
-            <a:extLst>
-              <a:ext uri="{FF2B5EF4-FFF2-40B4-BE49-F238E27FC236}">
-                <a16:creationId xmlns:a16="http://schemas.microsoft.com/office/drawing/2014/main" id="{74CB007C-7FEC-2147-916C-C45B58210CBE}"/>
-              </a:ext>
-            </a:extLst>
-          </p:cNvPr>
-          <p:cNvSpPr/>
-          <p:nvPr/>
-        </p:nvSpPr>
-        <p:spPr>
-          <a:xfrm>
-            <a:off x="450724" y="441009"/>
-            <a:ext cx="5760000" cy="4296433"/>
-          </a:xfrm>
-          <a:prstGeom prst="rect">
-            <a:avLst/>
-          </a:prstGeom>
-          <a:noFill/>
-          <a:ln w="12700">
-            <a:solidFill>
-              <a:schemeClr val="accent3"/>
-            </a:solidFill>
-            <a:prstDash val="sysDash"/>
-          </a:ln>
-        </p:spPr>
-        <p:style>
-          <a:lnRef idx="2">
-            <a:schemeClr val="accent1">
-              <a:shade val="50000"/>
-            </a:schemeClr>
-          </a:lnRef>
-          <a:fillRef idx="1">
-            <a:schemeClr val="accent1"/>
-          </a:fillRef>
-          <a:effectRef idx="0">
-            <a:schemeClr val="accent1"/>
-          </a:effectRef>
-          <a:fontRef idx="minor">
-            <a:schemeClr val="lt1"/>
-          </a:fontRef>
-        </p:style>
-        <p:txBody>
-          <a:bodyPr rot="0" spcFirstLastPara="0" vertOverflow="overflow" horzOverflow="overflow" vert="horz" wrap="square" lIns="457200" tIns="91440" rIns="91440" bIns="45720" numCol="1" spcCol="0" rtlCol="0" fromWordArt="0" anchor="t" anchorCtr="0" forceAA="0" compatLnSpc="1">
-            <a:prstTxWarp prst="textNoShape">
-              <a:avLst/>
-            </a:prstTxWarp>
-            <a:noAutofit/>
-          </a:bodyPr>
-          <a:lstStyle/>
-          <a:p>
-            <a:pPr algn="l"/>
-            <a:r>
-              <a:rPr lang="en-US" sz="1200" dirty="0">
-                <a:solidFill>
-                  <a:schemeClr val="accent3"/>
-                </a:solidFill>
-              </a:rPr>
-              <a:t>Region x</a:t>
-            </a:r>
-          </a:p>
-        </p:txBody>
-      </p:sp>
-      <p:sp>
-        <p:nvSpPr>
-          <p:cNvPr id="8" name="Rectangle 7">
-            <a:extLst>
-              <a:ext uri="{FF2B5EF4-FFF2-40B4-BE49-F238E27FC236}">
-                <a16:creationId xmlns:a16="http://schemas.microsoft.com/office/drawing/2014/main" id="{758D678E-2AD3-574B-BB0C-99F17B29C7E2}"/>
-              </a:ext>
-            </a:extLst>
-          </p:cNvPr>
-          <p:cNvSpPr/>
-          <p:nvPr/>
-        </p:nvSpPr>
-        <p:spPr>
-          <a:xfrm>
-            <a:off x="850865" y="111213"/>
-            <a:ext cx="4984205" cy="5589659"/>
-          </a:xfrm>
-          <a:prstGeom prst="rect">
-            <a:avLst/>
-          </a:prstGeom>
-          <a:noFill/>
-          <a:ln w="12700">
-            <a:solidFill>
-              <a:srgbClr val="5A6B86"/>
-            </a:solidFill>
-            <a:prstDash val="dash"/>
-          </a:ln>
-        </p:spPr>
-        <p:style>
-          <a:lnRef idx="2">
-            <a:schemeClr val="accent1">
-              <a:shade val="50000"/>
-            </a:schemeClr>
-          </a:lnRef>
-          <a:fillRef idx="1">
-            <a:schemeClr val="accent1"/>
-          </a:fillRef>
-          <a:effectRef idx="0">
-            <a:schemeClr val="accent1"/>
-          </a:effectRef>
-          <a:fontRef idx="minor">
-            <a:schemeClr val="lt1"/>
-          </a:fontRef>
-        </p:style>
-        <p:txBody>
-          <a:bodyPr rot="0" spcFirstLastPara="0" vertOverflow="overflow" horzOverflow="overflow" vert="horz" wrap="square" lIns="91440" tIns="91440" rIns="91440" bIns="45720" numCol="1" spcCol="0" rtlCol="0" fromWordArt="0" anchor="t" anchorCtr="0" forceAA="0" compatLnSpc="1">
-            <a:prstTxWarp prst="textNoShape">
-              <a:avLst/>
-            </a:prstTxWarp>
-            <a:noAutofit/>
-          </a:bodyPr>
-          <a:lstStyle/>
-          <a:p>
-            <a:pPr algn="ctr"/>
-            <a:r>
-              <a:rPr lang="en-US" sz="1200" dirty="0">
-                <a:solidFill>
-                  <a:srgbClr val="5A6B86"/>
-                </a:solidFill>
-              </a:rPr>
-              <a:t>Account x</a:t>
-            </a:r>
-          </a:p>
-        </p:txBody>
-      </p:sp>
-      <p:sp>
-        <p:nvSpPr>
-          <p:cNvPr id="10" name="Rectangle 9">
-            <a:extLst>
-              <a:ext uri="{FF2B5EF4-FFF2-40B4-BE49-F238E27FC236}">
-                <a16:creationId xmlns:a16="http://schemas.microsoft.com/office/drawing/2014/main" id="{3D32E60D-E9F8-CD46-A516-D3105087159F}"/>
-              </a:ext>
-            </a:extLst>
-          </p:cNvPr>
-          <p:cNvSpPr/>
-          <p:nvPr/>
-        </p:nvSpPr>
-        <p:spPr>
-          <a:xfrm>
-            <a:off x="7110010" y="111213"/>
-            <a:ext cx="5385501" cy="5577301"/>
-          </a:xfrm>
-          <a:prstGeom prst="rect">
-            <a:avLst/>
-          </a:prstGeom>
-          <a:noFill/>
-          <a:ln w="12700">
-            <a:solidFill>
-              <a:srgbClr val="5A6B86"/>
-            </a:solidFill>
-            <a:prstDash val="dash"/>
-          </a:ln>
-        </p:spPr>
-        <p:style>
-          <a:lnRef idx="2">
-            <a:schemeClr val="accent1">
-              <a:shade val="50000"/>
-            </a:schemeClr>
-          </a:lnRef>
-          <a:fillRef idx="1">
-            <a:schemeClr val="accent1"/>
-          </a:fillRef>
-          <a:effectRef idx="0">
-            <a:schemeClr val="accent1"/>
-          </a:effectRef>
-          <a:fontRef idx="minor">
-            <a:schemeClr val="lt1"/>
-          </a:fontRef>
-        </p:style>
-        <p:txBody>
-          <a:bodyPr rot="0" spcFirstLastPara="0" vertOverflow="overflow" horzOverflow="overflow" vert="horz" wrap="square" lIns="91440" tIns="91440" rIns="91440" bIns="45720" numCol="1" spcCol="0" rtlCol="0" fromWordArt="0" anchor="t" anchorCtr="0" forceAA="0" compatLnSpc="1">
-            <a:prstTxWarp prst="textNoShape">
-              <a:avLst/>
-            </a:prstTxWarp>
-            <a:noAutofit/>
-          </a:bodyPr>
-          <a:lstStyle/>
-          <a:p>
-            <a:pPr algn="ctr"/>
-            <a:r>
-              <a:rPr lang="en-US" sz="1200" dirty="0">
-                <a:solidFill>
-                  <a:srgbClr val="5A6B86"/>
-                </a:solidFill>
-              </a:rPr>
-              <a:t>Primary Account</a:t>
-            </a:r>
-          </a:p>
-        </p:txBody>
-      </p:sp>
-      <p:pic>
-        <p:nvPicPr>
-          <p:cNvPr id="11" name="Graphic 10">
-            <a:extLst>
-              <a:ext uri="{FF2B5EF4-FFF2-40B4-BE49-F238E27FC236}">
-                <a16:creationId xmlns:a16="http://schemas.microsoft.com/office/drawing/2014/main" id="{7DDAFF60-2384-0444-929D-BF207F14959E}"/>
-              </a:ext>
-            </a:extLst>
-          </p:cNvPr>
-          <p:cNvPicPr>
-            <a:picLocks noChangeAspect="1"/>
-          </p:cNvPicPr>
-          <p:nvPr/>
-        </p:nvPicPr>
-        <p:blipFill>
-          <a:blip r:embed="rId4">
-            <a:extLst>
-              <a:ext uri="{96DAC541-7B7A-43D3-8B79-37D633B846F1}">
-                <asvg:svgBlip xmlns:asvg="http://schemas.microsoft.com/office/drawing/2016/SVG/main" r:embed="rId5"/>
-              </a:ext>
-            </a:extLst>
-          </a:blip>
-          <a:stretch>
-            <a:fillRect/>
-          </a:stretch>
-        </p:blipFill>
-        <p:spPr>
-          <a:xfrm>
-            <a:off x="7633151" y="974702"/>
-            <a:ext cx="469900" cy="469900"/>
-          </a:xfrm>
-          <a:prstGeom prst="rect">
-            <a:avLst/>
-          </a:prstGeom>
-        </p:spPr>
-      </p:pic>
-      <p:sp>
-        <p:nvSpPr>
-          <p:cNvPr id="12" name="TextBox 11">
-            <a:extLst>
-              <a:ext uri="{FF2B5EF4-FFF2-40B4-BE49-F238E27FC236}">
-                <a16:creationId xmlns:a16="http://schemas.microsoft.com/office/drawing/2014/main" id="{EF178181-90F7-E542-A943-BF79E9D8F125}"/>
-              </a:ext>
-            </a:extLst>
-          </p:cNvPr>
-          <p:cNvSpPr txBox="1"/>
-          <p:nvPr/>
-        </p:nvSpPr>
-        <p:spPr>
-          <a:xfrm>
-            <a:off x="7368469" y="1480330"/>
-            <a:ext cx="999265" cy="369332"/>
-          </a:xfrm>
-          <a:prstGeom prst="rect">
-            <a:avLst/>
-          </a:prstGeom>
-          <a:noFill/>
-        </p:spPr>
-        <p:txBody>
-          <a:bodyPr wrap="square" rtlCol="0">
-            <a:spAutoFit/>
-          </a:bodyPr>
-          <a:lstStyle/>
-          <a:p>
-            <a:pPr algn="ctr"/>
-            <a:r>
-              <a:rPr lang="en-US" sz="900" dirty="0"/>
-              <a:t>S3 Bucket</a:t>
-            </a:r>
-          </a:p>
-          <a:p>
-            <a:pPr algn="ctr"/>
-            <a:r>
-              <a:rPr lang="en-US" sz="900" dirty="0"/>
-              <a:t>SSM Inventory</a:t>
-            </a:r>
-            <a:endParaRPr lang="en-US" sz="1000" dirty="0"/>
-          </a:p>
-        </p:txBody>
-      </p:sp>
-      <p:sp>
-        <p:nvSpPr>
-          <p:cNvPr id="13" name="TextBox 12">
-            <a:extLst>
-              <a:ext uri="{FF2B5EF4-FFF2-40B4-BE49-F238E27FC236}">
-                <a16:creationId xmlns:a16="http://schemas.microsoft.com/office/drawing/2014/main" id="{1D2B3603-807E-5D45-B468-42A2A9473777}"/>
-              </a:ext>
-            </a:extLst>
-          </p:cNvPr>
-          <p:cNvSpPr txBox="1"/>
-          <p:nvPr/>
-        </p:nvSpPr>
-        <p:spPr>
-          <a:xfrm>
-            <a:off x="8821604" y="3047331"/>
-            <a:ext cx="1691411" cy="230832"/>
-          </a:xfrm>
-          <a:prstGeom prst="rect">
-            <a:avLst/>
-          </a:prstGeom>
-          <a:noFill/>
-        </p:spPr>
-        <p:txBody>
-          <a:bodyPr wrap="square" rtlCol="0">
-            <a:spAutoFit/>
-          </a:bodyPr>
-          <a:lstStyle/>
-          <a:p>
-            <a:pPr algn="ctr"/>
-            <a:r>
-              <a:rPr lang="en-US" sz="900" dirty="0">
-                <a:latin typeface="+mj-lt"/>
-                <a:ea typeface="Amazon Ember" panose="020B0603020204020204" pitchFamily="34" charset="0"/>
-                <a:cs typeface="Amazon Ember" panose="020B0603020204020204" pitchFamily="34" charset="0"/>
-              </a:rPr>
-              <a:t>Amazon Athena</a:t>
-            </a:r>
-          </a:p>
-        </p:txBody>
-      </p:sp>
-      <p:pic>
-        <p:nvPicPr>
-          <p:cNvPr id="14" name="Graphic 13">
-            <a:extLst>
-              <a:ext uri="{FF2B5EF4-FFF2-40B4-BE49-F238E27FC236}">
-                <a16:creationId xmlns:a16="http://schemas.microsoft.com/office/drawing/2014/main" id="{764ACC38-E00D-6948-B033-4DCB111010AF}"/>
-              </a:ext>
-            </a:extLst>
-          </p:cNvPr>
-          <p:cNvPicPr>
-            <a:picLocks noChangeAspect="1"/>
-          </p:cNvPicPr>
-          <p:nvPr/>
-        </p:nvPicPr>
-        <p:blipFill>
-          <a:blip r:embed="rId6">
-            <a:extLst>
-              <a:ext uri="{96DAC541-7B7A-43D3-8B79-37D633B846F1}">
-                <asvg:svgBlip xmlns:asvg="http://schemas.microsoft.com/office/drawing/2016/SVG/main" r:embed="rId7"/>
-              </a:ext>
-            </a:extLst>
-          </a:blip>
-          <a:stretch>
-            <a:fillRect/>
-          </a:stretch>
-        </p:blipFill>
-        <p:spPr>
-          <a:xfrm>
-            <a:off x="9311710" y="2324429"/>
-            <a:ext cx="711200" cy="711200"/>
-          </a:xfrm>
-          <a:prstGeom prst="rect">
-            <a:avLst/>
-          </a:prstGeom>
-        </p:spPr>
-      </p:pic>
-      <p:pic>
-        <p:nvPicPr>
-          <p:cNvPr id="15" name="Graphic 14">
-            <a:extLst>
-              <a:ext uri="{FF2B5EF4-FFF2-40B4-BE49-F238E27FC236}">
-                <a16:creationId xmlns:a16="http://schemas.microsoft.com/office/drawing/2014/main" id="{3D7E50E0-63D6-4441-B503-61C0012108DF}"/>
-              </a:ext>
-            </a:extLst>
-          </p:cNvPr>
-          <p:cNvPicPr>
-            <a:picLocks noChangeAspect="1"/>
-          </p:cNvPicPr>
-          <p:nvPr/>
-        </p:nvPicPr>
-        <p:blipFill>
-          <a:blip r:embed="rId4">
-            <a:extLst>
-              <a:ext uri="{96DAC541-7B7A-43D3-8B79-37D633B846F1}">
-                <asvg:svgBlip xmlns:asvg="http://schemas.microsoft.com/office/drawing/2016/SVG/main" r:embed="rId5"/>
-              </a:ext>
-            </a:extLst>
-          </a:blip>
-          <a:stretch>
-            <a:fillRect/>
-          </a:stretch>
-        </p:blipFill>
-        <p:spPr>
-          <a:xfrm>
-            <a:off x="7599381" y="2445819"/>
-            <a:ext cx="469900" cy="469900"/>
-          </a:xfrm>
-          <a:prstGeom prst="rect">
-            <a:avLst/>
-          </a:prstGeom>
-        </p:spPr>
-      </p:pic>
-      <p:sp>
-        <p:nvSpPr>
-          <p:cNvPr id="16" name="TextBox 15">
-            <a:extLst>
-              <a:ext uri="{FF2B5EF4-FFF2-40B4-BE49-F238E27FC236}">
-                <a16:creationId xmlns:a16="http://schemas.microsoft.com/office/drawing/2014/main" id="{36BF8E71-2D2B-3341-8C76-08B84A6272F5}"/>
-              </a:ext>
-            </a:extLst>
-          </p:cNvPr>
-          <p:cNvSpPr txBox="1"/>
-          <p:nvPr/>
-        </p:nvSpPr>
-        <p:spPr>
-          <a:xfrm>
-            <a:off x="7332281" y="2936464"/>
-            <a:ext cx="999265" cy="369332"/>
-          </a:xfrm>
-          <a:prstGeom prst="rect">
-            <a:avLst/>
-          </a:prstGeom>
-          <a:noFill/>
-        </p:spPr>
-        <p:txBody>
-          <a:bodyPr wrap="square" rtlCol="0">
-            <a:spAutoFit/>
-          </a:bodyPr>
-          <a:lstStyle/>
-          <a:p>
-            <a:pPr algn="ctr"/>
-            <a:r>
-              <a:rPr lang="en-US" sz="900" dirty="0"/>
-              <a:t>S3 Bucket</a:t>
-            </a:r>
-          </a:p>
-          <a:p>
-            <a:pPr algn="ctr"/>
-            <a:r>
-              <a:rPr lang="en-US" sz="900" dirty="0"/>
-              <a:t>Config</a:t>
-            </a:r>
-            <a:endParaRPr lang="en-US" sz="1000" dirty="0"/>
-          </a:p>
-        </p:txBody>
-      </p:sp>
-      <p:sp>
-        <p:nvSpPr>
-          <p:cNvPr id="17" name="TextBox 16">
-            <a:extLst>
-              <a:ext uri="{FF2B5EF4-FFF2-40B4-BE49-F238E27FC236}">
-                <a16:creationId xmlns:a16="http://schemas.microsoft.com/office/drawing/2014/main" id="{A8960B58-38E8-F24E-8ADF-341A32999EB6}"/>
-              </a:ext>
-            </a:extLst>
-          </p:cNvPr>
-          <p:cNvSpPr txBox="1"/>
-          <p:nvPr/>
-        </p:nvSpPr>
-        <p:spPr>
-          <a:xfrm>
-            <a:off x="10667564" y="3047331"/>
-            <a:ext cx="1906749" cy="230832"/>
-          </a:xfrm>
-          <a:prstGeom prst="rect">
-            <a:avLst/>
-          </a:prstGeom>
-          <a:noFill/>
-        </p:spPr>
-        <p:txBody>
-          <a:bodyPr wrap="square" rtlCol="0">
-            <a:spAutoFit/>
-          </a:bodyPr>
-          <a:lstStyle/>
-          <a:p>
-            <a:pPr algn="ctr"/>
-            <a:r>
-              <a:rPr lang="en-US" sz="900" dirty="0">
-                <a:solidFill>
-                  <a:srgbClr val="000000"/>
-                </a:solidFill>
-                <a:latin typeface="+mj-lt"/>
-                <a:ea typeface="Amazon Ember" panose="020B0603020204020204" pitchFamily="34" charset="0"/>
-                <a:cs typeface="Amazon Ember" panose="020B0603020204020204" pitchFamily="34" charset="0"/>
-              </a:rPr>
-              <a:t>Amazon QuickSight</a:t>
-            </a:r>
-            <a:endParaRPr lang="en-US" sz="900" dirty="0">
-              <a:latin typeface="+mj-lt"/>
-              <a:ea typeface="Amazon Ember" panose="020B0603020204020204" pitchFamily="34" charset="0"/>
-              <a:cs typeface="Amazon Ember" panose="020B0603020204020204" pitchFamily="34" charset="0"/>
-            </a:endParaRPr>
-          </a:p>
-        </p:txBody>
-      </p:sp>
-      <p:pic>
-        <p:nvPicPr>
-          <p:cNvPr id="18" name="Graphic 17">
-            <a:extLst>
-              <a:ext uri="{FF2B5EF4-FFF2-40B4-BE49-F238E27FC236}">
-                <a16:creationId xmlns:a16="http://schemas.microsoft.com/office/drawing/2014/main" id="{B03FFF33-55A4-C547-8B74-5384D92AFC18}"/>
-              </a:ext>
-            </a:extLst>
-          </p:cNvPr>
-          <p:cNvPicPr>
-            <a:picLocks noChangeAspect="1"/>
-          </p:cNvPicPr>
-          <p:nvPr/>
-        </p:nvPicPr>
-        <p:blipFill>
-          <a:blip r:embed="rId8">
-            <a:extLst>
-              <a:ext uri="{96DAC541-7B7A-43D3-8B79-37D633B846F1}">
-                <asvg:svgBlip xmlns:asvg="http://schemas.microsoft.com/office/drawing/2016/SVG/main" r:embed="rId9"/>
-              </a:ext>
-            </a:extLst>
-          </a:blip>
-          <a:stretch>
-            <a:fillRect/>
-          </a:stretch>
-        </p:blipFill>
-        <p:spPr>
-          <a:xfrm>
-            <a:off x="11265339" y="2324131"/>
-            <a:ext cx="711200" cy="711200"/>
-          </a:xfrm>
-          <a:prstGeom prst="rect">
-            <a:avLst/>
-          </a:prstGeom>
-        </p:spPr>
-      </p:pic>
-      <p:sp>
-        <p:nvSpPr>
-          <p:cNvPr id="19" name="TextBox 18">
-            <a:extLst>
-              <a:ext uri="{FF2B5EF4-FFF2-40B4-BE49-F238E27FC236}">
-                <a16:creationId xmlns:a16="http://schemas.microsoft.com/office/drawing/2014/main" id="{17FF5969-DD75-2240-9E4D-9FF9EDD48D93}"/>
-              </a:ext>
-            </a:extLst>
-          </p:cNvPr>
-          <p:cNvSpPr txBox="1"/>
-          <p:nvPr/>
-        </p:nvSpPr>
-        <p:spPr>
-          <a:xfrm>
-            <a:off x="8516358" y="1480330"/>
-            <a:ext cx="2301904" cy="369332"/>
-          </a:xfrm>
-          <a:prstGeom prst="rect">
-            <a:avLst/>
-          </a:prstGeom>
-          <a:noFill/>
-        </p:spPr>
-        <p:txBody>
-          <a:bodyPr wrap="square" rtlCol="0">
-            <a:spAutoFit/>
-          </a:bodyPr>
-          <a:lstStyle/>
-          <a:p>
-            <a:pPr algn="ctr"/>
-            <a:r>
-              <a:rPr lang="en-US" sz="900" dirty="0"/>
-              <a:t>Lambda function</a:t>
-            </a:r>
-          </a:p>
-          <a:p>
-            <a:pPr algn="ctr"/>
-            <a:r>
-              <a:rPr lang="en-US" sz="900" dirty="0"/>
-              <a:t>Partition Config Data</a:t>
-            </a:r>
-          </a:p>
-        </p:txBody>
-      </p:sp>
-      <p:pic>
-        <p:nvPicPr>
-          <p:cNvPr id="20" name="Graphic 19">
-            <a:extLst>
-              <a:ext uri="{FF2B5EF4-FFF2-40B4-BE49-F238E27FC236}">
-                <a16:creationId xmlns:a16="http://schemas.microsoft.com/office/drawing/2014/main" id="{EC2A4264-AF3A-0B43-87B9-D0C43B58423C}"/>
-              </a:ext>
-            </a:extLst>
-          </p:cNvPr>
-          <p:cNvPicPr>
-            <a:picLocks noChangeAspect="1"/>
-          </p:cNvPicPr>
-          <p:nvPr/>
-        </p:nvPicPr>
-        <p:blipFill>
-          <a:blip r:embed="rId10">
-            <a:extLst>
-              <a:ext uri="{96DAC541-7B7A-43D3-8B79-37D633B846F1}">
-                <asvg:svgBlip xmlns:asvg="http://schemas.microsoft.com/office/drawing/2016/SVG/main" r:embed="rId11"/>
-              </a:ext>
-            </a:extLst>
-          </a:blip>
-          <a:stretch>
-            <a:fillRect/>
-          </a:stretch>
-        </p:blipFill>
-        <p:spPr>
-          <a:xfrm>
-            <a:off x="9432360" y="972401"/>
-            <a:ext cx="469900" cy="469900"/>
-          </a:xfrm>
-          <a:prstGeom prst="rect">
-            <a:avLst/>
-          </a:prstGeom>
-        </p:spPr>
-      </p:pic>
-      <p:sp>
-        <p:nvSpPr>
-          <p:cNvPr id="23" name="TextBox 22">
-            <a:extLst>
-              <a:ext uri="{FF2B5EF4-FFF2-40B4-BE49-F238E27FC236}">
-                <a16:creationId xmlns:a16="http://schemas.microsoft.com/office/drawing/2014/main" id="{F59663D0-4B01-404B-AF97-D024F02098D7}"/>
-              </a:ext>
-            </a:extLst>
-          </p:cNvPr>
-          <p:cNvSpPr txBox="1"/>
-          <p:nvPr/>
-        </p:nvSpPr>
-        <p:spPr>
-          <a:xfrm>
-            <a:off x="10792284" y="1484284"/>
-            <a:ext cx="1649985" cy="507831"/>
-          </a:xfrm>
-          <a:prstGeom prst="rect">
-            <a:avLst/>
-          </a:prstGeom>
-          <a:noFill/>
-        </p:spPr>
-        <p:txBody>
-          <a:bodyPr wrap="square" rtlCol="0">
-            <a:spAutoFit/>
-          </a:bodyPr>
-          <a:lstStyle/>
-          <a:p>
-            <a:pPr algn="ctr"/>
-            <a:r>
-              <a:rPr lang="en-US" sz="900" dirty="0"/>
-              <a:t>Lambda function</a:t>
-            </a:r>
-          </a:p>
-          <a:p>
-            <a:pPr algn="ctr"/>
-            <a:r>
-              <a:rPr lang="en-US" sz="900" dirty="0"/>
-              <a:t>Repair Athena Tables</a:t>
-            </a:r>
-          </a:p>
-          <a:p>
-            <a:pPr algn="ctr"/>
-            <a:r>
-              <a:rPr lang="en-US" sz="900" dirty="0"/>
-              <a:t>Create QuickSight </a:t>
-            </a:r>
-            <a:r>
-              <a:rPr lang="en-US" sz="900" dirty="0" err="1"/>
-              <a:t>DataSets</a:t>
-            </a:r>
-            <a:endParaRPr lang="en-US" sz="900" dirty="0"/>
-          </a:p>
-        </p:txBody>
-      </p:sp>
-      <p:pic>
-        <p:nvPicPr>
-          <p:cNvPr id="24" name="Graphic 23">
-            <a:extLst>
-              <a:ext uri="{FF2B5EF4-FFF2-40B4-BE49-F238E27FC236}">
-                <a16:creationId xmlns:a16="http://schemas.microsoft.com/office/drawing/2014/main" id="{760E5DD9-872A-1D4C-A144-8ABE49AB7B35}"/>
-              </a:ext>
-            </a:extLst>
-          </p:cNvPr>
-          <p:cNvPicPr>
-            <a:picLocks noChangeAspect="1"/>
-          </p:cNvPicPr>
-          <p:nvPr/>
-        </p:nvPicPr>
-        <p:blipFill>
-          <a:blip r:embed="rId10">
-            <a:extLst>
-              <a:ext uri="{96DAC541-7B7A-43D3-8B79-37D633B846F1}">
-                <asvg:svgBlip xmlns:asvg="http://schemas.microsoft.com/office/drawing/2016/SVG/main" r:embed="rId11"/>
-              </a:ext>
-            </a:extLst>
-          </a:blip>
-          <a:stretch>
-            <a:fillRect/>
-          </a:stretch>
-        </p:blipFill>
-        <p:spPr>
-          <a:xfrm>
-            <a:off x="11382006" y="974702"/>
-            <a:ext cx="469900" cy="469900"/>
-          </a:xfrm>
-          <a:prstGeom prst="rect">
-            <a:avLst/>
-          </a:prstGeom>
-        </p:spPr>
-      </p:pic>
-      <p:cxnSp>
-        <p:nvCxnSpPr>
-          <p:cNvPr id="25" name="Straight Arrow Connector 24">
-            <a:extLst>
-              <a:ext uri="{FF2B5EF4-FFF2-40B4-BE49-F238E27FC236}">
-                <a16:creationId xmlns:a16="http://schemas.microsoft.com/office/drawing/2014/main" id="{10233A44-C9AE-BF40-90A1-B61BB3331D90}"/>
-              </a:ext>
-            </a:extLst>
-          </p:cNvPr>
-          <p:cNvCxnSpPr>
-            <a:cxnSpLocks/>
-            <a:stCxn id="14" idx="0"/>
-            <a:endCxn id="19" idx="2"/>
-          </p:cNvCxnSpPr>
-          <p:nvPr/>
-        </p:nvCxnSpPr>
-        <p:spPr>
-          <a:xfrm flipV="1">
-            <a:off x="9667310" y="1849662"/>
-            <a:ext cx="0" cy="474767"/>
-          </a:xfrm>
-          <a:prstGeom prst="straightConnector1">
-            <a:avLst/>
-          </a:prstGeom>
-          <a:ln w="12700">
-            <a:solidFill>
-              <a:schemeClr val="tx2"/>
-            </a:solidFill>
-            <a:headEnd type="arrow" w="med" len="sm"/>
-            <a:tailEnd type="none" w="med" len="sm"/>
-          </a:ln>
-        </p:spPr>
-        <p:style>
-          <a:lnRef idx="1">
-            <a:schemeClr val="accent1"/>
-          </a:lnRef>
-          <a:fillRef idx="0">
-            <a:schemeClr val="accent1"/>
-          </a:fillRef>
-          <a:effectRef idx="0">
-            <a:schemeClr val="accent1"/>
-          </a:effectRef>
-          <a:fontRef idx="minor">
-            <a:schemeClr val="tx1"/>
-          </a:fontRef>
-        </p:style>
-      </p:cxnSp>
-      <p:cxnSp>
-        <p:nvCxnSpPr>
-          <p:cNvPr id="28" name="Straight Arrow Connector 27">
-            <a:extLst>
-              <a:ext uri="{FF2B5EF4-FFF2-40B4-BE49-F238E27FC236}">
-                <a16:creationId xmlns:a16="http://schemas.microsoft.com/office/drawing/2014/main" id="{21551DC9-4D63-5F45-BB46-7B3BEC9EF5A5}"/>
-              </a:ext>
-            </a:extLst>
-          </p:cNvPr>
-          <p:cNvCxnSpPr>
-            <a:cxnSpLocks/>
-          </p:cNvCxnSpPr>
-          <p:nvPr/>
-        </p:nvCxnSpPr>
-        <p:spPr>
-          <a:xfrm flipV="1">
-            <a:off x="10029389" y="1939376"/>
-            <a:ext cx="867394" cy="384755"/>
-          </a:xfrm>
-          <a:prstGeom prst="straightConnector1">
-            <a:avLst/>
-          </a:prstGeom>
-          <a:ln w="12700">
-            <a:solidFill>
-              <a:schemeClr val="tx2"/>
-            </a:solidFill>
-            <a:headEnd type="arrow" w="med" len="sm"/>
-            <a:tailEnd type="none" w="med" len="sm"/>
-          </a:ln>
-        </p:spPr>
-        <p:style>
-          <a:lnRef idx="1">
-            <a:schemeClr val="accent1"/>
-          </a:lnRef>
-          <a:fillRef idx="0">
-            <a:schemeClr val="accent1"/>
-          </a:fillRef>
-          <a:effectRef idx="0">
-            <a:schemeClr val="accent1"/>
-          </a:effectRef>
-          <a:fontRef idx="minor">
-            <a:schemeClr val="tx1"/>
-          </a:fontRef>
-        </p:style>
-      </p:cxnSp>
-      <p:cxnSp>
-        <p:nvCxnSpPr>
-          <p:cNvPr id="31" name="Straight Arrow Connector 30">
-            <a:extLst>
-              <a:ext uri="{FF2B5EF4-FFF2-40B4-BE49-F238E27FC236}">
-                <a16:creationId xmlns:a16="http://schemas.microsoft.com/office/drawing/2014/main" id="{56E928DC-81EC-344F-963A-42188BDEDFE3}"/>
-              </a:ext>
-            </a:extLst>
-          </p:cNvPr>
-          <p:cNvCxnSpPr>
-            <a:cxnSpLocks/>
-            <a:stCxn id="18" idx="0"/>
-            <a:endCxn id="23" idx="2"/>
-          </p:cNvCxnSpPr>
-          <p:nvPr/>
-        </p:nvCxnSpPr>
-        <p:spPr>
-          <a:xfrm flipH="1" flipV="1">
-            <a:off x="11617277" y="1992115"/>
-            <a:ext cx="3662" cy="332016"/>
-          </a:xfrm>
-          <a:prstGeom prst="straightConnector1">
-            <a:avLst/>
-          </a:prstGeom>
-          <a:ln w="12700">
-            <a:solidFill>
-              <a:schemeClr val="tx2"/>
-            </a:solidFill>
-            <a:headEnd type="arrow" w="med" len="sm"/>
-            <a:tailEnd type="none" w="med" len="sm"/>
-          </a:ln>
-        </p:spPr>
-        <p:style>
-          <a:lnRef idx="1">
-            <a:schemeClr val="accent1"/>
-          </a:lnRef>
-          <a:fillRef idx="0">
-            <a:schemeClr val="accent1"/>
-          </a:fillRef>
-          <a:effectRef idx="0">
-            <a:schemeClr val="accent1"/>
-          </a:effectRef>
-          <a:fontRef idx="minor">
-            <a:schemeClr val="tx1"/>
-          </a:fontRef>
-        </p:style>
-      </p:cxnSp>
-      <p:cxnSp>
-        <p:nvCxnSpPr>
-          <p:cNvPr id="39" name="Straight Arrow Connector 38">
-            <a:extLst>
-              <a:ext uri="{FF2B5EF4-FFF2-40B4-BE49-F238E27FC236}">
-                <a16:creationId xmlns:a16="http://schemas.microsoft.com/office/drawing/2014/main" id="{597DB58E-A778-3E42-9BAC-FA880AE8C8F9}"/>
-              </a:ext>
-            </a:extLst>
-          </p:cNvPr>
-          <p:cNvCxnSpPr>
-            <a:cxnSpLocks/>
-            <a:stCxn id="18" idx="1"/>
-            <a:endCxn id="14" idx="3"/>
-          </p:cNvCxnSpPr>
-          <p:nvPr/>
-        </p:nvCxnSpPr>
-        <p:spPr>
-          <a:xfrm flipH="1">
-            <a:off x="10022910" y="2679731"/>
-            <a:ext cx="1242429" cy="298"/>
-          </a:xfrm>
-          <a:prstGeom prst="straightConnector1">
-            <a:avLst/>
-          </a:prstGeom>
-          <a:ln w="12700">
-            <a:solidFill>
-              <a:schemeClr val="tx2"/>
-            </a:solidFill>
-            <a:headEnd type="arrow" w="med" len="sm"/>
-            <a:tailEnd type="none" w="med" len="sm"/>
-          </a:ln>
-        </p:spPr>
-        <p:style>
-          <a:lnRef idx="1">
-            <a:schemeClr val="accent1"/>
-          </a:lnRef>
-          <a:fillRef idx="0">
-            <a:schemeClr val="accent1"/>
-          </a:fillRef>
-          <a:effectRef idx="0">
-            <a:schemeClr val="accent1"/>
-          </a:effectRef>
-          <a:fontRef idx="minor">
-            <a:schemeClr val="tx1"/>
-          </a:fontRef>
-        </p:style>
-      </p:cxnSp>
-      <p:cxnSp>
-        <p:nvCxnSpPr>
-          <p:cNvPr id="55" name="Straight Arrow Connector 54">
-            <a:extLst>
-              <a:ext uri="{FF2B5EF4-FFF2-40B4-BE49-F238E27FC236}">
-                <a16:creationId xmlns:a16="http://schemas.microsoft.com/office/drawing/2014/main" id="{1866B6BF-3066-3747-A5BF-7DE0822DEE4F}"/>
-              </a:ext>
-            </a:extLst>
-          </p:cNvPr>
-          <p:cNvCxnSpPr>
-            <a:cxnSpLocks/>
-            <a:endCxn id="12" idx="3"/>
-          </p:cNvCxnSpPr>
-          <p:nvPr/>
-        </p:nvCxnSpPr>
-        <p:spPr>
-          <a:xfrm flipH="1" flipV="1">
-            <a:off x="8367734" y="1664996"/>
-            <a:ext cx="937497" cy="659135"/>
-          </a:xfrm>
-          <a:prstGeom prst="straightConnector1">
-            <a:avLst/>
-          </a:prstGeom>
-          <a:ln w="12700">
-            <a:solidFill>
-              <a:schemeClr val="tx2"/>
-            </a:solidFill>
-            <a:headEnd type="arrow" w="med" len="sm"/>
-            <a:tailEnd type="none" w="med" len="sm"/>
-          </a:ln>
-        </p:spPr>
-        <p:style>
-          <a:lnRef idx="1">
-            <a:schemeClr val="accent1"/>
-          </a:lnRef>
-          <a:fillRef idx="0">
-            <a:schemeClr val="accent1"/>
-          </a:fillRef>
-          <a:effectRef idx="0">
-            <a:schemeClr val="accent1"/>
-          </a:effectRef>
-          <a:fontRef idx="minor">
-            <a:schemeClr val="tx1"/>
-          </a:fontRef>
-        </p:style>
-      </p:cxnSp>
-      <p:cxnSp>
-        <p:nvCxnSpPr>
-          <p:cNvPr id="58" name="Straight Arrow Connector 57">
-            <a:extLst>
-              <a:ext uri="{FF2B5EF4-FFF2-40B4-BE49-F238E27FC236}">
-                <a16:creationId xmlns:a16="http://schemas.microsoft.com/office/drawing/2014/main" id="{02CBB6F3-4224-ED4B-8FAD-9BB7FD0CC0FB}"/>
-              </a:ext>
-            </a:extLst>
-          </p:cNvPr>
-          <p:cNvCxnSpPr>
-            <a:cxnSpLocks/>
-            <a:stCxn id="14" idx="1"/>
-            <a:endCxn id="15" idx="3"/>
-          </p:cNvCxnSpPr>
-          <p:nvPr/>
-        </p:nvCxnSpPr>
-        <p:spPr>
-          <a:xfrm flipH="1">
-            <a:off x="8069281" y="2680029"/>
-            <a:ext cx="1242429" cy="740"/>
-          </a:xfrm>
-          <a:prstGeom prst="straightConnector1">
-            <a:avLst/>
-          </a:prstGeom>
-          <a:ln w="12700">
-            <a:solidFill>
-              <a:schemeClr val="tx2"/>
-            </a:solidFill>
-            <a:headEnd type="arrow" w="med" len="sm"/>
-            <a:tailEnd type="none" w="med" len="sm"/>
-          </a:ln>
-        </p:spPr>
-        <p:style>
-          <a:lnRef idx="1">
-            <a:schemeClr val="accent1"/>
-          </a:lnRef>
-          <a:fillRef idx="0">
-            <a:schemeClr val="accent1"/>
-          </a:fillRef>
-          <a:effectRef idx="0">
-            <a:schemeClr val="accent1"/>
-          </a:effectRef>
-          <a:fontRef idx="minor">
-            <a:schemeClr val="tx1"/>
-          </a:fontRef>
-        </p:style>
-      </p:cxnSp>
-      <p:sp>
-        <p:nvSpPr>
-          <p:cNvPr id="61" name="TextBox 60">
-            <a:extLst>
-              <a:ext uri="{FF2B5EF4-FFF2-40B4-BE49-F238E27FC236}">
-                <a16:creationId xmlns:a16="http://schemas.microsoft.com/office/drawing/2014/main" id="{4BC6E384-9AD2-4145-B36A-20F4976E5ED1}"/>
-              </a:ext>
-            </a:extLst>
-          </p:cNvPr>
-          <p:cNvSpPr txBox="1"/>
-          <p:nvPr/>
-        </p:nvSpPr>
-        <p:spPr>
-          <a:xfrm>
-            <a:off x="7242417" y="4096612"/>
-            <a:ext cx="1204535" cy="369332"/>
-          </a:xfrm>
-          <a:prstGeom prst="rect">
-            <a:avLst/>
-          </a:prstGeom>
-          <a:noFill/>
-        </p:spPr>
-        <p:txBody>
-          <a:bodyPr wrap="square" rtlCol="0">
-            <a:spAutoFit/>
-          </a:bodyPr>
-          <a:lstStyle/>
-          <a:p>
-            <a:pPr algn="ctr"/>
-            <a:r>
-              <a:rPr lang="en-US" sz="900" dirty="0"/>
-              <a:t>Lambda function</a:t>
-            </a:r>
-          </a:p>
-          <a:p>
-            <a:pPr algn="ctr"/>
-            <a:r>
-              <a:rPr lang="en-US" sz="900" dirty="0"/>
-              <a:t>Create Trigger</a:t>
-            </a:r>
-          </a:p>
-        </p:txBody>
-      </p:sp>
-      <p:pic>
-        <p:nvPicPr>
-          <p:cNvPr id="62" name="Graphic 61">
-            <a:extLst>
-              <a:ext uri="{FF2B5EF4-FFF2-40B4-BE49-F238E27FC236}">
-                <a16:creationId xmlns:a16="http://schemas.microsoft.com/office/drawing/2014/main" id="{CE4BD0E4-9F31-ED4D-BAA2-453E198C48AB}"/>
-              </a:ext>
-            </a:extLst>
-          </p:cNvPr>
-          <p:cNvPicPr>
-            <a:picLocks noChangeAspect="1"/>
-          </p:cNvPicPr>
-          <p:nvPr/>
-        </p:nvPicPr>
-        <p:blipFill>
-          <a:blip r:embed="rId10">
-            <a:extLst>
-              <a:ext uri="{96DAC541-7B7A-43D3-8B79-37D633B846F1}">
-                <asvg:svgBlip xmlns:asvg="http://schemas.microsoft.com/office/drawing/2016/SVG/main" r:embed="rId11"/>
-              </a:ext>
-            </a:extLst>
-          </a:blip>
-          <a:stretch>
-            <a:fillRect/>
-          </a:stretch>
-        </p:blipFill>
-        <p:spPr>
-          <a:xfrm>
-            <a:off x="7599381" y="3622593"/>
-            <a:ext cx="469900" cy="469900"/>
-          </a:xfrm>
-          <a:prstGeom prst="rect">
-            <a:avLst/>
-          </a:prstGeom>
-        </p:spPr>
-      </p:pic>
-      <p:cxnSp>
-        <p:nvCxnSpPr>
-          <p:cNvPr id="63" name="Straight Arrow Connector 62">
-            <a:extLst>
-              <a:ext uri="{FF2B5EF4-FFF2-40B4-BE49-F238E27FC236}">
-                <a16:creationId xmlns:a16="http://schemas.microsoft.com/office/drawing/2014/main" id="{700A0271-0750-2A44-A612-144F9A2F9D77}"/>
-              </a:ext>
-            </a:extLst>
-          </p:cNvPr>
-          <p:cNvCxnSpPr>
-            <a:cxnSpLocks/>
-            <a:stCxn id="16" idx="2"/>
-            <a:endCxn id="62" idx="0"/>
-          </p:cNvCxnSpPr>
-          <p:nvPr/>
-        </p:nvCxnSpPr>
-        <p:spPr>
-          <a:xfrm>
-            <a:off x="7831914" y="3305796"/>
-            <a:ext cx="2417" cy="316797"/>
-          </a:xfrm>
-          <a:prstGeom prst="straightConnector1">
-            <a:avLst/>
-          </a:prstGeom>
-          <a:ln w="12700">
-            <a:solidFill>
-              <a:schemeClr val="tx2"/>
-            </a:solidFill>
-            <a:headEnd type="arrow" w="med" len="sm"/>
-            <a:tailEnd type="none" w="med" len="sm"/>
-          </a:ln>
-        </p:spPr>
-        <p:style>
-          <a:lnRef idx="1">
-            <a:schemeClr val="accent1"/>
-          </a:lnRef>
-          <a:fillRef idx="0">
-            <a:schemeClr val="accent1"/>
-          </a:fillRef>
-          <a:effectRef idx="0">
-            <a:schemeClr val="accent1"/>
-          </a:effectRef>
-          <a:fontRef idx="minor">
-            <a:schemeClr val="tx1"/>
-          </a:fontRef>
-        </p:style>
-      </p:cxnSp>
-      <p:sp>
-        <p:nvSpPr>
-          <p:cNvPr id="72" name="TextBox 71">
-            <a:extLst>
-              <a:ext uri="{FF2B5EF4-FFF2-40B4-BE49-F238E27FC236}">
-                <a16:creationId xmlns:a16="http://schemas.microsoft.com/office/drawing/2014/main" id="{F4F0F2B5-DA12-774D-998E-EABA68BA7DFD}"/>
-              </a:ext>
-            </a:extLst>
-          </p:cNvPr>
-          <p:cNvSpPr txBox="1"/>
-          <p:nvPr/>
-        </p:nvSpPr>
-        <p:spPr>
-          <a:xfrm>
-            <a:off x="4546138" y="1460541"/>
-            <a:ext cx="749634" cy="246221"/>
-          </a:xfrm>
-          <a:prstGeom prst="rect">
-            <a:avLst/>
-          </a:prstGeom>
-          <a:noFill/>
-        </p:spPr>
-        <p:txBody>
-          <a:bodyPr wrap="square" rtlCol="0">
-            <a:spAutoFit/>
-          </a:bodyPr>
-          <a:lstStyle/>
-          <a:p>
-            <a:pPr algn="ctr"/>
-            <a:r>
-              <a:rPr lang="en-US" sz="1000" dirty="0"/>
-              <a:t>Inventory</a:t>
-            </a:r>
-          </a:p>
-        </p:txBody>
-      </p:sp>
-      <p:pic>
-        <p:nvPicPr>
-          <p:cNvPr id="73" name="Graphic 72">
-            <a:extLst>
-              <a:ext uri="{FF2B5EF4-FFF2-40B4-BE49-F238E27FC236}">
-                <a16:creationId xmlns:a16="http://schemas.microsoft.com/office/drawing/2014/main" id="{FAE82869-72F1-7040-A228-2395BFA12307}"/>
-              </a:ext>
-            </a:extLst>
-          </p:cNvPr>
-          <p:cNvPicPr>
-            <a:picLocks noChangeAspect="1"/>
-          </p:cNvPicPr>
-          <p:nvPr/>
-        </p:nvPicPr>
-        <p:blipFill>
-          <a:blip r:embed="rId12">
-            <a:extLst>
-              <a:ext uri="{96DAC541-7B7A-43D3-8B79-37D633B846F1}">
-                <asvg:svgBlip xmlns:asvg="http://schemas.microsoft.com/office/drawing/2016/SVG/main" r:embed="rId13"/>
-              </a:ext>
-            </a:extLst>
-          </a:blip>
-          <a:stretch>
-            <a:fillRect/>
-          </a:stretch>
-        </p:blipFill>
-        <p:spPr>
-          <a:xfrm>
-            <a:off x="4704638" y="972288"/>
-            <a:ext cx="469900" cy="469900"/>
-          </a:xfrm>
-          <a:prstGeom prst="rect">
-            <a:avLst/>
-          </a:prstGeom>
-        </p:spPr>
-      </p:pic>
-      <p:cxnSp>
-        <p:nvCxnSpPr>
-          <p:cNvPr id="74" name="Straight Arrow Connector 73">
-            <a:extLst>
-              <a:ext uri="{FF2B5EF4-FFF2-40B4-BE49-F238E27FC236}">
-                <a16:creationId xmlns:a16="http://schemas.microsoft.com/office/drawing/2014/main" id="{0101DA4B-9A26-5E4F-A246-AAA371897E62}"/>
-              </a:ext>
-            </a:extLst>
-          </p:cNvPr>
-          <p:cNvCxnSpPr>
-            <a:cxnSpLocks/>
-            <a:stCxn id="11" idx="1"/>
-            <a:endCxn id="73" idx="3"/>
-          </p:cNvCxnSpPr>
-          <p:nvPr/>
-        </p:nvCxnSpPr>
-        <p:spPr>
-          <a:xfrm flipH="1" flipV="1">
-            <a:off x="5174538" y="1207238"/>
-            <a:ext cx="2458613" cy="2414"/>
-          </a:xfrm>
-          <a:prstGeom prst="straightConnector1">
-            <a:avLst/>
-          </a:prstGeom>
-          <a:ln w="12700">
-            <a:solidFill>
-              <a:schemeClr val="tx2"/>
-            </a:solidFill>
-            <a:headEnd type="arrow" w="med" len="sm"/>
-            <a:tailEnd type="none" w="med" len="sm"/>
-          </a:ln>
-        </p:spPr>
-        <p:style>
-          <a:lnRef idx="1">
-            <a:schemeClr val="accent1"/>
-          </a:lnRef>
-          <a:fillRef idx="0">
-            <a:schemeClr val="accent1"/>
-          </a:fillRef>
-          <a:effectRef idx="0">
-            <a:schemeClr val="accent1"/>
-          </a:effectRef>
-          <a:fontRef idx="minor">
-            <a:schemeClr val="tx1"/>
-          </a:fontRef>
-        </p:style>
-      </p:cxnSp>
-      <p:pic>
-        <p:nvPicPr>
-          <p:cNvPr id="79" name="Graphic 78">
-            <a:extLst>
-              <a:ext uri="{FF2B5EF4-FFF2-40B4-BE49-F238E27FC236}">
-                <a16:creationId xmlns:a16="http://schemas.microsoft.com/office/drawing/2014/main" id="{7FDA299A-D598-9F44-A6EA-736B6E8A7BFA}"/>
-              </a:ext>
-            </a:extLst>
-          </p:cNvPr>
-          <p:cNvPicPr>
-            <a:picLocks noChangeAspect="1"/>
-          </p:cNvPicPr>
-          <p:nvPr/>
-        </p:nvPicPr>
-        <p:blipFill>
-          <a:blip r:embed="rId14">
-            <a:extLst>
-              <a:ext uri="{96DAC541-7B7A-43D3-8B79-37D633B846F1}">
-                <asvg:svgBlip xmlns:asvg="http://schemas.microsoft.com/office/drawing/2016/SVG/main" r:embed="rId15"/>
-              </a:ext>
-            </a:extLst>
-          </a:blip>
-          <a:stretch>
-            <a:fillRect/>
-          </a:stretch>
-        </p:blipFill>
-        <p:spPr>
-          <a:xfrm>
-            <a:off x="1483097" y="3610235"/>
-            <a:ext cx="469900" cy="469900"/>
-          </a:xfrm>
-          <a:prstGeom prst="rect">
-            <a:avLst/>
-          </a:prstGeom>
-        </p:spPr>
-      </p:pic>
-      <p:sp>
-        <p:nvSpPr>
-          <p:cNvPr id="82" name="TextBox 81">
-            <a:extLst>
-              <a:ext uri="{FF2B5EF4-FFF2-40B4-BE49-F238E27FC236}">
-                <a16:creationId xmlns:a16="http://schemas.microsoft.com/office/drawing/2014/main" id="{27EF5F8A-0A3E-C54B-B023-CB7859292B48}"/>
-              </a:ext>
-            </a:extLst>
-          </p:cNvPr>
-          <p:cNvSpPr txBox="1"/>
-          <p:nvPr/>
-        </p:nvSpPr>
-        <p:spPr>
-          <a:xfrm>
-            <a:off x="1116786" y="2870390"/>
-            <a:ext cx="1202522" cy="400110"/>
-          </a:xfrm>
-          <a:prstGeom prst="rect">
-            <a:avLst/>
-          </a:prstGeom>
-          <a:noFill/>
-        </p:spPr>
-        <p:txBody>
-          <a:bodyPr wrap="square" rtlCol="0">
-            <a:spAutoFit/>
-          </a:bodyPr>
-          <a:lstStyle/>
-          <a:p>
-            <a:pPr algn="ctr"/>
-            <a:r>
-              <a:rPr lang="en-US" sz="1000" dirty="0"/>
-              <a:t>Maintenance windows</a:t>
-            </a:r>
-          </a:p>
-        </p:txBody>
-      </p:sp>
-      <p:pic>
-        <p:nvPicPr>
-          <p:cNvPr id="83" name="Graphic 82">
-            <a:extLst>
-              <a:ext uri="{FF2B5EF4-FFF2-40B4-BE49-F238E27FC236}">
-                <a16:creationId xmlns:a16="http://schemas.microsoft.com/office/drawing/2014/main" id="{25402D6B-8E33-9945-BE78-14F6EC549559}"/>
-              </a:ext>
-            </a:extLst>
-          </p:cNvPr>
-          <p:cNvPicPr>
-            <a:picLocks noChangeAspect="1"/>
-          </p:cNvPicPr>
-          <p:nvPr/>
-        </p:nvPicPr>
-        <p:blipFill>
-          <a:blip r:embed="rId16">
-            <a:extLst>
-              <a:ext uri="{96DAC541-7B7A-43D3-8B79-37D633B846F1}">
-                <asvg:svgBlip xmlns:asvg="http://schemas.microsoft.com/office/drawing/2016/SVG/main" r:embed="rId17"/>
-              </a:ext>
-            </a:extLst>
-          </a:blip>
-          <a:stretch>
-            <a:fillRect/>
-          </a:stretch>
-        </p:blipFill>
-        <p:spPr>
-          <a:xfrm>
-            <a:off x="1483097" y="2438535"/>
-            <a:ext cx="469900" cy="469900"/>
-          </a:xfrm>
-          <a:prstGeom prst="rect">
-            <a:avLst/>
-          </a:prstGeom>
-        </p:spPr>
-      </p:pic>
-      <p:sp>
-        <p:nvSpPr>
-          <p:cNvPr id="84" name="TextBox 83">
-            <a:extLst>
-              <a:ext uri="{FF2B5EF4-FFF2-40B4-BE49-F238E27FC236}">
-                <a16:creationId xmlns:a16="http://schemas.microsoft.com/office/drawing/2014/main" id="{AA58B99B-730F-8740-86C4-8A78DD44E655}"/>
-              </a:ext>
-            </a:extLst>
-          </p:cNvPr>
-          <p:cNvSpPr txBox="1"/>
-          <p:nvPr/>
-        </p:nvSpPr>
-        <p:spPr>
-          <a:xfrm>
-            <a:off x="1162891" y="4081963"/>
-            <a:ext cx="1202522" cy="246221"/>
-          </a:xfrm>
-          <a:prstGeom prst="rect">
-            <a:avLst/>
-          </a:prstGeom>
-          <a:noFill/>
-        </p:spPr>
-        <p:txBody>
-          <a:bodyPr wrap="square" rtlCol="0">
-            <a:spAutoFit/>
-          </a:bodyPr>
-          <a:lstStyle/>
-          <a:p>
-            <a:pPr algn="ctr"/>
-            <a:r>
-              <a:rPr lang="en-US" sz="1000" dirty="0"/>
-              <a:t>Patch manager</a:t>
-            </a:r>
-          </a:p>
-        </p:txBody>
-      </p:sp>
-      <p:sp>
-        <p:nvSpPr>
-          <p:cNvPr id="85" name="TextBox 84">
-            <a:extLst>
-              <a:ext uri="{FF2B5EF4-FFF2-40B4-BE49-F238E27FC236}">
-                <a16:creationId xmlns:a16="http://schemas.microsoft.com/office/drawing/2014/main" id="{824985AF-C1CA-634A-8D0E-15C24E89DEFA}"/>
-              </a:ext>
-            </a:extLst>
-          </p:cNvPr>
-          <p:cNvSpPr txBox="1"/>
-          <p:nvPr/>
-        </p:nvSpPr>
-        <p:spPr>
-          <a:xfrm>
-            <a:off x="1070681" y="1473411"/>
-            <a:ext cx="1294732" cy="707886"/>
-          </a:xfrm>
-          <a:prstGeom prst="rect">
-            <a:avLst/>
-          </a:prstGeom>
-          <a:noFill/>
-        </p:spPr>
-        <p:txBody>
-          <a:bodyPr wrap="square" rtlCol="0">
-            <a:spAutoFit/>
-          </a:bodyPr>
-          <a:lstStyle/>
-          <a:p>
-            <a:pPr algn="ctr"/>
-            <a:r>
-              <a:rPr lang="en-US" sz="1000" dirty="0"/>
-              <a:t>State manager</a:t>
-            </a:r>
-          </a:p>
-          <a:p>
-            <a:pPr algn="ctr"/>
-            <a:r>
-              <a:rPr lang="en-US" sz="1000" dirty="0"/>
-              <a:t>SSM Agent</a:t>
-            </a:r>
-          </a:p>
-          <a:p>
-            <a:pPr algn="ctr"/>
-            <a:r>
-              <a:rPr lang="en-US" sz="1000" dirty="0"/>
-              <a:t>Inventory</a:t>
-            </a:r>
-          </a:p>
-          <a:p>
-            <a:pPr algn="ctr"/>
-            <a:r>
-              <a:rPr lang="en-US" sz="1000" dirty="0"/>
-              <a:t>Run Patch Baseline</a:t>
-            </a:r>
-          </a:p>
-        </p:txBody>
-      </p:sp>
-      <p:pic>
-        <p:nvPicPr>
-          <p:cNvPr id="86" name="Graphic 85">
-            <a:extLst>
-              <a:ext uri="{FF2B5EF4-FFF2-40B4-BE49-F238E27FC236}">
-                <a16:creationId xmlns:a16="http://schemas.microsoft.com/office/drawing/2014/main" id="{9E27A816-682D-A948-85E1-4A1EEA89D61C}"/>
-              </a:ext>
-            </a:extLst>
-          </p:cNvPr>
-          <p:cNvPicPr>
-            <a:picLocks noChangeAspect="1"/>
-          </p:cNvPicPr>
-          <p:nvPr/>
-        </p:nvPicPr>
-        <p:blipFill>
-          <a:blip r:embed="rId18">
-            <a:extLst>
-              <a:ext uri="{96DAC541-7B7A-43D3-8B79-37D633B846F1}">
-                <asvg:svgBlip xmlns:asvg="http://schemas.microsoft.com/office/drawing/2016/SVG/main" r:embed="rId19"/>
-              </a:ext>
-            </a:extLst>
-          </a:blip>
-          <a:stretch>
-            <a:fillRect/>
-          </a:stretch>
-        </p:blipFill>
-        <p:spPr>
-          <a:xfrm>
-            <a:off x="1483097" y="979473"/>
-            <a:ext cx="469900" cy="469900"/>
-          </a:xfrm>
-          <a:prstGeom prst="rect">
-            <a:avLst/>
-          </a:prstGeom>
-        </p:spPr>
-      </p:pic>
-      <p:pic>
-        <p:nvPicPr>
-          <p:cNvPr id="87" name="Graphic 86">
-            <a:extLst>
-              <a:ext uri="{FF2B5EF4-FFF2-40B4-BE49-F238E27FC236}">
-                <a16:creationId xmlns:a16="http://schemas.microsoft.com/office/drawing/2014/main" id="{2C671E58-CB44-BE41-B28B-76407DACA04C}"/>
-              </a:ext>
-            </a:extLst>
-          </p:cNvPr>
-          <p:cNvPicPr>
-            <a:picLocks noChangeAspect="1"/>
-          </p:cNvPicPr>
-          <p:nvPr/>
-        </p:nvPicPr>
-        <p:blipFill>
-          <a:blip r:embed="rId20">
-            <a:extLst>
-              <a:ext uri="{96DAC541-7B7A-43D3-8B79-37D633B846F1}">
-                <asvg:svgBlip xmlns:asvg="http://schemas.microsoft.com/office/drawing/2016/SVG/main" r:embed="rId21"/>
-              </a:ext>
-            </a:extLst>
-          </a:blip>
-          <a:stretch>
-            <a:fillRect/>
-          </a:stretch>
-        </p:blipFill>
-        <p:spPr>
-          <a:xfrm>
-            <a:off x="4583988" y="2327106"/>
-            <a:ext cx="711200" cy="711200"/>
-          </a:xfrm>
-          <a:prstGeom prst="rect">
-            <a:avLst/>
-          </a:prstGeom>
-        </p:spPr>
-      </p:pic>
-      <p:sp>
-        <p:nvSpPr>
-          <p:cNvPr id="88" name="TextBox 87">
-            <a:extLst>
-              <a:ext uri="{FF2B5EF4-FFF2-40B4-BE49-F238E27FC236}">
-                <a16:creationId xmlns:a16="http://schemas.microsoft.com/office/drawing/2014/main" id="{DC5E8C06-47A2-D34C-9042-6BA2556EBBE6}"/>
-              </a:ext>
-            </a:extLst>
-          </p:cNvPr>
-          <p:cNvSpPr txBox="1"/>
-          <p:nvPr/>
-        </p:nvSpPr>
-        <p:spPr>
-          <a:xfrm>
-            <a:off x="4446479" y="3065684"/>
-            <a:ext cx="942614" cy="245672"/>
-          </a:xfrm>
-          <a:prstGeom prst="rect">
-            <a:avLst/>
-          </a:prstGeom>
-          <a:noFill/>
-        </p:spPr>
-        <p:txBody>
-          <a:bodyPr wrap="square" rtlCol="0">
-            <a:spAutoFit/>
-          </a:bodyPr>
-          <a:lstStyle/>
-          <a:p>
-            <a:pPr algn="ctr"/>
-            <a:r>
-              <a:rPr lang="en-US" sz="1000" dirty="0"/>
-              <a:t>AWS Config</a:t>
-            </a:r>
-          </a:p>
-        </p:txBody>
-      </p:sp>
-      <p:pic>
-        <p:nvPicPr>
-          <p:cNvPr id="89" name="Graphic 88">
-            <a:extLst>
-              <a:ext uri="{FF2B5EF4-FFF2-40B4-BE49-F238E27FC236}">
-                <a16:creationId xmlns:a16="http://schemas.microsoft.com/office/drawing/2014/main" id="{1A2D5892-DBA6-2043-AE5E-A07EFBA6F419}"/>
-              </a:ext>
-            </a:extLst>
-          </p:cNvPr>
-          <p:cNvPicPr>
-            <a:picLocks noChangeAspect="1"/>
-          </p:cNvPicPr>
-          <p:nvPr/>
-        </p:nvPicPr>
-        <p:blipFill>
-          <a:blip r:embed="rId2">
-            <a:extLst>
-              <a:ext uri="{96DAC541-7B7A-43D3-8B79-37D633B846F1}">
-                <asvg:svgBlip xmlns:asvg="http://schemas.microsoft.com/office/drawing/2016/SVG/main" r:embed="rId3"/>
-              </a:ext>
-            </a:extLst>
-          </a:blip>
-          <a:stretch>
-            <a:fillRect/>
-          </a:stretch>
-        </p:blipFill>
-        <p:spPr>
-          <a:xfrm>
-            <a:off x="450726" y="433858"/>
-            <a:ext cx="330200" cy="330200"/>
-          </a:xfrm>
-          <a:prstGeom prst="rect">
-            <a:avLst/>
-          </a:prstGeom>
-        </p:spPr>
-      </p:pic>
-      <p:sp>
-        <p:nvSpPr>
-          <p:cNvPr id="90" name="TextBox 89">
-            <a:extLst>
-              <a:ext uri="{FF2B5EF4-FFF2-40B4-BE49-F238E27FC236}">
-                <a16:creationId xmlns:a16="http://schemas.microsoft.com/office/drawing/2014/main" id="{F7F6CB04-99EB-CE46-BB3E-91BBCD6E059C}"/>
-              </a:ext>
-            </a:extLst>
-          </p:cNvPr>
-          <p:cNvSpPr txBox="1"/>
-          <p:nvPr/>
-        </p:nvSpPr>
-        <p:spPr>
-          <a:xfrm>
-            <a:off x="2677075" y="5442293"/>
-            <a:ext cx="1223442" cy="246221"/>
-          </a:xfrm>
-          <a:prstGeom prst="rect">
-            <a:avLst/>
-          </a:prstGeom>
-          <a:noFill/>
-        </p:spPr>
-        <p:txBody>
-          <a:bodyPr wrap="square" rtlCol="0">
-            <a:spAutoFit/>
-          </a:bodyPr>
-          <a:lstStyle/>
-          <a:p>
-            <a:pPr algn="ctr"/>
-            <a:r>
-              <a:rPr lang="en-US" sz="1000" dirty="0"/>
-              <a:t>StackSet</a:t>
-            </a:r>
-          </a:p>
-        </p:txBody>
-      </p:sp>
-      <p:pic>
-        <p:nvPicPr>
-          <p:cNvPr id="91" name="Graphic 90">
-            <a:extLst>
-              <a:ext uri="{FF2B5EF4-FFF2-40B4-BE49-F238E27FC236}">
-                <a16:creationId xmlns:a16="http://schemas.microsoft.com/office/drawing/2014/main" id="{0563CAD6-5659-2B42-AB1F-0DCCAA163782}"/>
-              </a:ext>
-            </a:extLst>
-          </p:cNvPr>
-          <p:cNvPicPr>
-            <a:picLocks noChangeAspect="1"/>
-          </p:cNvPicPr>
-          <p:nvPr/>
-        </p:nvPicPr>
-        <p:blipFill>
-          <a:blip r:embed="rId22">
-            <a:extLst>
-              <a:ext uri="{96DAC541-7B7A-43D3-8B79-37D633B846F1}">
-                <asvg:svgBlip xmlns:asvg="http://schemas.microsoft.com/office/drawing/2016/SVG/main" r:embed="rId23"/>
-              </a:ext>
-            </a:extLst>
-          </a:blip>
-          <a:stretch>
-            <a:fillRect/>
-          </a:stretch>
-        </p:blipFill>
-        <p:spPr>
-          <a:xfrm>
-            <a:off x="3053846" y="4969350"/>
-            <a:ext cx="469900" cy="469900"/>
-          </a:xfrm>
-          <a:prstGeom prst="rect">
-            <a:avLst/>
-          </a:prstGeom>
-        </p:spPr>
-      </p:pic>
-      <p:sp>
-        <p:nvSpPr>
-          <p:cNvPr id="92" name="TextBox 91">
-            <a:extLst>
-              <a:ext uri="{FF2B5EF4-FFF2-40B4-BE49-F238E27FC236}">
-                <a16:creationId xmlns:a16="http://schemas.microsoft.com/office/drawing/2014/main" id="{0A4534B3-B8E6-D94A-84EF-557C366C1A19}"/>
-              </a:ext>
-            </a:extLst>
-          </p:cNvPr>
-          <p:cNvSpPr txBox="1"/>
-          <p:nvPr/>
-        </p:nvSpPr>
-        <p:spPr>
-          <a:xfrm>
-            <a:off x="9055153" y="5442293"/>
-            <a:ext cx="1223442" cy="246221"/>
-          </a:xfrm>
-          <a:prstGeom prst="rect">
-            <a:avLst/>
-          </a:prstGeom>
-          <a:noFill/>
-        </p:spPr>
-        <p:txBody>
-          <a:bodyPr wrap="square" rtlCol="0">
-            <a:spAutoFit/>
-          </a:bodyPr>
-          <a:lstStyle/>
-          <a:p>
-            <a:pPr algn="ctr"/>
-            <a:r>
-              <a:rPr lang="en-US" sz="1000" dirty="0"/>
-              <a:t>Stack</a:t>
-            </a:r>
-          </a:p>
-        </p:txBody>
-      </p:sp>
-      <p:pic>
-        <p:nvPicPr>
-          <p:cNvPr id="93" name="Graphic 92">
-            <a:extLst>
-              <a:ext uri="{FF2B5EF4-FFF2-40B4-BE49-F238E27FC236}">
-                <a16:creationId xmlns:a16="http://schemas.microsoft.com/office/drawing/2014/main" id="{D95F0279-322F-AD46-ACC7-50ACBC918A22}"/>
-              </a:ext>
-            </a:extLst>
-          </p:cNvPr>
-          <p:cNvPicPr>
-            <a:picLocks noChangeAspect="1"/>
-          </p:cNvPicPr>
-          <p:nvPr/>
-        </p:nvPicPr>
-        <p:blipFill>
-          <a:blip r:embed="rId22">
-            <a:extLst>
-              <a:ext uri="{96DAC541-7B7A-43D3-8B79-37D633B846F1}">
-                <asvg:svgBlip xmlns:asvg="http://schemas.microsoft.com/office/drawing/2016/SVG/main" r:embed="rId23"/>
-              </a:ext>
-            </a:extLst>
-          </a:blip>
-          <a:stretch>
-            <a:fillRect/>
-          </a:stretch>
-        </p:blipFill>
-        <p:spPr>
-          <a:xfrm>
-            <a:off x="9431924" y="4969350"/>
-            <a:ext cx="469900" cy="469900"/>
-          </a:xfrm>
-          <a:prstGeom prst="rect">
-            <a:avLst/>
-          </a:prstGeom>
-        </p:spPr>
-      </p:pic>
-      <p:cxnSp>
-        <p:nvCxnSpPr>
-          <p:cNvPr id="94" name="Straight Arrow Connector 93">
-            <a:extLst>
-              <a:ext uri="{FF2B5EF4-FFF2-40B4-BE49-F238E27FC236}">
-                <a16:creationId xmlns:a16="http://schemas.microsoft.com/office/drawing/2014/main" id="{72500611-C37A-794D-B431-9B776E75C917}"/>
-              </a:ext>
-            </a:extLst>
-          </p:cNvPr>
-          <p:cNvCxnSpPr>
-            <a:cxnSpLocks/>
-            <a:stCxn id="91" idx="3"/>
-            <a:endCxn id="93" idx="1"/>
-          </p:cNvCxnSpPr>
-          <p:nvPr/>
-        </p:nvCxnSpPr>
-        <p:spPr>
-          <a:xfrm>
-            <a:off x="3523746" y="5204300"/>
-            <a:ext cx="5908178" cy="0"/>
-          </a:xfrm>
-          <a:prstGeom prst="straightConnector1">
-            <a:avLst/>
-          </a:prstGeom>
-          <a:ln w="12700">
-            <a:solidFill>
-              <a:schemeClr val="tx2"/>
-            </a:solidFill>
-            <a:headEnd type="arrow" w="med" len="sm"/>
-            <a:tailEnd type="none" w="med" len="sm"/>
-          </a:ln>
-        </p:spPr>
-        <p:style>
-          <a:lnRef idx="1">
-            <a:schemeClr val="accent1"/>
-          </a:lnRef>
-          <a:fillRef idx="0">
-            <a:schemeClr val="accent1"/>
-          </a:fillRef>
-          <a:effectRef idx="0">
-            <a:schemeClr val="accent1"/>
-          </a:effectRef>
-          <a:fontRef idx="minor">
-            <a:schemeClr val="tx1"/>
-          </a:fontRef>
-        </p:style>
-      </p:cxnSp>
-      <p:cxnSp>
-        <p:nvCxnSpPr>
-          <p:cNvPr id="101" name="Straight Arrow Connector 100">
-            <a:extLst>
-              <a:ext uri="{FF2B5EF4-FFF2-40B4-BE49-F238E27FC236}">
-                <a16:creationId xmlns:a16="http://schemas.microsoft.com/office/drawing/2014/main" id="{653940F9-20E6-264C-BBB0-162716526DE4}"/>
-              </a:ext>
-            </a:extLst>
-          </p:cNvPr>
-          <p:cNvCxnSpPr>
-            <a:cxnSpLocks/>
-            <a:stCxn id="15" idx="1"/>
-            <a:endCxn id="87" idx="3"/>
-          </p:cNvCxnSpPr>
-          <p:nvPr/>
-        </p:nvCxnSpPr>
-        <p:spPr>
-          <a:xfrm flipH="1">
-            <a:off x="5295188" y="2680769"/>
-            <a:ext cx="2304193" cy="1937"/>
-          </a:xfrm>
-          <a:prstGeom prst="straightConnector1">
-            <a:avLst/>
-          </a:prstGeom>
-          <a:ln w="12700">
-            <a:solidFill>
-              <a:schemeClr val="tx2"/>
-            </a:solidFill>
-            <a:headEnd type="arrow" w="med" len="sm"/>
-            <a:tailEnd type="none" w="med" len="sm"/>
-          </a:ln>
-        </p:spPr>
-        <p:style>
-          <a:lnRef idx="1">
-            <a:schemeClr val="accent1"/>
-          </a:lnRef>
-          <a:fillRef idx="0">
-            <a:schemeClr val="accent1"/>
-          </a:fillRef>
-          <a:effectRef idx="0">
-            <a:schemeClr val="accent1"/>
-          </a:effectRef>
-          <a:fontRef idx="minor">
-            <a:schemeClr val="tx1"/>
-          </a:fontRef>
-        </p:style>
-      </p:cxnSp>
-      <p:grpSp>
-        <p:nvGrpSpPr>
-          <p:cNvPr id="113" name="Group 112">
-            <a:extLst>
-              <a:ext uri="{FF2B5EF4-FFF2-40B4-BE49-F238E27FC236}">
-                <a16:creationId xmlns:a16="http://schemas.microsoft.com/office/drawing/2014/main" id="{BB5E7066-835E-2244-99EA-CEA4A029A304}"/>
-              </a:ext>
-            </a:extLst>
-          </p:cNvPr>
-          <p:cNvGrpSpPr/>
+          <p:cNvGrpSpPr>
+            <a:grpSpLocks noChangeAspect="1"/>
+          </p:cNvGrpSpPr>
           <p:nvPr/>
         </p:nvGrpSpPr>
         <p:grpSpPr>
           <a:xfrm>
-            <a:off x="2903221" y="1579640"/>
-            <a:ext cx="793010" cy="584483"/>
-            <a:chOff x="2875262" y="2044999"/>
-            <a:chExt cx="793010" cy="584483"/>
+            <a:off x="378212" y="989057"/>
+            <a:ext cx="13873977" cy="6251487"/>
+            <a:chOff x="450724" y="111213"/>
+            <a:chExt cx="12405177" cy="5589659"/>
           </a:xfrm>
         </p:grpSpPr>
+        <p:sp>
+          <p:nvSpPr>
+            <p:cNvPr id="4" name="Rectangle 3">
+              <a:extLst>
+                <a:ext uri="{FF2B5EF4-FFF2-40B4-BE49-F238E27FC236}">
+                  <a16:creationId xmlns:a16="http://schemas.microsoft.com/office/drawing/2014/main" id="{31B17231-AC0B-F041-868F-43D2E3056891}"/>
+                </a:ext>
+              </a:extLst>
+            </p:cNvPr>
+            <p:cNvSpPr/>
+            <p:nvPr/>
+          </p:nvSpPr>
+          <p:spPr>
+            <a:xfrm>
+              <a:off x="6709643" y="441069"/>
+              <a:ext cx="6146258" cy="4296374"/>
+            </a:xfrm>
+            <a:prstGeom prst="rect">
+              <a:avLst/>
+            </a:prstGeom>
+            <a:noFill/>
+            <a:ln w="12700">
+              <a:solidFill>
+                <a:schemeClr val="accent3"/>
+              </a:solidFill>
+              <a:prstDash val="sysDash"/>
+            </a:ln>
+          </p:spPr>
+          <p:style>
+            <a:lnRef idx="2">
+              <a:schemeClr val="accent1">
+                <a:shade val="50000"/>
+              </a:schemeClr>
+            </a:lnRef>
+            <a:fillRef idx="1">
+              <a:schemeClr val="accent1"/>
+            </a:fillRef>
+            <a:effectRef idx="0">
+              <a:schemeClr val="accent1"/>
+            </a:effectRef>
+            <a:fontRef idx="minor">
+              <a:schemeClr val="lt1"/>
+            </a:fontRef>
+          </p:style>
+          <p:txBody>
+            <a:bodyPr rot="0" spcFirstLastPara="0" vertOverflow="overflow" horzOverflow="overflow" vert="horz" wrap="square" lIns="457200" tIns="91440" rIns="91440" bIns="45720" numCol="1" spcCol="0" rtlCol="0" fromWordArt="0" anchor="t" anchorCtr="0" forceAA="0" compatLnSpc="1">
+              <a:prstTxWarp prst="textNoShape">
+                <a:avLst/>
+              </a:prstTxWarp>
+              <a:noAutofit/>
+            </a:bodyPr>
+            <a:lstStyle/>
+            <a:p>
+              <a:pPr algn="l"/>
+              <a:r>
+                <a:rPr lang="en-US" sz="1200" dirty="0">
+                  <a:solidFill>
+                    <a:schemeClr val="accent3"/>
+                  </a:solidFill>
+                </a:rPr>
+                <a:t>Primary Region</a:t>
+              </a:r>
+            </a:p>
+          </p:txBody>
+        </p:sp>
         <p:pic>
           <p:nvPicPr>
-            <p:cNvPr id="107" name="Graphic 106">
+            <p:cNvPr id="5" name="Graphic 4">
               <a:extLst>
                 <a:ext uri="{FF2B5EF4-FFF2-40B4-BE49-F238E27FC236}">
-                  <a16:creationId xmlns:a16="http://schemas.microsoft.com/office/drawing/2014/main" id="{ED49CEB5-F133-3742-B5F0-2F0FE876D8D8}"/>
+                  <a16:creationId xmlns:a16="http://schemas.microsoft.com/office/drawing/2014/main" id="{1708BEB2-A826-D24F-A465-BE960062C5A2}"/>
                 </a:ext>
               </a:extLst>
             </p:cNvPr>
@@ -8981,10 +6897,10 @@
             <p:nvPr/>
           </p:nvPicPr>
           <p:blipFill>
-            <a:blip r:embed="rId24">
+            <a:blip r:embed="rId2">
               <a:extLst>
                 <a:ext uri="{96DAC541-7B7A-43D3-8B79-37D633B846F1}">
-                  <asvg:svgBlip xmlns:asvg="http://schemas.microsoft.com/office/drawing/2016/SVG/main" r:embed="rId25"/>
+                  <asvg:svgBlip xmlns:asvg="http://schemas.microsoft.com/office/drawing/2016/SVG/main" r:embed="rId3"/>
                 </a:ext>
               </a:extLst>
             </a:blip>
@@ -8994,8 +6910,8 @@
           </p:blipFill>
           <p:spPr>
             <a:xfrm>
-              <a:off x="3063361" y="2044999"/>
-              <a:ext cx="394953" cy="394953"/>
+              <a:off x="6716284" y="441068"/>
+              <a:ext cx="330200" cy="330200"/>
             </a:xfrm>
             <a:prstGeom prst="rect">
               <a:avLst/>
@@ -9004,10 +6920,241 @@
         </p:pic>
         <p:sp>
           <p:nvSpPr>
-            <p:cNvPr id="108" name="TextBox 107">
+            <p:cNvPr id="6" name="Rectangle 5">
               <a:extLst>
                 <a:ext uri="{FF2B5EF4-FFF2-40B4-BE49-F238E27FC236}">
-                  <a16:creationId xmlns:a16="http://schemas.microsoft.com/office/drawing/2014/main" id="{C0415C36-9C47-7B40-8EB7-8674E6CB53A6}"/>
+                  <a16:creationId xmlns:a16="http://schemas.microsoft.com/office/drawing/2014/main" id="{74CB007C-7FEC-2147-916C-C45B58210CBE}"/>
+                </a:ext>
+              </a:extLst>
+            </p:cNvPr>
+            <p:cNvSpPr/>
+            <p:nvPr/>
+          </p:nvSpPr>
+          <p:spPr>
+            <a:xfrm>
+              <a:off x="450724" y="441009"/>
+              <a:ext cx="5760000" cy="4296433"/>
+            </a:xfrm>
+            <a:prstGeom prst="rect">
+              <a:avLst/>
+            </a:prstGeom>
+            <a:noFill/>
+            <a:ln w="12700">
+              <a:solidFill>
+                <a:schemeClr val="accent3"/>
+              </a:solidFill>
+              <a:prstDash val="sysDash"/>
+            </a:ln>
+          </p:spPr>
+          <p:style>
+            <a:lnRef idx="2">
+              <a:schemeClr val="accent1">
+                <a:shade val="50000"/>
+              </a:schemeClr>
+            </a:lnRef>
+            <a:fillRef idx="1">
+              <a:schemeClr val="accent1"/>
+            </a:fillRef>
+            <a:effectRef idx="0">
+              <a:schemeClr val="accent1"/>
+            </a:effectRef>
+            <a:fontRef idx="minor">
+              <a:schemeClr val="lt1"/>
+            </a:fontRef>
+          </p:style>
+          <p:txBody>
+            <a:bodyPr rot="0" spcFirstLastPara="0" vertOverflow="overflow" horzOverflow="overflow" vert="horz" wrap="square" lIns="457200" tIns="91440" rIns="91440" bIns="45720" numCol="1" spcCol="0" rtlCol="0" fromWordArt="0" anchor="t" anchorCtr="0" forceAA="0" compatLnSpc="1">
+              <a:prstTxWarp prst="textNoShape">
+                <a:avLst/>
+              </a:prstTxWarp>
+              <a:noAutofit/>
+            </a:bodyPr>
+            <a:lstStyle/>
+            <a:p>
+              <a:pPr algn="l"/>
+              <a:r>
+                <a:rPr lang="en-US" sz="1200" dirty="0">
+                  <a:solidFill>
+                    <a:schemeClr val="accent3"/>
+                  </a:solidFill>
+                </a:rPr>
+                <a:t>Region x</a:t>
+              </a:r>
+            </a:p>
+          </p:txBody>
+        </p:sp>
+        <p:sp>
+          <p:nvSpPr>
+            <p:cNvPr id="8" name="Rectangle 7">
+              <a:extLst>
+                <a:ext uri="{FF2B5EF4-FFF2-40B4-BE49-F238E27FC236}">
+                  <a16:creationId xmlns:a16="http://schemas.microsoft.com/office/drawing/2014/main" id="{758D678E-2AD3-574B-BB0C-99F17B29C7E2}"/>
+                </a:ext>
+              </a:extLst>
+            </p:cNvPr>
+            <p:cNvSpPr/>
+            <p:nvPr/>
+          </p:nvSpPr>
+          <p:spPr>
+            <a:xfrm>
+              <a:off x="850865" y="111213"/>
+              <a:ext cx="4984205" cy="5589659"/>
+            </a:xfrm>
+            <a:prstGeom prst="rect">
+              <a:avLst/>
+            </a:prstGeom>
+            <a:noFill/>
+            <a:ln w="12700">
+              <a:solidFill>
+                <a:srgbClr val="5A6B86"/>
+              </a:solidFill>
+              <a:prstDash val="dash"/>
+            </a:ln>
+          </p:spPr>
+          <p:style>
+            <a:lnRef idx="2">
+              <a:schemeClr val="accent1">
+                <a:shade val="50000"/>
+              </a:schemeClr>
+            </a:lnRef>
+            <a:fillRef idx="1">
+              <a:schemeClr val="accent1"/>
+            </a:fillRef>
+            <a:effectRef idx="0">
+              <a:schemeClr val="accent1"/>
+            </a:effectRef>
+            <a:fontRef idx="minor">
+              <a:schemeClr val="lt1"/>
+            </a:fontRef>
+          </p:style>
+          <p:txBody>
+            <a:bodyPr rot="0" spcFirstLastPara="0" vertOverflow="overflow" horzOverflow="overflow" vert="horz" wrap="square" lIns="91440" tIns="91440" rIns="91440" bIns="45720" numCol="1" spcCol="0" rtlCol="0" fromWordArt="0" anchor="t" anchorCtr="0" forceAA="0" compatLnSpc="1">
+              <a:prstTxWarp prst="textNoShape">
+                <a:avLst/>
+              </a:prstTxWarp>
+              <a:noAutofit/>
+            </a:bodyPr>
+            <a:lstStyle/>
+            <a:p>
+              <a:pPr algn="ctr"/>
+              <a:r>
+                <a:rPr lang="en-US" sz="1200" dirty="0">
+                  <a:solidFill>
+                    <a:srgbClr val="5A6B86"/>
+                  </a:solidFill>
+                </a:rPr>
+                <a:t>Account x</a:t>
+              </a:r>
+            </a:p>
+          </p:txBody>
+        </p:sp>
+        <p:sp>
+          <p:nvSpPr>
+            <p:cNvPr id="10" name="Rectangle 9">
+              <a:extLst>
+                <a:ext uri="{FF2B5EF4-FFF2-40B4-BE49-F238E27FC236}">
+                  <a16:creationId xmlns:a16="http://schemas.microsoft.com/office/drawing/2014/main" id="{3D32E60D-E9F8-CD46-A516-D3105087159F}"/>
+                </a:ext>
+              </a:extLst>
+            </p:cNvPr>
+            <p:cNvSpPr/>
+            <p:nvPr/>
+          </p:nvSpPr>
+          <p:spPr>
+            <a:xfrm>
+              <a:off x="7110010" y="111213"/>
+              <a:ext cx="5385501" cy="5577301"/>
+            </a:xfrm>
+            <a:prstGeom prst="rect">
+              <a:avLst/>
+            </a:prstGeom>
+            <a:noFill/>
+            <a:ln w="12700">
+              <a:solidFill>
+                <a:srgbClr val="5A6B86"/>
+              </a:solidFill>
+              <a:prstDash val="dash"/>
+            </a:ln>
+          </p:spPr>
+          <p:style>
+            <a:lnRef idx="2">
+              <a:schemeClr val="accent1">
+                <a:shade val="50000"/>
+              </a:schemeClr>
+            </a:lnRef>
+            <a:fillRef idx="1">
+              <a:schemeClr val="accent1"/>
+            </a:fillRef>
+            <a:effectRef idx="0">
+              <a:schemeClr val="accent1"/>
+            </a:effectRef>
+            <a:fontRef idx="minor">
+              <a:schemeClr val="lt1"/>
+            </a:fontRef>
+          </p:style>
+          <p:txBody>
+            <a:bodyPr rot="0" spcFirstLastPara="0" vertOverflow="overflow" horzOverflow="overflow" vert="horz" wrap="square" lIns="91440" tIns="91440" rIns="91440" bIns="45720" numCol="1" spcCol="0" rtlCol="0" fromWordArt="0" anchor="t" anchorCtr="0" forceAA="0" compatLnSpc="1">
+              <a:prstTxWarp prst="textNoShape">
+                <a:avLst/>
+              </a:prstTxWarp>
+              <a:noAutofit/>
+            </a:bodyPr>
+            <a:lstStyle/>
+            <a:p>
+              <a:pPr algn="ctr"/>
+              <a:r>
+                <a:rPr lang="en-US" sz="1200" dirty="0">
+                  <a:solidFill>
+                    <a:srgbClr val="5A6B86"/>
+                  </a:solidFill>
+                </a:rPr>
+                <a:t>Primary Account</a:t>
+              </a:r>
+            </a:p>
+          </p:txBody>
+        </p:sp>
+        <p:pic>
+          <p:nvPicPr>
+            <p:cNvPr id="11" name="Graphic 10">
+              <a:extLst>
+                <a:ext uri="{FF2B5EF4-FFF2-40B4-BE49-F238E27FC236}">
+                  <a16:creationId xmlns:a16="http://schemas.microsoft.com/office/drawing/2014/main" id="{7DDAFF60-2384-0444-929D-BF207F14959E}"/>
+                </a:ext>
+              </a:extLst>
+            </p:cNvPr>
+            <p:cNvPicPr>
+              <a:picLocks noChangeAspect="1"/>
+            </p:cNvPicPr>
+            <p:nvPr/>
+          </p:nvPicPr>
+          <p:blipFill>
+            <a:blip r:embed="rId4">
+              <a:extLst>
+                <a:ext uri="{96DAC541-7B7A-43D3-8B79-37D633B846F1}">
+                  <asvg:svgBlip xmlns:asvg="http://schemas.microsoft.com/office/drawing/2016/SVG/main" r:embed="rId5"/>
+                </a:ext>
+              </a:extLst>
+            </a:blip>
+            <a:stretch>
+              <a:fillRect/>
+            </a:stretch>
+          </p:blipFill>
+          <p:spPr>
+            <a:xfrm>
+              <a:off x="7633151" y="974702"/>
+              <a:ext cx="469900" cy="469900"/>
+            </a:xfrm>
+            <a:prstGeom prst="rect">
+              <a:avLst/>
+            </a:prstGeom>
+          </p:spPr>
+        </p:pic>
+        <p:sp>
+          <p:nvSpPr>
+            <p:cNvPr id="12" name="TextBox 11">
+              <a:extLst>
+                <a:ext uri="{FF2B5EF4-FFF2-40B4-BE49-F238E27FC236}">
+                  <a16:creationId xmlns:a16="http://schemas.microsoft.com/office/drawing/2014/main" id="{EF178181-90F7-E542-A943-BF79E9D8F125}"/>
                 </a:ext>
               </a:extLst>
             </p:cNvPr>
@@ -9016,8 +7163,8 @@
           </p:nvSpPr>
           <p:spPr>
             <a:xfrm>
-              <a:off x="2875262" y="2383261"/>
-              <a:ext cx="793010" cy="246221"/>
+              <a:off x="7368469" y="1480330"/>
+              <a:ext cx="999265" cy="369332"/>
             </a:xfrm>
             <a:prstGeom prst="rect">
               <a:avLst/>
@@ -9032,223 +7179,26 @@
             <a:p>
               <a:pPr algn="ctr"/>
               <a:r>
-                <a:rPr lang="en-US" sz="1000" dirty="0">
-                  <a:solidFill>
-                    <a:srgbClr val="232F3E"/>
-                  </a:solidFill>
-                </a:rPr>
-                <a:t>Instance</a:t>
+                <a:rPr lang="en-US" sz="900" dirty="0"/>
+                <a:t>S3 Bucket</a:t>
               </a:r>
+            </a:p>
+            <a:p>
+              <a:pPr algn="ctr"/>
+              <a:r>
+                <a:rPr lang="en-US" sz="900" dirty="0"/>
+                <a:t>SSM Inventory</a:t>
+              </a:r>
+              <a:endParaRPr lang="en-US" sz="1000" dirty="0"/>
             </a:p>
           </p:txBody>
         </p:sp>
-      </p:grpSp>
-      <p:sp>
-        <p:nvSpPr>
-          <p:cNvPr id="109" name="TextBox 108">
-            <a:extLst>
-              <a:ext uri="{FF2B5EF4-FFF2-40B4-BE49-F238E27FC236}">
-                <a16:creationId xmlns:a16="http://schemas.microsoft.com/office/drawing/2014/main" id="{52EA23A0-D106-CE45-B2B3-44A7FDC0F9D2}"/>
-              </a:ext>
-            </a:extLst>
-          </p:cNvPr>
-          <p:cNvSpPr txBox="1"/>
-          <p:nvPr/>
-        </p:nvSpPr>
-        <p:spPr>
-          <a:xfrm>
-            <a:off x="3680890" y="4120960"/>
-            <a:ext cx="2301904" cy="369332"/>
-          </a:xfrm>
-          <a:prstGeom prst="rect">
-            <a:avLst/>
-          </a:prstGeom>
-          <a:noFill/>
-        </p:spPr>
-        <p:txBody>
-          <a:bodyPr wrap="square" rtlCol="0">
-            <a:spAutoFit/>
-          </a:bodyPr>
-          <a:lstStyle/>
-          <a:p>
-            <a:pPr algn="ctr"/>
-            <a:r>
-              <a:rPr lang="en-US" sz="900" dirty="0"/>
-              <a:t>Lambda function</a:t>
-            </a:r>
-          </a:p>
-          <a:p>
-            <a:pPr algn="ctr"/>
-            <a:r>
-              <a:rPr lang="en-US" sz="900" dirty="0"/>
-              <a:t>Tag OS Data</a:t>
-            </a:r>
-          </a:p>
-        </p:txBody>
-      </p:sp>
-      <p:pic>
-        <p:nvPicPr>
-          <p:cNvPr id="110" name="Graphic 109">
-            <a:extLst>
-              <a:ext uri="{FF2B5EF4-FFF2-40B4-BE49-F238E27FC236}">
-                <a16:creationId xmlns:a16="http://schemas.microsoft.com/office/drawing/2014/main" id="{6698F990-3485-E348-B192-9DFE32CA2B14}"/>
-              </a:ext>
-            </a:extLst>
-          </p:cNvPr>
-          <p:cNvPicPr>
-            <a:picLocks noChangeAspect="1"/>
-          </p:cNvPicPr>
-          <p:nvPr/>
-        </p:nvPicPr>
-        <p:blipFill>
-          <a:blip r:embed="rId10">
-            <a:extLst>
-              <a:ext uri="{96DAC541-7B7A-43D3-8B79-37D633B846F1}">
-                <asvg:svgBlip xmlns:asvg="http://schemas.microsoft.com/office/drawing/2016/SVG/main" r:embed="rId11"/>
-              </a:ext>
-            </a:extLst>
-          </a:blip>
-          <a:stretch>
-            <a:fillRect/>
-          </a:stretch>
-        </p:blipFill>
-        <p:spPr>
-          <a:xfrm>
-            <a:off x="4682836" y="3651060"/>
-            <a:ext cx="469900" cy="469900"/>
-          </a:xfrm>
-          <a:prstGeom prst="rect">
-            <a:avLst/>
-          </a:prstGeom>
-        </p:spPr>
-      </p:pic>
-      <p:sp>
-        <p:nvSpPr>
-          <p:cNvPr id="111" name="Rectangle 110">
-            <a:extLst>
-              <a:ext uri="{FF2B5EF4-FFF2-40B4-BE49-F238E27FC236}">
-                <a16:creationId xmlns:a16="http://schemas.microsoft.com/office/drawing/2014/main" id="{9CEBE16B-41F0-624E-9C2A-56B292B92ECE}"/>
-              </a:ext>
-            </a:extLst>
-          </p:cNvPr>
-          <p:cNvSpPr/>
-          <p:nvPr/>
-        </p:nvSpPr>
-        <p:spPr>
-          <a:xfrm>
-            <a:off x="2407326" y="907867"/>
-            <a:ext cx="1765300" cy="3541931"/>
-          </a:xfrm>
-          <a:prstGeom prst="rect">
-            <a:avLst/>
-          </a:prstGeom>
-          <a:noFill/>
-          <a:ln w="12700">
-            <a:solidFill>
-              <a:schemeClr val="accent3"/>
-            </a:solidFill>
-            <a:prstDash val="dash"/>
-          </a:ln>
-        </p:spPr>
-        <p:style>
-          <a:lnRef idx="2">
-            <a:schemeClr val="accent1">
-              <a:shade val="50000"/>
-            </a:schemeClr>
-          </a:lnRef>
-          <a:fillRef idx="1">
-            <a:schemeClr val="accent1"/>
-          </a:fillRef>
-          <a:effectRef idx="0">
-            <a:schemeClr val="accent1"/>
-          </a:effectRef>
-          <a:fontRef idx="minor">
-            <a:schemeClr val="lt1"/>
-          </a:fontRef>
-        </p:style>
-        <p:txBody>
-          <a:bodyPr rot="0" spcFirstLastPara="0" vertOverflow="overflow" horzOverflow="overflow" vert="horz" wrap="square" lIns="91440" tIns="91440" rIns="91440" bIns="45720" numCol="1" spcCol="0" rtlCol="0" fromWordArt="0" anchor="t" anchorCtr="0" forceAA="0" compatLnSpc="1">
-            <a:prstTxWarp prst="textNoShape">
-              <a:avLst/>
-            </a:prstTxWarp>
-            <a:noAutofit/>
-          </a:bodyPr>
-          <a:lstStyle/>
-          <a:p>
-            <a:pPr algn="ctr"/>
-            <a:r>
-              <a:rPr lang="en-US" sz="1200" dirty="0">
-                <a:solidFill>
-                  <a:schemeClr val="accent3"/>
-                </a:solidFill>
-              </a:rPr>
-              <a:t>EC2 Instances</a:t>
-            </a:r>
-          </a:p>
-        </p:txBody>
-      </p:sp>
-      <p:grpSp>
-        <p:nvGrpSpPr>
-          <p:cNvPr id="114" name="Group 113">
-            <a:extLst>
-              <a:ext uri="{FF2B5EF4-FFF2-40B4-BE49-F238E27FC236}">
-                <a16:creationId xmlns:a16="http://schemas.microsoft.com/office/drawing/2014/main" id="{7D3AA039-6CC0-C643-A45F-2E6E2A4E6544}"/>
-              </a:ext>
-            </a:extLst>
-          </p:cNvPr>
-          <p:cNvGrpSpPr/>
-          <p:nvPr/>
-        </p:nvGrpSpPr>
-        <p:grpSpPr>
-          <a:xfrm>
-            <a:off x="2903221" y="2301862"/>
-            <a:ext cx="793010" cy="584483"/>
-            <a:chOff x="2875262" y="2044999"/>
-            <a:chExt cx="793010" cy="584483"/>
-          </a:xfrm>
-        </p:grpSpPr>
-        <p:pic>
-          <p:nvPicPr>
-            <p:cNvPr id="115" name="Graphic 114">
+        <p:sp>
+          <p:nvSpPr>
+            <p:cNvPr id="13" name="TextBox 12">
               <a:extLst>
                 <a:ext uri="{FF2B5EF4-FFF2-40B4-BE49-F238E27FC236}">
-                  <a16:creationId xmlns:a16="http://schemas.microsoft.com/office/drawing/2014/main" id="{59B5150E-25D1-A64C-8A22-57F26C47434F}"/>
-                </a:ext>
-              </a:extLst>
-            </p:cNvPr>
-            <p:cNvPicPr>
-              <a:picLocks noChangeAspect="1"/>
-            </p:cNvPicPr>
-            <p:nvPr/>
-          </p:nvPicPr>
-          <p:blipFill>
-            <a:blip r:embed="rId24">
-              <a:extLst>
-                <a:ext uri="{96DAC541-7B7A-43D3-8B79-37D633B846F1}">
-                  <asvg:svgBlip xmlns:asvg="http://schemas.microsoft.com/office/drawing/2016/SVG/main" r:embed="rId25"/>
-                </a:ext>
-              </a:extLst>
-            </a:blip>
-            <a:stretch>
-              <a:fillRect/>
-            </a:stretch>
-          </p:blipFill>
-          <p:spPr>
-            <a:xfrm>
-              <a:off x="3063361" y="2044999"/>
-              <a:ext cx="394953" cy="394953"/>
-            </a:xfrm>
-            <a:prstGeom prst="rect">
-              <a:avLst/>
-            </a:prstGeom>
-          </p:spPr>
-        </p:pic>
-        <p:sp>
-          <p:nvSpPr>
-            <p:cNvPr id="116" name="TextBox 115">
-              <a:extLst>
-                <a:ext uri="{FF2B5EF4-FFF2-40B4-BE49-F238E27FC236}">
-                  <a16:creationId xmlns:a16="http://schemas.microsoft.com/office/drawing/2014/main" id="{0C7A3FF3-4376-AB45-894E-953D06F87424}"/>
+                  <a16:creationId xmlns:a16="http://schemas.microsoft.com/office/drawing/2014/main" id="{1D2B3603-807E-5D45-B468-42A2A9473777}"/>
                 </a:ext>
               </a:extLst>
             </p:cNvPr>
@@ -9257,8 +7207,8 @@
           </p:nvSpPr>
           <p:spPr>
             <a:xfrm>
-              <a:off x="2875262" y="2383261"/>
-              <a:ext cx="793010" cy="246221"/>
+              <a:off x="8821604" y="3047331"/>
+              <a:ext cx="1691411" cy="230832"/>
             </a:xfrm>
             <a:prstGeom prst="rect">
               <a:avLst/>
@@ -9273,43 +7223,22 @@
             <a:p>
               <a:pPr algn="ctr"/>
               <a:r>
-                <a:rPr lang="en-US" sz="1000" dirty="0">
-                  <a:solidFill>
-                    <a:srgbClr val="232F3E"/>
-                  </a:solidFill>
+                <a:rPr lang="en-US" sz="900" dirty="0">
+                  <a:latin typeface="+mj-lt"/>
+                  <a:ea typeface="Amazon Ember" panose="020B0603020204020204" pitchFamily="34" charset="0"/>
+                  <a:cs typeface="Amazon Ember" panose="020B0603020204020204" pitchFamily="34" charset="0"/>
                 </a:rPr>
-                <a:t>Instance</a:t>
+                <a:t>Amazon Athena</a:t>
               </a:r>
             </a:p>
           </p:txBody>
         </p:sp>
-      </p:grpSp>
-      <p:grpSp>
-        <p:nvGrpSpPr>
-          <p:cNvPr id="117" name="Group 116">
-            <a:extLst>
-              <a:ext uri="{FF2B5EF4-FFF2-40B4-BE49-F238E27FC236}">
-                <a16:creationId xmlns:a16="http://schemas.microsoft.com/office/drawing/2014/main" id="{58CDE7FC-511A-1E45-AFB6-241C68A5934D}"/>
-              </a:ext>
-            </a:extLst>
-          </p:cNvPr>
-          <p:cNvGrpSpPr/>
-          <p:nvPr/>
-        </p:nvGrpSpPr>
-        <p:grpSpPr>
-          <a:xfrm>
-            <a:off x="2903221" y="3024084"/>
-            <a:ext cx="793010" cy="584483"/>
-            <a:chOff x="2875262" y="2044999"/>
-            <a:chExt cx="793010" cy="584483"/>
-          </a:xfrm>
-        </p:grpSpPr>
         <p:pic>
           <p:nvPicPr>
-            <p:cNvPr id="118" name="Graphic 117">
+            <p:cNvPr id="14" name="Graphic 13">
               <a:extLst>
                 <a:ext uri="{FF2B5EF4-FFF2-40B4-BE49-F238E27FC236}">
-                  <a16:creationId xmlns:a16="http://schemas.microsoft.com/office/drawing/2014/main" id="{6016C091-64A7-3645-AFEE-9F942E5362C4}"/>
+                  <a16:creationId xmlns:a16="http://schemas.microsoft.com/office/drawing/2014/main" id="{764ACC38-E00D-6948-B033-4DCB111010AF}"/>
                 </a:ext>
               </a:extLst>
             </p:cNvPr>
@@ -9319,10 +7248,10 @@
             <p:nvPr/>
           </p:nvPicPr>
           <p:blipFill>
-            <a:blip r:embed="rId24">
+            <a:blip r:embed="rId6">
               <a:extLst>
                 <a:ext uri="{96DAC541-7B7A-43D3-8B79-37D633B846F1}">
-                  <asvg:svgBlip xmlns:asvg="http://schemas.microsoft.com/office/drawing/2016/SVG/main" r:embed="rId25"/>
+                  <asvg:svgBlip xmlns:asvg="http://schemas.microsoft.com/office/drawing/2016/SVG/main" r:embed="rId7"/>
                 </a:ext>
               </a:extLst>
             </a:blip>
@@ -9332,8 +7261,44 @@
           </p:blipFill>
           <p:spPr>
             <a:xfrm>
-              <a:off x="3063361" y="2044999"/>
-              <a:ext cx="394953" cy="394953"/>
+              <a:off x="9311710" y="2324429"/>
+              <a:ext cx="711200" cy="711200"/>
+            </a:xfrm>
+            <a:prstGeom prst="rect">
+              <a:avLst/>
+            </a:prstGeom>
+          </p:spPr>
+        </p:pic>
+        <p:pic>
+          <p:nvPicPr>
+            <p:cNvPr id="15" name="Graphic 14">
+              <a:extLst>
+                <a:ext uri="{FF2B5EF4-FFF2-40B4-BE49-F238E27FC236}">
+                  <a16:creationId xmlns:a16="http://schemas.microsoft.com/office/drawing/2014/main" id="{3D7E50E0-63D6-4441-B503-61C0012108DF}"/>
+                </a:ext>
+              </a:extLst>
+            </p:cNvPr>
+            <p:cNvPicPr>
+              <a:picLocks noChangeAspect="1"/>
+            </p:cNvPicPr>
+            <p:nvPr/>
+          </p:nvPicPr>
+          <p:blipFill>
+            <a:blip r:embed="rId4">
+              <a:extLst>
+                <a:ext uri="{96DAC541-7B7A-43D3-8B79-37D633B846F1}">
+                  <asvg:svgBlip xmlns:asvg="http://schemas.microsoft.com/office/drawing/2016/SVG/main" r:embed="rId5"/>
+                </a:ext>
+              </a:extLst>
+            </a:blip>
+            <a:stretch>
+              <a:fillRect/>
+            </a:stretch>
+          </p:blipFill>
+          <p:spPr>
+            <a:xfrm>
+              <a:off x="7599381" y="2445819"/>
+              <a:ext cx="469900" cy="469900"/>
             </a:xfrm>
             <a:prstGeom prst="rect">
               <a:avLst/>
@@ -9342,10 +7307,10 @@
         </p:pic>
         <p:sp>
           <p:nvSpPr>
-            <p:cNvPr id="119" name="TextBox 118">
+            <p:cNvPr id="16" name="TextBox 15">
               <a:extLst>
                 <a:ext uri="{FF2B5EF4-FFF2-40B4-BE49-F238E27FC236}">
-                  <a16:creationId xmlns:a16="http://schemas.microsoft.com/office/drawing/2014/main" id="{7FF4832E-B6E9-484B-8E5F-3F912EE95662}"/>
+                  <a16:creationId xmlns:a16="http://schemas.microsoft.com/office/drawing/2014/main" id="{36BF8E71-2D2B-3341-8C76-08B84A6272F5}"/>
                 </a:ext>
               </a:extLst>
             </p:cNvPr>
@@ -9354,8 +7319,8 @@
           </p:nvSpPr>
           <p:spPr>
             <a:xfrm>
-              <a:off x="2875262" y="2383261"/>
-              <a:ext cx="793010" cy="246221"/>
+              <a:off x="7332281" y="2936464"/>
+              <a:ext cx="999265" cy="369332"/>
             </a:xfrm>
             <a:prstGeom prst="rect">
               <a:avLst/>
@@ -9370,79 +7335,26 @@
             <a:p>
               <a:pPr algn="ctr"/>
               <a:r>
-                <a:rPr lang="en-US" sz="1000" dirty="0">
-                  <a:solidFill>
-                    <a:srgbClr val="232F3E"/>
-                  </a:solidFill>
-                </a:rPr>
-                <a:t>Instance</a:t>
+                <a:rPr lang="en-US" sz="900" dirty="0"/>
+                <a:t>S3 Bucket</a:t>
               </a:r>
+            </a:p>
+            <a:p>
+              <a:pPr algn="ctr"/>
+              <a:r>
+                <a:rPr lang="en-US" sz="900" dirty="0"/>
+                <a:t>Config</a:t>
+              </a:r>
+              <a:endParaRPr lang="en-US" sz="1000" dirty="0"/>
             </a:p>
           </p:txBody>
         </p:sp>
-      </p:grpSp>
-      <p:grpSp>
-        <p:nvGrpSpPr>
-          <p:cNvPr id="120" name="Group 119">
-            <a:extLst>
-              <a:ext uri="{FF2B5EF4-FFF2-40B4-BE49-F238E27FC236}">
-                <a16:creationId xmlns:a16="http://schemas.microsoft.com/office/drawing/2014/main" id="{33A30BE6-3DF2-6C4A-9E63-762B11459A33}"/>
-              </a:ext>
-            </a:extLst>
-          </p:cNvPr>
-          <p:cNvGrpSpPr/>
-          <p:nvPr/>
-        </p:nvGrpSpPr>
-        <p:grpSpPr>
-          <a:xfrm>
-            <a:off x="2903221" y="3746306"/>
-            <a:ext cx="793010" cy="584483"/>
-            <a:chOff x="2875262" y="2044999"/>
-            <a:chExt cx="793010" cy="584483"/>
-          </a:xfrm>
-        </p:grpSpPr>
-        <p:pic>
-          <p:nvPicPr>
-            <p:cNvPr id="121" name="Graphic 120">
+        <p:sp>
+          <p:nvSpPr>
+            <p:cNvPr id="17" name="TextBox 16">
               <a:extLst>
                 <a:ext uri="{FF2B5EF4-FFF2-40B4-BE49-F238E27FC236}">
-                  <a16:creationId xmlns:a16="http://schemas.microsoft.com/office/drawing/2014/main" id="{AE2F7095-7D2F-7D4C-AF0D-53E08D6AF74D}"/>
-                </a:ext>
-              </a:extLst>
-            </p:cNvPr>
-            <p:cNvPicPr>
-              <a:picLocks noChangeAspect="1"/>
-            </p:cNvPicPr>
-            <p:nvPr/>
-          </p:nvPicPr>
-          <p:blipFill>
-            <a:blip r:embed="rId24">
-              <a:extLst>
-                <a:ext uri="{96DAC541-7B7A-43D3-8B79-37D633B846F1}">
-                  <asvg:svgBlip xmlns:asvg="http://schemas.microsoft.com/office/drawing/2016/SVG/main" r:embed="rId25"/>
-                </a:ext>
-              </a:extLst>
-            </a:blip>
-            <a:stretch>
-              <a:fillRect/>
-            </a:stretch>
-          </p:blipFill>
-          <p:spPr>
-            <a:xfrm>
-              <a:off x="3063361" y="2044999"/>
-              <a:ext cx="394953" cy="394953"/>
-            </a:xfrm>
-            <a:prstGeom prst="rect">
-              <a:avLst/>
-            </a:prstGeom>
-          </p:spPr>
-        </p:pic>
-        <p:sp>
-          <p:nvSpPr>
-            <p:cNvPr id="122" name="TextBox 121">
-              <a:extLst>
-                <a:ext uri="{FF2B5EF4-FFF2-40B4-BE49-F238E27FC236}">
-                  <a16:creationId xmlns:a16="http://schemas.microsoft.com/office/drawing/2014/main" id="{98362B76-087E-774C-B640-0CB7A8E0F895}"/>
+                  <a16:creationId xmlns:a16="http://schemas.microsoft.com/office/drawing/2014/main" id="{A8960B58-38E8-F24E-8ADF-341A32999EB6}"/>
                 </a:ext>
               </a:extLst>
             </p:cNvPr>
@@ -9451,8 +7363,8 @@
           </p:nvSpPr>
           <p:spPr>
             <a:xfrm>
-              <a:off x="2875262" y="2383261"/>
-              <a:ext cx="793010" cy="246221"/>
+              <a:off x="10667564" y="3047331"/>
+              <a:ext cx="1906749" cy="230832"/>
             </a:xfrm>
             <a:prstGeom prst="rect">
               <a:avLst/>
@@ -9467,295 +7379,2148 @@
             <a:p>
               <a:pPr algn="ctr"/>
               <a:r>
-                <a:rPr lang="en-US" sz="1000" dirty="0">
+                <a:rPr lang="en-US" sz="900" dirty="0">
                   <a:solidFill>
-                    <a:srgbClr val="232F3E"/>
+                    <a:srgbClr val="000000"/>
                   </a:solidFill>
+                  <a:latin typeface="+mj-lt"/>
+                  <a:ea typeface="Amazon Ember" panose="020B0603020204020204" pitchFamily="34" charset="0"/>
+                  <a:cs typeface="Amazon Ember" panose="020B0603020204020204" pitchFamily="34" charset="0"/>
                 </a:rPr>
-                <a:t>Instance</a:t>
+                <a:t>Amazon QuickSight</a:t>
+              </a:r>
+              <a:endParaRPr lang="en-US" sz="900" dirty="0">
+                <a:latin typeface="+mj-lt"/>
+                <a:ea typeface="Amazon Ember" panose="020B0603020204020204" pitchFamily="34" charset="0"/>
+                <a:cs typeface="Amazon Ember" panose="020B0603020204020204" pitchFamily="34" charset="0"/>
+              </a:endParaRPr>
+            </a:p>
+          </p:txBody>
+        </p:sp>
+        <p:pic>
+          <p:nvPicPr>
+            <p:cNvPr id="18" name="Graphic 17">
+              <a:extLst>
+                <a:ext uri="{FF2B5EF4-FFF2-40B4-BE49-F238E27FC236}">
+                  <a16:creationId xmlns:a16="http://schemas.microsoft.com/office/drawing/2014/main" id="{B03FFF33-55A4-C547-8B74-5384D92AFC18}"/>
+                </a:ext>
+              </a:extLst>
+            </p:cNvPr>
+            <p:cNvPicPr>
+              <a:picLocks noChangeAspect="1"/>
+            </p:cNvPicPr>
+            <p:nvPr/>
+          </p:nvPicPr>
+          <p:blipFill>
+            <a:blip r:embed="rId8">
+              <a:extLst>
+                <a:ext uri="{96DAC541-7B7A-43D3-8B79-37D633B846F1}">
+                  <asvg:svgBlip xmlns:asvg="http://schemas.microsoft.com/office/drawing/2016/SVG/main" r:embed="rId9"/>
+                </a:ext>
+              </a:extLst>
+            </a:blip>
+            <a:stretch>
+              <a:fillRect/>
+            </a:stretch>
+          </p:blipFill>
+          <p:spPr>
+            <a:xfrm>
+              <a:off x="11265339" y="2324131"/>
+              <a:ext cx="711200" cy="711200"/>
+            </a:xfrm>
+            <a:prstGeom prst="rect">
+              <a:avLst/>
+            </a:prstGeom>
+          </p:spPr>
+        </p:pic>
+        <p:sp>
+          <p:nvSpPr>
+            <p:cNvPr id="19" name="TextBox 18">
+              <a:extLst>
+                <a:ext uri="{FF2B5EF4-FFF2-40B4-BE49-F238E27FC236}">
+                  <a16:creationId xmlns:a16="http://schemas.microsoft.com/office/drawing/2014/main" id="{17FF5969-DD75-2240-9E4D-9FF9EDD48D93}"/>
+                </a:ext>
+              </a:extLst>
+            </p:cNvPr>
+            <p:cNvSpPr txBox="1"/>
+            <p:nvPr/>
+          </p:nvSpPr>
+          <p:spPr>
+            <a:xfrm>
+              <a:off x="8516358" y="1480330"/>
+              <a:ext cx="2301904" cy="369332"/>
+            </a:xfrm>
+            <a:prstGeom prst="rect">
+              <a:avLst/>
+            </a:prstGeom>
+            <a:noFill/>
+          </p:spPr>
+          <p:txBody>
+            <a:bodyPr wrap="square" rtlCol="0">
+              <a:spAutoFit/>
+            </a:bodyPr>
+            <a:lstStyle/>
+            <a:p>
+              <a:pPr algn="ctr"/>
+              <a:r>
+                <a:rPr lang="en-US" sz="900" dirty="0"/>
+                <a:t>Lambda function</a:t>
+              </a:r>
+            </a:p>
+            <a:p>
+              <a:pPr algn="ctr"/>
+              <a:r>
+                <a:rPr lang="en-US" sz="900" dirty="0"/>
+                <a:t>Partition Config Data</a:t>
               </a:r>
             </a:p>
           </p:txBody>
         </p:sp>
+        <p:pic>
+          <p:nvPicPr>
+            <p:cNvPr id="20" name="Graphic 19">
+              <a:extLst>
+                <a:ext uri="{FF2B5EF4-FFF2-40B4-BE49-F238E27FC236}">
+                  <a16:creationId xmlns:a16="http://schemas.microsoft.com/office/drawing/2014/main" id="{EC2A4264-AF3A-0B43-87B9-D0C43B58423C}"/>
+                </a:ext>
+              </a:extLst>
+            </p:cNvPr>
+            <p:cNvPicPr>
+              <a:picLocks noChangeAspect="1"/>
+            </p:cNvPicPr>
+            <p:nvPr/>
+          </p:nvPicPr>
+          <p:blipFill>
+            <a:blip r:embed="rId10">
+              <a:extLst>
+                <a:ext uri="{96DAC541-7B7A-43D3-8B79-37D633B846F1}">
+                  <asvg:svgBlip xmlns:asvg="http://schemas.microsoft.com/office/drawing/2016/SVG/main" r:embed="rId11"/>
+                </a:ext>
+              </a:extLst>
+            </a:blip>
+            <a:stretch>
+              <a:fillRect/>
+            </a:stretch>
+          </p:blipFill>
+          <p:spPr>
+            <a:xfrm>
+              <a:off x="9432360" y="972401"/>
+              <a:ext cx="469900" cy="469900"/>
+            </a:xfrm>
+            <a:prstGeom prst="rect">
+              <a:avLst/>
+            </a:prstGeom>
+          </p:spPr>
+        </p:pic>
+        <p:sp>
+          <p:nvSpPr>
+            <p:cNvPr id="23" name="TextBox 22">
+              <a:extLst>
+                <a:ext uri="{FF2B5EF4-FFF2-40B4-BE49-F238E27FC236}">
+                  <a16:creationId xmlns:a16="http://schemas.microsoft.com/office/drawing/2014/main" id="{F59663D0-4B01-404B-AF97-D024F02098D7}"/>
+                </a:ext>
+              </a:extLst>
+            </p:cNvPr>
+            <p:cNvSpPr txBox="1"/>
+            <p:nvPr/>
+          </p:nvSpPr>
+          <p:spPr>
+            <a:xfrm>
+              <a:off x="10792284" y="1484284"/>
+              <a:ext cx="1649985" cy="507831"/>
+            </a:xfrm>
+            <a:prstGeom prst="rect">
+              <a:avLst/>
+            </a:prstGeom>
+            <a:noFill/>
+          </p:spPr>
+          <p:txBody>
+            <a:bodyPr wrap="square" rtlCol="0">
+              <a:spAutoFit/>
+            </a:bodyPr>
+            <a:lstStyle/>
+            <a:p>
+              <a:pPr algn="ctr"/>
+              <a:r>
+                <a:rPr lang="en-US" sz="900" dirty="0"/>
+                <a:t>Lambda function</a:t>
+              </a:r>
+            </a:p>
+            <a:p>
+              <a:pPr algn="ctr"/>
+              <a:r>
+                <a:rPr lang="en-US" sz="900" dirty="0"/>
+                <a:t>Repair Athena Tables</a:t>
+              </a:r>
+            </a:p>
+            <a:p>
+              <a:pPr algn="ctr"/>
+              <a:r>
+                <a:rPr lang="en-US" sz="900" dirty="0"/>
+                <a:t>Create QuickSight </a:t>
+              </a:r>
+              <a:r>
+                <a:rPr lang="en-US" sz="900" dirty="0" err="1"/>
+                <a:t>DataSets</a:t>
+              </a:r>
+              <a:endParaRPr lang="en-US" sz="900" dirty="0"/>
+            </a:p>
+          </p:txBody>
+        </p:sp>
+        <p:pic>
+          <p:nvPicPr>
+            <p:cNvPr id="24" name="Graphic 23">
+              <a:extLst>
+                <a:ext uri="{FF2B5EF4-FFF2-40B4-BE49-F238E27FC236}">
+                  <a16:creationId xmlns:a16="http://schemas.microsoft.com/office/drawing/2014/main" id="{760E5DD9-872A-1D4C-A144-8ABE49AB7B35}"/>
+                </a:ext>
+              </a:extLst>
+            </p:cNvPr>
+            <p:cNvPicPr>
+              <a:picLocks noChangeAspect="1"/>
+            </p:cNvPicPr>
+            <p:nvPr/>
+          </p:nvPicPr>
+          <p:blipFill>
+            <a:blip r:embed="rId10">
+              <a:extLst>
+                <a:ext uri="{96DAC541-7B7A-43D3-8B79-37D633B846F1}">
+                  <asvg:svgBlip xmlns:asvg="http://schemas.microsoft.com/office/drawing/2016/SVG/main" r:embed="rId11"/>
+                </a:ext>
+              </a:extLst>
+            </a:blip>
+            <a:stretch>
+              <a:fillRect/>
+            </a:stretch>
+          </p:blipFill>
+          <p:spPr>
+            <a:xfrm>
+              <a:off x="11382006" y="974702"/>
+              <a:ext cx="469900" cy="469900"/>
+            </a:xfrm>
+            <a:prstGeom prst="rect">
+              <a:avLst/>
+            </a:prstGeom>
+          </p:spPr>
+        </p:pic>
+        <p:cxnSp>
+          <p:nvCxnSpPr>
+            <p:cNvPr id="25" name="Straight Arrow Connector 24">
+              <a:extLst>
+                <a:ext uri="{FF2B5EF4-FFF2-40B4-BE49-F238E27FC236}">
+                  <a16:creationId xmlns:a16="http://schemas.microsoft.com/office/drawing/2014/main" id="{10233A44-C9AE-BF40-90A1-B61BB3331D90}"/>
+                </a:ext>
+              </a:extLst>
+            </p:cNvPr>
+            <p:cNvCxnSpPr>
+              <a:cxnSpLocks/>
+              <a:stCxn id="14" idx="0"/>
+              <a:endCxn id="19" idx="2"/>
+            </p:cNvCxnSpPr>
+            <p:nvPr/>
+          </p:nvCxnSpPr>
+          <p:spPr>
+            <a:xfrm flipV="1">
+              <a:off x="9667310" y="1849662"/>
+              <a:ext cx="0" cy="474767"/>
+            </a:xfrm>
+            <a:prstGeom prst="straightConnector1">
+              <a:avLst/>
+            </a:prstGeom>
+            <a:ln w="12700">
+              <a:solidFill>
+                <a:schemeClr val="tx2"/>
+              </a:solidFill>
+              <a:headEnd type="arrow" w="med" len="sm"/>
+              <a:tailEnd type="none" w="med" len="sm"/>
+            </a:ln>
+          </p:spPr>
+          <p:style>
+            <a:lnRef idx="1">
+              <a:schemeClr val="accent1"/>
+            </a:lnRef>
+            <a:fillRef idx="0">
+              <a:schemeClr val="accent1"/>
+            </a:fillRef>
+            <a:effectRef idx="0">
+              <a:schemeClr val="accent1"/>
+            </a:effectRef>
+            <a:fontRef idx="minor">
+              <a:schemeClr val="tx1"/>
+            </a:fontRef>
+          </p:style>
+        </p:cxnSp>
+        <p:cxnSp>
+          <p:nvCxnSpPr>
+            <p:cNvPr id="28" name="Straight Arrow Connector 27">
+              <a:extLst>
+                <a:ext uri="{FF2B5EF4-FFF2-40B4-BE49-F238E27FC236}">
+                  <a16:creationId xmlns:a16="http://schemas.microsoft.com/office/drawing/2014/main" id="{21551DC9-4D63-5F45-BB46-7B3BEC9EF5A5}"/>
+                </a:ext>
+              </a:extLst>
+            </p:cNvPr>
+            <p:cNvCxnSpPr>
+              <a:cxnSpLocks/>
+            </p:cNvCxnSpPr>
+            <p:nvPr/>
+          </p:nvCxnSpPr>
+          <p:spPr>
+            <a:xfrm flipV="1">
+              <a:off x="10029389" y="1939376"/>
+              <a:ext cx="867394" cy="384755"/>
+            </a:xfrm>
+            <a:prstGeom prst="straightConnector1">
+              <a:avLst/>
+            </a:prstGeom>
+            <a:ln w="12700">
+              <a:solidFill>
+                <a:schemeClr val="tx2"/>
+              </a:solidFill>
+              <a:headEnd type="arrow" w="med" len="sm"/>
+              <a:tailEnd type="none" w="med" len="sm"/>
+            </a:ln>
+          </p:spPr>
+          <p:style>
+            <a:lnRef idx="1">
+              <a:schemeClr val="accent1"/>
+            </a:lnRef>
+            <a:fillRef idx="0">
+              <a:schemeClr val="accent1"/>
+            </a:fillRef>
+            <a:effectRef idx="0">
+              <a:schemeClr val="accent1"/>
+            </a:effectRef>
+            <a:fontRef idx="minor">
+              <a:schemeClr val="tx1"/>
+            </a:fontRef>
+          </p:style>
+        </p:cxnSp>
+        <p:cxnSp>
+          <p:nvCxnSpPr>
+            <p:cNvPr id="31" name="Straight Arrow Connector 30">
+              <a:extLst>
+                <a:ext uri="{FF2B5EF4-FFF2-40B4-BE49-F238E27FC236}">
+                  <a16:creationId xmlns:a16="http://schemas.microsoft.com/office/drawing/2014/main" id="{56E928DC-81EC-344F-963A-42188BDEDFE3}"/>
+                </a:ext>
+              </a:extLst>
+            </p:cNvPr>
+            <p:cNvCxnSpPr>
+              <a:cxnSpLocks/>
+              <a:stCxn id="18" idx="0"/>
+              <a:endCxn id="23" idx="2"/>
+            </p:cNvCxnSpPr>
+            <p:nvPr/>
+          </p:nvCxnSpPr>
+          <p:spPr>
+            <a:xfrm flipH="1" flipV="1">
+              <a:off x="11617277" y="1992115"/>
+              <a:ext cx="3662" cy="332016"/>
+            </a:xfrm>
+            <a:prstGeom prst="straightConnector1">
+              <a:avLst/>
+            </a:prstGeom>
+            <a:ln w="12700">
+              <a:solidFill>
+                <a:schemeClr val="tx2"/>
+              </a:solidFill>
+              <a:headEnd type="arrow" w="med" len="sm"/>
+              <a:tailEnd type="none" w="med" len="sm"/>
+            </a:ln>
+          </p:spPr>
+          <p:style>
+            <a:lnRef idx="1">
+              <a:schemeClr val="accent1"/>
+            </a:lnRef>
+            <a:fillRef idx="0">
+              <a:schemeClr val="accent1"/>
+            </a:fillRef>
+            <a:effectRef idx="0">
+              <a:schemeClr val="accent1"/>
+            </a:effectRef>
+            <a:fontRef idx="minor">
+              <a:schemeClr val="tx1"/>
+            </a:fontRef>
+          </p:style>
+        </p:cxnSp>
+        <p:cxnSp>
+          <p:nvCxnSpPr>
+            <p:cNvPr id="39" name="Straight Arrow Connector 38">
+              <a:extLst>
+                <a:ext uri="{FF2B5EF4-FFF2-40B4-BE49-F238E27FC236}">
+                  <a16:creationId xmlns:a16="http://schemas.microsoft.com/office/drawing/2014/main" id="{597DB58E-A778-3E42-9BAC-FA880AE8C8F9}"/>
+                </a:ext>
+              </a:extLst>
+            </p:cNvPr>
+            <p:cNvCxnSpPr>
+              <a:cxnSpLocks/>
+              <a:stCxn id="18" idx="1"/>
+              <a:endCxn id="14" idx="3"/>
+            </p:cNvCxnSpPr>
+            <p:nvPr/>
+          </p:nvCxnSpPr>
+          <p:spPr>
+            <a:xfrm flipH="1">
+              <a:off x="10022910" y="2679731"/>
+              <a:ext cx="1242429" cy="298"/>
+            </a:xfrm>
+            <a:prstGeom prst="straightConnector1">
+              <a:avLst/>
+            </a:prstGeom>
+            <a:ln w="12700">
+              <a:solidFill>
+                <a:schemeClr val="tx2"/>
+              </a:solidFill>
+              <a:headEnd type="arrow" w="med" len="sm"/>
+              <a:tailEnd type="none" w="med" len="sm"/>
+            </a:ln>
+          </p:spPr>
+          <p:style>
+            <a:lnRef idx="1">
+              <a:schemeClr val="accent1"/>
+            </a:lnRef>
+            <a:fillRef idx="0">
+              <a:schemeClr val="accent1"/>
+            </a:fillRef>
+            <a:effectRef idx="0">
+              <a:schemeClr val="accent1"/>
+            </a:effectRef>
+            <a:fontRef idx="minor">
+              <a:schemeClr val="tx1"/>
+            </a:fontRef>
+          </p:style>
+        </p:cxnSp>
+        <p:cxnSp>
+          <p:nvCxnSpPr>
+            <p:cNvPr id="55" name="Straight Arrow Connector 54">
+              <a:extLst>
+                <a:ext uri="{FF2B5EF4-FFF2-40B4-BE49-F238E27FC236}">
+                  <a16:creationId xmlns:a16="http://schemas.microsoft.com/office/drawing/2014/main" id="{1866B6BF-3066-3747-A5BF-7DE0822DEE4F}"/>
+                </a:ext>
+              </a:extLst>
+            </p:cNvPr>
+            <p:cNvCxnSpPr>
+              <a:cxnSpLocks/>
+              <a:endCxn id="12" idx="3"/>
+            </p:cNvCxnSpPr>
+            <p:nvPr/>
+          </p:nvCxnSpPr>
+          <p:spPr>
+            <a:xfrm flipH="1" flipV="1">
+              <a:off x="8367734" y="1664996"/>
+              <a:ext cx="937497" cy="659135"/>
+            </a:xfrm>
+            <a:prstGeom prst="straightConnector1">
+              <a:avLst/>
+            </a:prstGeom>
+            <a:ln w="12700">
+              <a:solidFill>
+                <a:schemeClr val="tx2"/>
+              </a:solidFill>
+              <a:headEnd type="arrow" w="med" len="sm"/>
+              <a:tailEnd type="none" w="med" len="sm"/>
+            </a:ln>
+          </p:spPr>
+          <p:style>
+            <a:lnRef idx="1">
+              <a:schemeClr val="accent1"/>
+            </a:lnRef>
+            <a:fillRef idx="0">
+              <a:schemeClr val="accent1"/>
+            </a:fillRef>
+            <a:effectRef idx="0">
+              <a:schemeClr val="accent1"/>
+            </a:effectRef>
+            <a:fontRef idx="minor">
+              <a:schemeClr val="tx1"/>
+            </a:fontRef>
+          </p:style>
+        </p:cxnSp>
+        <p:cxnSp>
+          <p:nvCxnSpPr>
+            <p:cNvPr id="58" name="Straight Arrow Connector 57">
+              <a:extLst>
+                <a:ext uri="{FF2B5EF4-FFF2-40B4-BE49-F238E27FC236}">
+                  <a16:creationId xmlns:a16="http://schemas.microsoft.com/office/drawing/2014/main" id="{02CBB6F3-4224-ED4B-8FAD-9BB7FD0CC0FB}"/>
+                </a:ext>
+              </a:extLst>
+            </p:cNvPr>
+            <p:cNvCxnSpPr>
+              <a:cxnSpLocks/>
+              <a:stCxn id="14" idx="1"/>
+              <a:endCxn id="15" idx="3"/>
+            </p:cNvCxnSpPr>
+            <p:nvPr/>
+          </p:nvCxnSpPr>
+          <p:spPr>
+            <a:xfrm flipH="1">
+              <a:off x="8069281" y="2680029"/>
+              <a:ext cx="1242429" cy="740"/>
+            </a:xfrm>
+            <a:prstGeom prst="straightConnector1">
+              <a:avLst/>
+            </a:prstGeom>
+            <a:ln w="12700">
+              <a:solidFill>
+                <a:schemeClr val="tx2"/>
+              </a:solidFill>
+              <a:headEnd type="arrow" w="med" len="sm"/>
+              <a:tailEnd type="none" w="med" len="sm"/>
+            </a:ln>
+          </p:spPr>
+          <p:style>
+            <a:lnRef idx="1">
+              <a:schemeClr val="accent1"/>
+            </a:lnRef>
+            <a:fillRef idx="0">
+              <a:schemeClr val="accent1"/>
+            </a:fillRef>
+            <a:effectRef idx="0">
+              <a:schemeClr val="accent1"/>
+            </a:effectRef>
+            <a:fontRef idx="minor">
+              <a:schemeClr val="tx1"/>
+            </a:fontRef>
+          </p:style>
+        </p:cxnSp>
+        <p:sp>
+          <p:nvSpPr>
+            <p:cNvPr id="61" name="TextBox 60">
+              <a:extLst>
+                <a:ext uri="{FF2B5EF4-FFF2-40B4-BE49-F238E27FC236}">
+                  <a16:creationId xmlns:a16="http://schemas.microsoft.com/office/drawing/2014/main" id="{4BC6E384-9AD2-4145-B36A-20F4976E5ED1}"/>
+                </a:ext>
+              </a:extLst>
+            </p:cNvPr>
+            <p:cNvSpPr txBox="1"/>
+            <p:nvPr/>
+          </p:nvSpPr>
+          <p:spPr>
+            <a:xfrm>
+              <a:off x="7242417" y="4096612"/>
+              <a:ext cx="1204535" cy="369332"/>
+            </a:xfrm>
+            <a:prstGeom prst="rect">
+              <a:avLst/>
+            </a:prstGeom>
+            <a:noFill/>
+          </p:spPr>
+          <p:txBody>
+            <a:bodyPr wrap="square" rtlCol="0">
+              <a:spAutoFit/>
+            </a:bodyPr>
+            <a:lstStyle/>
+            <a:p>
+              <a:pPr algn="ctr"/>
+              <a:r>
+                <a:rPr lang="en-US" sz="900" dirty="0"/>
+                <a:t>Lambda function</a:t>
+              </a:r>
+            </a:p>
+            <a:p>
+              <a:pPr algn="ctr"/>
+              <a:r>
+                <a:rPr lang="en-US" sz="900" dirty="0"/>
+                <a:t>Create Trigger</a:t>
+              </a:r>
+            </a:p>
+          </p:txBody>
+        </p:sp>
+        <p:pic>
+          <p:nvPicPr>
+            <p:cNvPr id="62" name="Graphic 61">
+              <a:extLst>
+                <a:ext uri="{FF2B5EF4-FFF2-40B4-BE49-F238E27FC236}">
+                  <a16:creationId xmlns:a16="http://schemas.microsoft.com/office/drawing/2014/main" id="{CE4BD0E4-9F31-ED4D-BAA2-453E198C48AB}"/>
+                </a:ext>
+              </a:extLst>
+            </p:cNvPr>
+            <p:cNvPicPr>
+              <a:picLocks noChangeAspect="1"/>
+            </p:cNvPicPr>
+            <p:nvPr/>
+          </p:nvPicPr>
+          <p:blipFill>
+            <a:blip r:embed="rId10">
+              <a:extLst>
+                <a:ext uri="{96DAC541-7B7A-43D3-8B79-37D633B846F1}">
+                  <asvg:svgBlip xmlns:asvg="http://schemas.microsoft.com/office/drawing/2016/SVG/main" r:embed="rId11"/>
+                </a:ext>
+              </a:extLst>
+            </a:blip>
+            <a:stretch>
+              <a:fillRect/>
+            </a:stretch>
+          </p:blipFill>
+          <p:spPr>
+            <a:xfrm>
+              <a:off x="7599381" y="3622593"/>
+              <a:ext cx="469900" cy="469900"/>
+            </a:xfrm>
+            <a:prstGeom prst="rect">
+              <a:avLst/>
+            </a:prstGeom>
+          </p:spPr>
+        </p:pic>
+        <p:cxnSp>
+          <p:nvCxnSpPr>
+            <p:cNvPr id="63" name="Straight Arrow Connector 62">
+              <a:extLst>
+                <a:ext uri="{FF2B5EF4-FFF2-40B4-BE49-F238E27FC236}">
+                  <a16:creationId xmlns:a16="http://schemas.microsoft.com/office/drawing/2014/main" id="{700A0271-0750-2A44-A612-144F9A2F9D77}"/>
+                </a:ext>
+              </a:extLst>
+            </p:cNvPr>
+            <p:cNvCxnSpPr>
+              <a:cxnSpLocks/>
+              <a:stCxn id="16" idx="2"/>
+              <a:endCxn id="62" idx="0"/>
+            </p:cNvCxnSpPr>
+            <p:nvPr/>
+          </p:nvCxnSpPr>
+          <p:spPr>
+            <a:xfrm>
+              <a:off x="7831914" y="3305796"/>
+              <a:ext cx="2417" cy="316797"/>
+            </a:xfrm>
+            <a:prstGeom prst="straightConnector1">
+              <a:avLst/>
+            </a:prstGeom>
+            <a:ln w="12700">
+              <a:solidFill>
+                <a:schemeClr val="tx2"/>
+              </a:solidFill>
+              <a:headEnd type="arrow" w="med" len="sm"/>
+              <a:tailEnd type="none" w="med" len="sm"/>
+            </a:ln>
+          </p:spPr>
+          <p:style>
+            <a:lnRef idx="1">
+              <a:schemeClr val="accent1"/>
+            </a:lnRef>
+            <a:fillRef idx="0">
+              <a:schemeClr val="accent1"/>
+            </a:fillRef>
+            <a:effectRef idx="0">
+              <a:schemeClr val="accent1"/>
+            </a:effectRef>
+            <a:fontRef idx="minor">
+              <a:schemeClr val="tx1"/>
+            </a:fontRef>
+          </p:style>
+        </p:cxnSp>
+        <p:sp>
+          <p:nvSpPr>
+            <p:cNvPr id="72" name="TextBox 71">
+              <a:extLst>
+                <a:ext uri="{FF2B5EF4-FFF2-40B4-BE49-F238E27FC236}">
+                  <a16:creationId xmlns:a16="http://schemas.microsoft.com/office/drawing/2014/main" id="{F4F0F2B5-DA12-774D-998E-EABA68BA7DFD}"/>
+                </a:ext>
+              </a:extLst>
+            </p:cNvPr>
+            <p:cNvSpPr txBox="1"/>
+            <p:nvPr/>
+          </p:nvSpPr>
+          <p:spPr>
+            <a:xfrm>
+              <a:off x="4546138" y="1460541"/>
+              <a:ext cx="749634" cy="246221"/>
+            </a:xfrm>
+            <a:prstGeom prst="rect">
+              <a:avLst/>
+            </a:prstGeom>
+            <a:noFill/>
+          </p:spPr>
+          <p:txBody>
+            <a:bodyPr wrap="square" rtlCol="0">
+              <a:spAutoFit/>
+            </a:bodyPr>
+            <a:lstStyle/>
+            <a:p>
+              <a:pPr algn="ctr"/>
+              <a:r>
+                <a:rPr lang="en-US" sz="1000" dirty="0"/>
+                <a:t>Inventory</a:t>
+              </a:r>
+            </a:p>
+          </p:txBody>
+        </p:sp>
+        <p:pic>
+          <p:nvPicPr>
+            <p:cNvPr id="73" name="Graphic 72">
+              <a:extLst>
+                <a:ext uri="{FF2B5EF4-FFF2-40B4-BE49-F238E27FC236}">
+                  <a16:creationId xmlns:a16="http://schemas.microsoft.com/office/drawing/2014/main" id="{FAE82869-72F1-7040-A228-2395BFA12307}"/>
+                </a:ext>
+              </a:extLst>
+            </p:cNvPr>
+            <p:cNvPicPr>
+              <a:picLocks noChangeAspect="1"/>
+            </p:cNvPicPr>
+            <p:nvPr/>
+          </p:nvPicPr>
+          <p:blipFill>
+            <a:blip r:embed="rId12">
+              <a:extLst>
+                <a:ext uri="{96DAC541-7B7A-43D3-8B79-37D633B846F1}">
+                  <asvg:svgBlip xmlns:asvg="http://schemas.microsoft.com/office/drawing/2016/SVG/main" r:embed="rId13"/>
+                </a:ext>
+              </a:extLst>
+            </a:blip>
+            <a:stretch>
+              <a:fillRect/>
+            </a:stretch>
+          </p:blipFill>
+          <p:spPr>
+            <a:xfrm>
+              <a:off x="4704638" y="972288"/>
+              <a:ext cx="469900" cy="469900"/>
+            </a:xfrm>
+            <a:prstGeom prst="rect">
+              <a:avLst/>
+            </a:prstGeom>
+          </p:spPr>
+        </p:pic>
+        <p:cxnSp>
+          <p:nvCxnSpPr>
+            <p:cNvPr id="74" name="Straight Arrow Connector 73">
+              <a:extLst>
+                <a:ext uri="{FF2B5EF4-FFF2-40B4-BE49-F238E27FC236}">
+                  <a16:creationId xmlns:a16="http://schemas.microsoft.com/office/drawing/2014/main" id="{0101DA4B-9A26-5E4F-A246-AAA371897E62}"/>
+                </a:ext>
+              </a:extLst>
+            </p:cNvPr>
+            <p:cNvCxnSpPr>
+              <a:cxnSpLocks/>
+              <a:stCxn id="11" idx="1"/>
+              <a:endCxn id="73" idx="3"/>
+            </p:cNvCxnSpPr>
+            <p:nvPr/>
+          </p:nvCxnSpPr>
+          <p:spPr>
+            <a:xfrm flipH="1" flipV="1">
+              <a:off x="5174538" y="1207238"/>
+              <a:ext cx="2458613" cy="2414"/>
+            </a:xfrm>
+            <a:prstGeom prst="straightConnector1">
+              <a:avLst/>
+            </a:prstGeom>
+            <a:ln w="12700">
+              <a:solidFill>
+                <a:schemeClr val="tx2"/>
+              </a:solidFill>
+              <a:headEnd type="arrow" w="med" len="sm"/>
+              <a:tailEnd type="none" w="med" len="sm"/>
+            </a:ln>
+          </p:spPr>
+          <p:style>
+            <a:lnRef idx="1">
+              <a:schemeClr val="accent1"/>
+            </a:lnRef>
+            <a:fillRef idx="0">
+              <a:schemeClr val="accent1"/>
+            </a:fillRef>
+            <a:effectRef idx="0">
+              <a:schemeClr val="accent1"/>
+            </a:effectRef>
+            <a:fontRef idx="minor">
+              <a:schemeClr val="tx1"/>
+            </a:fontRef>
+          </p:style>
+        </p:cxnSp>
+        <p:pic>
+          <p:nvPicPr>
+            <p:cNvPr id="79" name="Graphic 78">
+              <a:extLst>
+                <a:ext uri="{FF2B5EF4-FFF2-40B4-BE49-F238E27FC236}">
+                  <a16:creationId xmlns:a16="http://schemas.microsoft.com/office/drawing/2014/main" id="{7FDA299A-D598-9F44-A6EA-736B6E8A7BFA}"/>
+                </a:ext>
+              </a:extLst>
+            </p:cNvPr>
+            <p:cNvPicPr>
+              <a:picLocks noChangeAspect="1"/>
+            </p:cNvPicPr>
+            <p:nvPr/>
+          </p:nvPicPr>
+          <p:blipFill>
+            <a:blip r:embed="rId14">
+              <a:extLst>
+                <a:ext uri="{96DAC541-7B7A-43D3-8B79-37D633B846F1}">
+                  <asvg:svgBlip xmlns:asvg="http://schemas.microsoft.com/office/drawing/2016/SVG/main" r:embed="rId15"/>
+                </a:ext>
+              </a:extLst>
+            </a:blip>
+            <a:stretch>
+              <a:fillRect/>
+            </a:stretch>
+          </p:blipFill>
+          <p:spPr>
+            <a:xfrm>
+              <a:off x="1483097" y="3610235"/>
+              <a:ext cx="469900" cy="469900"/>
+            </a:xfrm>
+            <a:prstGeom prst="rect">
+              <a:avLst/>
+            </a:prstGeom>
+          </p:spPr>
+        </p:pic>
+        <p:sp>
+          <p:nvSpPr>
+            <p:cNvPr id="82" name="TextBox 81">
+              <a:extLst>
+                <a:ext uri="{FF2B5EF4-FFF2-40B4-BE49-F238E27FC236}">
+                  <a16:creationId xmlns:a16="http://schemas.microsoft.com/office/drawing/2014/main" id="{27EF5F8A-0A3E-C54B-B023-CB7859292B48}"/>
+                </a:ext>
+              </a:extLst>
+            </p:cNvPr>
+            <p:cNvSpPr txBox="1"/>
+            <p:nvPr/>
+          </p:nvSpPr>
+          <p:spPr>
+            <a:xfrm>
+              <a:off x="1116786" y="2870390"/>
+              <a:ext cx="1202522" cy="400110"/>
+            </a:xfrm>
+            <a:prstGeom prst="rect">
+              <a:avLst/>
+            </a:prstGeom>
+            <a:noFill/>
+          </p:spPr>
+          <p:txBody>
+            <a:bodyPr wrap="square" rtlCol="0">
+              <a:spAutoFit/>
+            </a:bodyPr>
+            <a:lstStyle/>
+            <a:p>
+              <a:pPr algn="ctr"/>
+              <a:r>
+                <a:rPr lang="en-US" sz="1000" dirty="0"/>
+                <a:t>Maintenance windows</a:t>
+              </a:r>
+            </a:p>
+          </p:txBody>
+        </p:sp>
+        <p:pic>
+          <p:nvPicPr>
+            <p:cNvPr id="83" name="Graphic 82">
+              <a:extLst>
+                <a:ext uri="{FF2B5EF4-FFF2-40B4-BE49-F238E27FC236}">
+                  <a16:creationId xmlns:a16="http://schemas.microsoft.com/office/drawing/2014/main" id="{25402D6B-8E33-9945-BE78-14F6EC549559}"/>
+                </a:ext>
+              </a:extLst>
+            </p:cNvPr>
+            <p:cNvPicPr>
+              <a:picLocks noChangeAspect="1"/>
+            </p:cNvPicPr>
+            <p:nvPr/>
+          </p:nvPicPr>
+          <p:blipFill>
+            <a:blip r:embed="rId16">
+              <a:extLst>
+                <a:ext uri="{96DAC541-7B7A-43D3-8B79-37D633B846F1}">
+                  <asvg:svgBlip xmlns:asvg="http://schemas.microsoft.com/office/drawing/2016/SVG/main" r:embed="rId17"/>
+                </a:ext>
+              </a:extLst>
+            </a:blip>
+            <a:stretch>
+              <a:fillRect/>
+            </a:stretch>
+          </p:blipFill>
+          <p:spPr>
+            <a:xfrm>
+              <a:off x="1483097" y="2438535"/>
+              <a:ext cx="469900" cy="469900"/>
+            </a:xfrm>
+            <a:prstGeom prst="rect">
+              <a:avLst/>
+            </a:prstGeom>
+          </p:spPr>
+        </p:pic>
+        <p:sp>
+          <p:nvSpPr>
+            <p:cNvPr id="84" name="TextBox 83">
+              <a:extLst>
+                <a:ext uri="{FF2B5EF4-FFF2-40B4-BE49-F238E27FC236}">
+                  <a16:creationId xmlns:a16="http://schemas.microsoft.com/office/drawing/2014/main" id="{AA58B99B-730F-8740-86C4-8A78DD44E655}"/>
+                </a:ext>
+              </a:extLst>
+            </p:cNvPr>
+            <p:cNvSpPr txBox="1"/>
+            <p:nvPr/>
+          </p:nvSpPr>
+          <p:spPr>
+            <a:xfrm>
+              <a:off x="1162891" y="4081963"/>
+              <a:ext cx="1202522" cy="246221"/>
+            </a:xfrm>
+            <a:prstGeom prst="rect">
+              <a:avLst/>
+            </a:prstGeom>
+            <a:noFill/>
+          </p:spPr>
+          <p:txBody>
+            <a:bodyPr wrap="square" rtlCol="0">
+              <a:spAutoFit/>
+            </a:bodyPr>
+            <a:lstStyle/>
+            <a:p>
+              <a:pPr algn="ctr"/>
+              <a:r>
+                <a:rPr lang="en-US" sz="1000" dirty="0"/>
+                <a:t>Patch manager</a:t>
+              </a:r>
+            </a:p>
+          </p:txBody>
+        </p:sp>
+        <p:sp>
+          <p:nvSpPr>
+            <p:cNvPr id="85" name="TextBox 84">
+              <a:extLst>
+                <a:ext uri="{FF2B5EF4-FFF2-40B4-BE49-F238E27FC236}">
+                  <a16:creationId xmlns:a16="http://schemas.microsoft.com/office/drawing/2014/main" id="{824985AF-C1CA-634A-8D0E-15C24E89DEFA}"/>
+                </a:ext>
+              </a:extLst>
+            </p:cNvPr>
+            <p:cNvSpPr txBox="1"/>
+            <p:nvPr/>
+          </p:nvSpPr>
+          <p:spPr>
+            <a:xfrm>
+              <a:off x="1070681" y="1473411"/>
+              <a:ext cx="1294732" cy="707886"/>
+            </a:xfrm>
+            <a:prstGeom prst="rect">
+              <a:avLst/>
+            </a:prstGeom>
+            <a:noFill/>
+          </p:spPr>
+          <p:txBody>
+            <a:bodyPr wrap="square" rtlCol="0">
+              <a:spAutoFit/>
+            </a:bodyPr>
+            <a:lstStyle/>
+            <a:p>
+              <a:pPr algn="ctr"/>
+              <a:r>
+                <a:rPr lang="en-US" sz="1000" dirty="0"/>
+                <a:t>State manager</a:t>
+              </a:r>
+            </a:p>
+            <a:p>
+              <a:pPr algn="ctr"/>
+              <a:r>
+                <a:rPr lang="en-US" sz="1000" dirty="0"/>
+                <a:t>SSM Agent</a:t>
+              </a:r>
+            </a:p>
+            <a:p>
+              <a:pPr algn="ctr"/>
+              <a:r>
+                <a:rPr lang="en-US" sz="1000" dirty="0"/>
+                <a:t>Inventory</a:t>
+              </a:r>
+            </a:p>
+            <a:p>
+              <a:pPr algn="ctr"/>
+              <a:r>
+                <a:rPr lang="en-US" sz="1000" dirty="0"/>
+                <a:t>Run Patch Baseline</a:t>
+              </a:r>
+            </a:p>
+          </p:txBody>
+        </p:sp>
+        <p:pic>
+          <p:nvPicPr>
+            <p:cNvPr id="86" name="Graphic 85">
+              <a:extLst>
+                <a:ext uri="{FF2B5EF4-FFF2-40B4-BE49-F238E27FC236}">
+                  <a16:creationId xmlns:a16="http://schemas.microsoft.com/office/drawing/2014/main" id="{9E27A816-682D-A948-85E1-4A1EEA89D61C}"/>
+                </a:ext>
+              </a:extLst>
+            </p:cNvPr>
+            <p:cNvPicPr>
+              <a:picLocks noChangeAspect="1"/>
+            </p:cNvPicPr>
+            <p:nvPr/>
+          </p:nvPicPr>
+          <p:blipFill>
+            <a:blip r:embed="rId18">
+              <a:extLst>
+                <a:ext uri="{96DAC541-7B7A-43D3-8B79-37D633B846F1}">
+                  <asvg:svgBlip xmlns:asvg="http://schemas.microsoft.com/office/drawing/2016/SVG/main" r:embed="rId19"/>
+                </a:ext>
+              </a:extLst>
+            </a:blip>
+            <a:stretch>
+              <a:fillRect/>
+            </a:stretch>
+          </p:blipFill>
+          <p:spPr>
+            <a:xfrm>
+              <a:off x="1483097" y="979473"/>
+              <a:ext cx="469900" cy="469900"/>
+            </a:xfrm>
+            <a:prstGeom prst="rect">
+              <a:avLst/>
+            </a:prstGeom>
+          </p:spPr>
+        </p:pic>
+        <p:pic>
+          <p:nvPicPr>
+            <p:cNvPr id="87" name="Graphic 86">
+              <a:extLst>
+                <a:ext uri="{FF2B5EF4-FFF2-40B4-BE49-F238E27FC236}">
+                  <a16:creationId xmlns:a16="http://schemas.microsoft.com/office/drawing/2014/main" id="{2C671E58-CB44-BE41-B28B-76407DACA04C}"/>
+                </a:ext>
+              </a:extLst>
+            </p:cNvPr>
+            <p:cNvPicPr>
+              <a:picLocks noChangeAspect="1"/>
+            </p:cNvPicPr>
+            <p:nvPr/>
+          </p:nvPicPr>
+          <p:blipFill>
+            <a:blip r:embed="rId20">
+              <a:extLst>
+                <a:ext uri="{96DAC541-7B7A-43D3-8B79-37D633B846F1}">
+                  <asvg:svgBlip xmlns:asvg="http://schemas.microsoft.com/office/drawing/2016/SVG/main" r:embed="rId21"/>
+                </a:ext>
+              </a:extLst>
+            </a:blip>
+            <a:stretch>
+              <a:fillRect/>
+            </a:stretch>
+          </p:blipFill>
+          <p:spPr>
+            <a:xfrm>
+              <a:off x="4583988" y="2327106"/>
+              <a:ext cx="711200" cy="711200"/>
+            </a:xfrm>
+            <a:prstGeom prst="rect">
+              <a:avLst/>
+            </a:prstGeom>
+          </p:spPr>
+        </p:pic>
+        <p:sp>
+          <p:nvSpPr>
+            <p:cNvPr id="88" name="TextBox 87">
+              <a:extLst>
+                <a:ext uri="{FF2B5EF4-FFF2-40B4-BE49-F238E27FC236}">
+                  <a16:creationId xmlns:a16="http://schemas.microsoft.com/office/drawing/2014/main" id="{DC5E8C06-47A2-D34C-9042-6BA2556EBBE6}"/>
+                </a:ext>
+              </a:extLst>
+            </p:cNvPr>
+            <p:cNvSpPr txBox="1"/>
+            <p:nvPr/>
+          </p:nvSpPr>
+          <p:spPr>
+            <a:xfrm>
+              <a:off x="4446479" y="3065684"/>
+              <a:ext cx="942614" cy="245672"/>
+            </a:xfrm>
+            <a:prstGeom prst="rect">
+              <a:avLst/>
+            </a:prstGeom>
+            <a:noFill/>
+          </p:spPr>
+          <p:txBody>
+            <a:bodyPr wrap="square" rtlCol="0">
+              <a:spAutoFit/>
+            </a:bodyPr>
+            <a:lstStyle/>
+            <a:p>
+              <a:pPr algn="ctr"/>
+              <a:r>
+                <a:rPr lang="en-US" sz="1000" dirty="0"/>
+                <a:t>AWS Config</a:t>
+              </a:r>
+            </a:p>
+          </p:txBody>
+        </p:sp>
+        <p:pic>
+          <p:nvPicPr>
+            <p:cNvPr id="89" name="Graphic 88">
+              <a:extLst>
+                <a:ext uri="{FF2B5EF4-FFF2-40B4-BE49-F238E27FC236}">
+                  <a16:creationId xmlns:a16="http://schemas.microsoft.com/office/drawing/2014/main" id="{1A2D5892-DBA6-2043-AE5E-A07EFBA6F419}"/>
+                </a:ext>
+              </a:extLst>
+            </p:cNvPr>
+            <p:cNvPicPr>
+              <a:picLocks noChangeAspect="1"/>
+            </p:cNvPicPr>
+            <p:nvPr/>
+          </p:nvPicPr>
+          <p:blipFill>
+            <a:blip r:embed="rId2">
+              <a:extLst>
+                <a:ext uri="{96DAC541-7B7A-43D3-8B79-37D633B846F1}">
+                  <asvg:svgBlip xmlns:asvg="http://schemas.microsoft.com/office/drawing/2016/SVG/main" r:embed="rId3"/>
+                </a:ext>
+              </a:extLst>
+            </a:blip>
+            <a:stretch>
+              <a:fillRect/>
+            </a:stretch>
+          </p:blipFill>
+          <p:spPr>
+            <a:xfrm>
+              <a:off x="450726" y="433858"/>
+              <a:ext cx="330200" cy="330200"/>
+            </a:xfrm>
+            <a:prstGeom prst="rect">
+              <a:avLst/>
+            </a:prstGeom>
+          </p:spPr>
+        </p:pic>
+        <p:sp>
+          <p:nvSpPr>
+            <p:cNvPr id="90" name="TextBox 89">
+              <a:extLst>
+                <a:ext uri="{FF2B5EF4-FFF2-40B4-BE49-F238E27FC236}">
+                  <a16:creationId xmlns:a16="http://schemas.microsoft.com/office/drawing/2014/main" id="{F7F6CB04-99EB-CE46-BB3E-91BBCD6E059C}"/>
+                </a:ext>
+              </a:extLst>
+            </p:cNvPr>
+            <p:cNvSpPr txBox="1"/>
+            <p:nvPr/>
+          </p:nvSpPr>
+          <p:spPr>
+            <a:xfrm>
+              <a:off x="2677075" y="5442293"/>
+              <a:ext cx="1223442" cy="246221"/>
+            </a:xfrm>
+            <a:prstGeom prst="rect">
+              <a:avLst/>
+            </a:prstGeom>
+            <a:noFill/>
+          </p:spPr>
+          <p:txBody>
+            <a:bodyPr wrap="square" rtlCol="0">
+              <a:spAutoFit/>
+            </a:bodyPr>
+            <a:lstStyle/>
+            <a:p>
+              <a:pPr algn="ctr"/>
+              <a:r>
+                <a:rPr lang="en-US" sz="1000" dirty="0"/>
+                <a:t>StackSet</a:t>
+              </a:r>
+            </a:p>
+          </p:txBody>
+        </p:sp>
+        <p:pic>
+          <p:nvPicPr>
+            <p:cNvPr id="91" name="Graphic 90">
+              <a:extLst>
+                <a:ext uri="{FF2B5EF4-FFF2-40B4-BE49-F238E27FC236}">
+                  <a16:creationId xmlns:a16="http://schemas.microsoft.com/office/drawing/2014/main" id="{0563CAD6-5659-2B42-AB1F-0DCCAA163782}"/>
+                </a:ext>
+              </a:extLst>
+            </p:cNvPr>
+            <p:cNvPicPr>
+              <a:picLocks noChangeAspect="1"/>
+            </p:cNvPicPr>
+            <p:nvPr/>
+          </p:nvPicPr>
+          <p:blipFill>
+            <a:blip r:embed="rId22">
+              <a:extLst>
+                <a:ext uri="{96DAC541-7B7A-43D3-8B79-37D633B846F1}">
+                  <asvg:svgBlip xmlns:asvg="http://schemas.microsoft.com/office/drawing/2016/SVG/main" r:embed="rId23"/>
+                </a:ext>
+              </a:extLst>
+            </a:blip>
+            <a:stretch>
+              <a:fillRect/>
+            </a:stretch>
+          </p:blipFill>
+          <p:spPr>
+            <a:xfrm>
+              <a:off x="3053846" y="4969350"/>
+              <a:ext cx="469900" cy="469900"/>
+            </a:xfrm>
+            <a:prstGeom prst="rect">
+              <a:avLst/>
+            </a:prstGeom>
+          </p:spPr>
+        </p:pic>
+        <p:sp>
+          <p:nvSpPr>
+            <p:cNvPr id="92" name="TextBox 91">
+              <a:extLst>
+                <a:ext uri="{FF2B5EF4-FFF2-40B4-BE49-F238E27FC236}">
+                  <a16:creationId xmlns:a16="http://schemas.microsoft.com/office/drawing/2014/main" id="{0A4534B3-B8E6-D94A-84EF-557C366C1A19}"/>
+                </a:ext>
+              </a:extLst>
+            </p:cNvPr>
+            <p:cNvSpPr txBox="1"/>
+            <p:nvPr/>
+          </p:nvSpPr>
+          <p:spPr>
+            <a:xfrm>
+              <a:off x="9055153" y="5442293"/>
+              <a:ext cx="1223442" cy="246221"/>
+            </a:xfrm>
+            <a:prstGeom prst="rect">
+              <a:avLst/>
+            </a:prstGeom>
+            <a:noFill/>
+          </p:spPr>
+          <p:txBody>
+            <a:bodyPr wrap="square" rtlCol="0">
+              <a:spAutoFit/>
+            </a:bodyPr>
+            <a:lstStyle/>
+            <a:p>
+              <a:pPr algn="ctr"/>
+              <a:r>
+                <a:rPr lang="en-US" sz="1000" dirty="0"/>
+                <a:t>Stack</a:t>
+              </a:r>
+            </a:p>
+          </p:txBody>
+        </p:sp>
+        <p:pic>
+          <p:nvPicPr>
+            <p:cNvPr id="93" name="Graphic 92">
+              <a:extLst>
+                <a:ext uri="{FF2B5EF4-FFF2-40B4-BE49-F238E27FC236}">
+                  <a16:creationId xmlns:a16="http://schemas.microsoft.com/office/drawing/2014/main" id="{D95F0279-322F-AD46-ACC7-50ACBC918A22}"/>
+                </a:ext>
+              </a:extLst>
+            </p:cNvPr>
+            <p:cNvPicPr>
+              <a:picLocks noChangeAspect="1"/>
+            </p:cNvPicPr>
+            <p:nvPr/>
+          </p:nvPicPr>
+          <p:blipFill>
+            <a:blip r:embed="rId22">
+              <a:extLst>
+                <a:ext uri="{96DAC541-7B7A-43D3-8B79-37D633B846F1}">
+                  <asvg:svgBlip xmlns:asvg="http://schemas.microsoft.com/office/drawing/2016/SVG/main" r:embed="rId23"/>
+                </a:ext>
+              </a:extLst>
+            </a:blip>
+            <a:stretch>
+              <a:fillRect/>
+            </a:stretch>
+          </p:blipFill>
+          <p:spPr>
+            <a:xfrm>
+              <a:off x="9431924" y="4969350"/>
+              <a:ext cx="469900" cy="469900"/>
+            </a:xfrm>
+            <a:prstGeom prst="rect">
+              <a:avLst/>
+            </a:prstGeom>
+          </p:spPr>
+        </p:pic>
+        <p:cxnSp>
+          <p:nvCxnSpPr>
+            <p:cNvPr id="94" name="Straight Arrow Connector 93">
+              <a:extLst>
+                <a:ext uri="{FF2B5EF4-FFF2-40B4-BE49-F238E27FC236}">
+                  <a16:creationId xmlns:a16="http://schemas.microsoft.com/office/drawing/2014/main" id="{72500611-C37A-794D-B431-9B776E75C917}"/>
+                </a:ext>
+              </a:extLst>
+            </p:cNvPr>
+            <p:cNvCxnSpPr>
+              <a:cxnSpLocks/>
+              <a:stCxn id="91" idx="3"/>
+              <a:endCxn id="93" idx="1"/>
+            </p:cNvCxnSpPr>
+            <p:nvPr/>
+          </p:nvCxnSpPr>
+          <p:spPr>
+            <a:xfrm>
+              <a:off x="3523746" y="5204300"/>
+              <a:ext cx="5908178" cy="0"/>
+            </a:xfrm>
+            <a:prstGeom prst="straightConnector1">
+              <a:avLst/>
+            </a:prstGeom>
+            <a:ln w="12700">
+              <a:solidFill>
+                <a:schemeClr val="tx2"/>
+              </a:solidFill>
+              <a:headEnd type="arrow" w="med" len="sm"/>
+              <a:tailEnd type="none" w="med" len="sm"/>
+            </a:ln>
+          </p:spPr>
+          <p:style>
+            <a:lnRef idx="1">
+              <a:schemeClr val="accent1"/>
+            </a:lnRef>
+            <a:fillRef idx="0">
+              <a:schemeClr val="accent1"/>
+            </a:fillRef>
+            <a:effectRef idx="0">
+              <a:schemeClr val="accent1"/>
+            </a:effectRef>
+            <a:fontRef idx="minor">
+              <a:schemeClr val="tx1"/>
+            </a:fontRef>
+          </p:style>
+        </p:cxnSp>
+        <p:cxnSp>
+          <p:nvCxnSpPr>
+            <p:cNvPr id="101" name="Straight Arrow Connector 100">
+              <a:extLst>
+                <a:ext uri="{FF2B5EF4-FFF2-40B4-BE49-F238E27FC236}">
+                  <a16:creationId xmlns:a16="http://schemas.microsoft.com/office/drawing/2014/main" id="{653940F9-20E6-264C-BBB0-162716526DE4}"/>
+                </a:ext>
+              </a:extLst>
+            </p:cNvPr>
+            <p:cNvCxnSpPr>
+              <a:cxnSpLocks/>
+              <a:stCxn id="15" idx="1"/>
+              <a:endCxn id="87" idx="3"/>
+            </p:cNvCxnSpPr>
+            <p:nvPr/>
+          </p:nvCxnSpPr>
+          <p:spPr>
+            <a:xfrm flipH="1">
+              <a:off x="5295188" y="2680769"/>
+              <a:ext cx="2304193" cy="1937"/>
+            </a:xfrm>
+            <a:prstGeom prst="straightConnector1">
+              <a:avLst/>
+            </a:prstGeom>
+            <a:ln w="12700">
+              <a:solidFill>
+                <a:schemeClr val="tx2"/>
+              </a:solidFill>
+              <a:headEnd type="arrow" w="med" len="sm"/>
+              <a:tailEnd type="none" w="med" len="sm"/>
+            </a:ln>
+          </p:spPr>
+          <p:style>
+            <a:lnRef idx="1">
+              <a:schemeClr val="accent1"/>
+            </a:lnRef>
+            <a:fillRef idx="0">
+              <a:schemeClr val="accent1"/>
+            </a:fillRef>
+            <a:effectRef idx="0">
+              <a:schemeClr val="accent1"/>
+            </a:effectRef>
+            <a:fontRef idx="minor">
+              <a:schemeClr val="tx1"/>
+            </a:fontRef>
+          </p:style>
+        </p:cxnSp>
+        <p:grpSp>
+          <p:nvGrpSpPr>
+            <p:cNvPr id="113" name="Group 112">
+              <a:extLst>
+                <a:ext uri="{FF2B5EF4-FFF2-40B4-BE49-F238E27FC236}">
+                  <a16:creationId xmlns:a16="http://schemas.microsoft.com/office/drawing/2014/main" id="{BB5E7066-835E-2244-99EA-CEA4A029A304}"/>
+                </a:ext>
+              </a:extLst>
+            </p:cNvPr>
+            <p:cNvGrpSpPr/>
+            <p:nvPr/>
+          </p:nvGrpSpPr>
+          <p:grpSpPr>
+            <a:xfrm>
+              <a:off x="2903221" y="1579640"/>
+              <a:ext cx="793010" cy="584483"/>
+              <a:chOff x="2875262" y="2044999"/>
+              <a:chExt cx="793010" cy="584483"/>
+            </a:xfrm>
+          </p:grpSpPr>
+          <p:pic>
+            <p:nvPicPr>
+              <p:cNvPr id="107" name="Graphic 106">
+                <a:extLst>
+                  <a:ext uri="{FF2B5EF4-FFF2-40B4-BE49-F238E27FC236}">
+                    <a16:creationId xmlns:a16="http://schemas.microsoft.com/office/drawing/2014/main" id="{ED49CEB5-F133-3742-B5F0-2F0FE876D8D8}"/>
+                  </a:ext>
+                </a:extLst>
+              </p:cNvPr>
+              <p:cNvPicPr>
+                <a:picLocks noChangeAspect="1"/>
+              </p:cNvPicPr>
+              <p:nvPr/>
+            </p:nvPicPr>
+            <p:blipFill>
+              <a:blip r:embed="rId24">
+                <a:extLst>
+                  <a:ext uri="{96DAC541-7B7A-43D3-8B79-37D633B846F1}">
+                    <asvg:svgBlip xmlns:asvg="http://schemas.microsoft.com/office/drawing/2016/SVG/main" r:embed="rId25"/>
+                  </a:ext>
+                </a:extLst>
+              </a:blip>
+              <a:stretch>
+                <a:fillRect/>
+              </a:stretch>
+            </p:blipFill>
+            <p:spPr>
+              <a:xfrm>
+                <a:off x="3063361" y="2044999"/>
+                <a:ext cx="394953" cy="394953"/>
+              </a:xfrm>
+              <a:prstGeom prst="rect">
+                <a:avLst/>
+              </a:prstGeom>
+            </p:spPr>
+          </p:pic>
+          <p:sp>
+            <p:nvSpPr>
+              <p:cNvPr id="108" name="TextBox 107">
+                <a:extLst>
+                  <a:ext uri="{FF2B5EF4-FFF2-40B4-BE49-F238E27FC236}">
+                    <a16:creationId xmlns:a16="http://schemas.microsoft.com/office/drawing/2014/main" id="{C0415C36-9C47-7B40-8EB7-8674E6CB53A6}"/>
+                  </a:ext>
+                </a:extLst>
+              </p:cNvPr>
+              <p:cNvSpPr txBox="1"/>
+              <p:nvPr/>
+            </p:nvSpPr>
+            <p:spPr>
+              <a:xfrm>
+                <a:off x="2875262" y="2383261"/>
+                <a:ext cx="793010" cy="246221"/>
+              </a:xfrm>
+              <a:prstGeom prst="rect">
+                <a:avLst/>
+              </a:prstGeom>
+              <a:noFill/>
+            </p:spPr>
+            <p:txBody>
+              <a:bodyPr wrap="square" rtlCol="0">
+                <a:spAutoFit/>
+              </a:bodyPr>
+              <a:lstStyle/>
+              <a:p>
+                <a:pPr algn="ctr"/>
+                <a:r>
+                  <a:rPr lang="en-US" sz="1000" dirty="0">
+                    <a:solidFill>
+                      <a:srgbClr val="232F3E"/>
+                    </a:solidFill>
+                  </a:rPr>
+                  <a:t>Instance</a:t>
+                </a:r>
+              </a:p>
+            </p:txBody>
+          </p:sp>
+        </p:grpSp>
+        <p:sp>
+          <p:nvSpPr>
+            <p:cNvPr id="109" name="TextBox 108">
+              <a:extLst>
+                <a:ext uri="{FF2B5EF4-FFF2-40B4-BE49-F238E27FC236}">
+                  <a16:creationId xmlns:a16="http://schemas.microsoft.com/office/drawing/2014/main" id="{52EA23A0-D106-CE45-B2B3-44A7FDC0F9D2}"/>
+                </a:ext>
+              </a:extLst>
+            </p:cNvPr>
+            <p:cNvSpPr txBox="1"/>
+            <p:nvPr/>
+          </p:nvSpPr>
+          <p:spPr>
+            <a:xfrm>
+              <a:off x="3680890" y="4120960"/>
+              <a:ext cx="2301904" cy="369332"/>
+            </a:xfrm>
+            <a:prstGeom prst="rect">
+              <a:avLst/>
+            </a:prstGeom>
+            <a:noFill/>
+          </p:spPr>
+          <p:txBody>
+            <a:bodyPr wrap="square" rtlCol="0">
+              <a:spAutoFit/>
+            </a:bodyPr>
+            <a:lstStyle/>
+            <a:p>
+              <a:pPr algn="ctr"/>
+              <a:r>
+                <a:rPr lang="en-US" sz="900" dirty="0"/>
+                <a:t>Lambda function</a:t>
+              </a:r>
+            </a:p>
+            <a:p>
+              <a:pPr algn="ctr"/>
+              <a:r>
+                <a:rPr lang="en-US" sz="900" dirty="0"/>
+                <a:t>Tag OS Data</a:t>
+              </a:r>
+            </a:p>
+          </p:txBody>
+        </p:sp>
+        <p:pic>
+          <p:nvPicPr>
+            <p:cNvPr id="110" name="Graphic 109">
+              <a:extLst>
+                <a:ext uri="{FF2B5EF4-FFF2-40B4-BE49-F238E27FC236}">
+                  <a16:creationId xmlns:a16="http://schemas.microsoft.com/office/drawing/2014/main" id="{6698F990-3485-E348-B192-9DFE32CA2B14}"/>
+                </a:ext>
+              </a:extLst>
+            </p:cNvPr>
+            <p:cNvPicPr>
+              <a:picLocks noChangeAspect="1"/>
+            </p:cNvPicPr>
+            <p:nvPr/>
+          </p:nvPicPr>
+          <p:blipFill>
+            <a:blip r:embed="rId10">
+              <a:extLst>
+                <a:ext uri="{96DAC541-7B7A-43D3-8B79-37D633B846F1}">
+                  <asvg:svgBlip xmlns:asvg="http://schemas.microsoft.com/office/drawing/2016/SVG/main" r:embed="rId11"/>
+                </a:ext>
+              </a:extLst>
+            </a:blip>
+            <a:stretch>
+              <a:fillRect/>
+            </a:stretch>
+          </p:blipFill>
+          <p:spPr>
+            <a:xfrm>
+              <a:off x="4682836" y="3651060"/>
+              <a:ext cx="469900" cy="469900"/>
+            </a:xfrm>
+            <a:prstGeom prst="rect">
+              <a:avLst/>
+            </a:prstGeom>
+          </p:spPr>
+        </p:pic>
+        <p:sp>
+          <p:nvSpPr>
+            <p:cNvPr id="111" name="Rectangle 110">
+              <a:extLst>
+                <a:ext uri="{FF2B5EF4-FFF2-40B4-BE49-F238E27FC236}">
+                  <a16:creationId xmlns:a16="http://schemas.microsoft.com/office/drawing/2014/main" id="{9CEBE16B-41F0-624E-9C2A-56B292B92ECE}"/>
+                </a:ext>
+              </a:extLst>
+            </p:cNvPr>
+            <p:cNvSpPr/>
+            <p:nvPr/>
+          </p:nvSpPr>
+          <p:spPr>
+            <a:xfrm>
+              <a:off x="2407326" y="907867"/>
+              <a:ext cx="1765300" cy="3541931"/>
+            </a:xfrm>
+            <a:prstGeom prst="rect">
+              <a:avLst/>
+            </a:prstGeom>
+            <a:noFill/>
+            <a:ln w="12700">
+              <a:solidFill>
+                <a:schemeClr val="accent3"/>
+              </a:solidFill>
+              <a:prstDash val="dash"/>
+            </a:ln>
+          </p:spPr>
+          <p:style>
+            <a:lnRef idx="2">
+              <a:schemeClr val="accent1">
+                <a:shade val="50000"/>
+              </a:schemeClr>
+            </a:lnRef>
+            <a:fillRef idx="1">
+              <a:schemeClr val="accent1"/>
+            </a:fillRef>
+            <a:effectRef idx="0">
+              <a:schemeClr val="accent1"/>
+            </a:effectRef>
+            <a:fontRef idx="minor">
+              <a:schemeClr val="lt1"/>
+            </a:fontRef>
+          </p:style>
+          <p:txBody>
+            <a:bodyPr rot="0" spcFirstLastPara="0" vertOverflow="overflow" horzOverflow="overflow" vert="horz" wrap="square" lIns="91440" tIns="91440" rIns="91440" bIns="45720" numCol="1" spcCol="0" rtlCol="0" fromWordArt="0" anchor="t" anchorCtr="0" forceAA="0" compatLnSpc="1">
+              <a:prstTxWarp prst="textNoShape">
+                <a:avLst/>
+              </a:prstTxWarp>
+              <a:noAutofit/>
+            </a:bodyPr>
+            <a:lstStyle/>
+            <a:p>
+              <a:pPr algn="ctr"/>
+              <a:r>
+                <a:rPr lang="en-US" sz="1200" dirty="0">
+                  <a:solidFill>
+                    <a:schemeClr val="accent3"/>
+                  </a:solidFill>
+                </a:rPr>
+                <a:t>EC2 Instances</a:t>
+              </a:r>
+            </a:p>
+          </p:txBody>
+        </p:sp>
+        <p:grpSp>
+          <p:nvGrpSpPr>
+            <p:cNvPr id="114" name="Group 113">
+              <a:extLst>
+                <a:ext uri="{FF2B5EF4-FFF2-40B4-BE49-F238E27FC236}">
+                  <a16:creationId xmlns:a16="http://schemas.microsoft.com/office/drawing/2014/main" id="{7D3AA039-6CC0-C643-A45F-2E6E2A4E6544}"/>
+                </a:ext>
+              </a:extLst>
+            </p:cNvPr>
+            <p:cNvGrpSpPr/>
+            <p:nvPr/>
+          </p:nvGrpSpPr>
+          <p:grpSpPr>
+            <a:xfrm>
+              <a:off x="2903221" y="2301862"/>
+              <a:ext cx="793010" cy="584483"/>
+              <a:chOff x="2875262" y="2044999"/>
+              <a:chExt cx="793010" cy="584483"/>
+            </a:xfrm>
+          </p:grpSpPr>
+          <p:pic>
+            <p:nvPicPr>
+              <p:cNvPr id="115" name="Graphic 114">
+                <a:extLst>
+                  <a:ext uri="{FF2B5EF4-FFF2-40B4-BE49-F238E27FC236}">
+                    <a16:creationId xmlns:a16="http://schemas.microsoft.com/office/drawing/2014/main" id="{59B5150E-25D1-A64C-8A22-57F26C47434F}"/>
+                  </a:ext>
+                </a:extLst>
+              </p:cNvPr>
+              <p:cNvPicPr>
+                <a:picLocks noChangeAspect="1"/>
+              </p:cNvPicPr>
+              <p:nvPr/>
+            </p:nvPicPr>
+            <p:blipFill>
+              <a:blip r:embed="rId24">
+                <a:extLst>
+                  <a:ext uri="{96DAC541-7B7A-43D3-8B79-37D633B846F1}">
+                    <asvg:svgBlip xmlns:asvg="http://schemas.microsoft.com/office/drawing/2016/SVG/main" r:embed="rId25"/>
+                  </a:ext>
+                </a:extLst>
+              </a:blip>
+              <a:stretch>
+                <a:fillRect/>
+              </a:stretch>
+            </p:blipFill>
+            <p:spPr>
+              <a:xfrm>
+                <a:off x="3063361" y="2044999"/>
+                <a:ext cx="394953" cy="394953"/>
+              </a:xfrm>
+              <a:prstGeom prst="rect">
+                <a:avLst/>
+              </a:prstGeom>
+            </p:spPr>
+          </p:pic>
+          <p:sp>
+            <p:nvSpPr>
+              <p:cNvPr id="116" name="TextBox 115">
+                <a:extLst>
+                  <a:ext uri="{FF2B5EF4-FFF2-40B4-BE49-F238E27FC236}">
+                    <a16:creationId xmlns:a16="http://schemas.microsoft.com/office/drawing/2014/main" id="{0C7A3FF3-4376-AB45-894E-953D06F87424}"/>
+                  </a:ext>
+                </a:extLst>
+              </p:cNvPr>
+              <p:cNvSpPr txBox="1"/>
+              <p:nvPr/>
+            </p:nvSpPr>
+            <p:spPr>
+              <a:xfrm>
+                <a:off x="2875262" y="2383261"/>
+                <a:ext cx="793010" cy="246221"/>
+              </a:xfrm>
+              <a:prstGeom prst="rect">
+                <a:avLst/>
+              </a:prstGeom>
+              <a:noFill/>
+            </p:spPr>
+            <p:txBody>
+              <a:bodyPr wrap="square" rtlCol="0">
+                <a:spAutoFit/>
+              </a:bodyPr>
+              <a:lstStyle/>
+              <a:p>
+                <a:pPr algn="ctr"/>
+                <a:r>
+                  <a:rPr lang="en-US" sz="1000" dirty="0">
+                    <a:solidFill>
+                      <a:srgbClr val="232F3E"/>
+                    </a:solidFill>
+                  </a:rPr>
+                  <a:t>Instance</a:t>
+                </a:r>
+              </a:p>
+            </p:txBody>
+          </p:sp>
+        </p:grpSp>
+        <p:grpSp>
+          <p:nvGrpSpPr>
+            <p:cNvPr id="117" name="Group 116">
+              <a:extLst>
+                <a:ext uri="{FF2B5EF4-FFF2-40B4-BE49-F238E27FC236}">
+                  <a16:creationId xmlns:a16="http://schemas.microsoft.com/office/drawing/2014/main" id="{58CDE7FC-511A-1E45-AFB6-241C68A5934D}"/>
+                </a:ext>
+              </a:extLst>
+            </p:cNvPr>
+            <p:cNvGrpSpPr/>
+            <p:nvPr/>
+          </p:nvGrpSpPr>
+          <p:grpSpPr>
+            <a:xfrm>
+              <a:off x="2903221" y="3024084"/>
+              <a:ext cx="793010" cy="584483"/>
+              <a:chOff x="2875262" y="2044999"/>
+              <a:chExt cx="793010" cy="584483"/>
+            </a:xfrm>
+          </p:grpSpPr>
+          <p:pic>
+            <p:nvPicPr>
+              <p:cNvPr id="118" name="Graphic 117">
+                <a:extLst>
+                  <a:ext uri="{FF2B5EF4-FFF2-40B4-BE49-F238E27FC236}">
+                    <a16:creationId xmlns:a16="http://schemas.microsoft.com/office/drawing/2014/main" id="{6016C091-64A7-3645-AFEE-9F942E5362C4}"/>
+                  </a:ext>
+                </a:extLst>
+              </p:cNvPr>
+              <p:cNvPicPr>
+                <a:picLocks noChangeAspect="1"/>
+              </p:cNvPicPr>
+              <p:nvPr/>
+            </p:nvPicPr>
+            <p:blipFill>
+              <a:blip r:embed="rId24">
+                <a:extLst>
+                  <a:ext uri="{96DAC541-7B7A-43D3-8B79-37D633B846F1}">
+                    <asvg:svgBlip xmlns:asvg="http://schemas.microsoft.com/office/drawing/2016/SVG/main" r:embed="rId25"/>
+                  </a:ext>
+                </a:extLst>
+              </a:blip>
+              <a:stretch>
+                <a:fillRect/>
+              </a:stretch>
+            </p:blipFill>
+            <p:spPr>
+              <a:xfrm>
+                <a:off x="3063361" y="2044999"/>
+                <a:ext cx="394953" cy="394953"/>
+              </a:xfrm>
+              <a:prstGeom prst="rect">
+                <a:avLst/>
+              </a:prstGeom>
+            </p:spPr>
+          </p:pic>
+          <p:sp>
+            <p:nvSpPr>
+              <p:cNvPr id="119" name="TextBox 118">
+                <a:extLst>
+                  <a:ext uri="{FF2B5EF4-FFF2-40B4-BE49-F238E27FC236}">
+                    <a16:creationId xmlns:a16="http://schemas.microsoft.com/office/drawing/2014/main" id="{7FF4832E-B6E9-484B-8E5F-3F912EE95662}"/>
+                  </a:ext>
+                </a:extLst>
+              </p:cNvPr>
+              <p:cNvSpPr txBox="1"/>
+              <p:nvPr/>
+            </p:nvSpPr>
+            <p:spPr>
+              <a:xfrm>
+                <a:off x="2875262" y="2383261"/>
+                <a:ext cx="793010" cy="246221"/>
+              </a:xfrm>
+              <a:prstGeom prst="rect">
+                <a:avLst/>
+              </a:prstGeom>
+              <a:noFill/>
+            </p:spPr>
+            <p:txBody>
+              <a:bodyPr wrap="square" rtlCol="0">
+                <a:spAutoFit/>
+              </a:bodyPr>
+              <a:lstStyle/>
+              <a:p>
+                <a:pPr algn="ctr"/>
+                <a:r>
+                  <a:rPr lang="en-US" sz="1000" dirty="0">
+                    <a:solidFill>
+                      <a:srgbClr val="232F3E"/>
+                    </a:solidFill>
+                  </a:rPr>
+                  <a:t>Instance</a:t>
+                </a:r>
+              </a:p>
+            </p:txBody>
+          </p:sp>
+        </p:grpSp>
+        <p:grpSp>
+          <p:nvGrpSpPr>
+            <p:cNvPr id="120" name="Group 119">
+              <a:extLst>
+                <a:ext uri="{FF2B5EF4-FFF2-40B4-BE49-F238E27FC236}">
+                  <a16:creationId xmlns:a16="http://schemas.microsoft.com/office/drawing/2014/main" id="{33A30BE6-3DF2-6C4A-9E63-762B11459A33}"/>
+                </a:ext>
+              </a:extLst>
+            </p:cNvPr>
+            <p:cNvGrpSpPr/>
+            <p:nvPr/>
+          </p:nvGrpSpPr>
+          <p:grpSpPr>
+            <a:xfrm>
+              <a:off x="2903221" y="3746306"/>
+              <a:ext cx="793010" cy="584483"/>
+              <a:chOff x="2875262" y="2044999"/>
+              <a:chExt cx="793010" cy="584483"/>
+            </a:xfrm>
+          </p:grpSpPr>
+          <p:pic>
+            <p:nvPicPr>
+              <p:cNvPr id="121" name="Graphic 120">
+                <a:extLst>
+                  <a:ext uri="{FF2B5EF4-FFF2-40B4-BE49-F238E27FC236}">
+                    <a16:creationId xmlns:a16="http://schemas.microsoft.com/office/drawing/2014/main" id="{AE2F7095-7D2F-7D4C-AF0D-53E08D6AF74D}"/>
+                  </a:ext>
+                </a:extLst>
+              </p:cNvPr>
+              <p:cNvPicPr>
+                <a:picLocks noChangeAspect="1"/>
+              </p:cNvPicPr>
+              <p:nvPr/>
+            </p:nvPicPr>
+            <p:blipFill>
+              <a:blip r:embed="rId24">
+                <a:extLst>
+                  <a:ext uri="{96DAC541-7B7A-43D3-8B79-37D633B846F1}">
+                    <asvg:svgBlip xmlns:asvg="http://schemas.microsoft.com/office/drawing/2016/SVG/main" r:embed="rId25"/>
+                  </a:ext>
+                </a:extLst>
+              </a:blip>
+              <a:stretch>
+                <a:fillRect/>
+              </a:stretch>
+            </p:blipFill>
+            <p:spPr>
+              <a:xfrm>
+                <a:off x="3063361" y="2044999"/>
+                <a:ext cx="394953" cy="394953"/>
+              </a:xfrm>
+              <a:prstGeom prst="rect">
+                <a:avLst/>
+              </a:prstGeom>
+            </p:spPr>
+          </p:pic>
+          <p:sp>
+            <p:nvSpPr>
+              <p:cNvPr id="122" name="TextBox 121">
+                <a:extLst>
+                  <a:ext uri="{FF2B5EF4-FFF2-40B4-BE49-F238E27FC236}">
+                    <a16:creationId xmlns:a16="http://schemas.microsoft.com/office/drawing/2014/main" id="{98362B76-087E-774C-B640-0CB7A8E0F895}"/>
+                  </a:ext>
+                </a:extLst>
+              </p:cNvPr>
+              <p:cNvSpPr txBox="1"/>
+              <p:nvPr/>
+            </p:nvSpPr>
+            <p:spPr>
+              <a:xfrm>
+                <a:off x="2875262" y="2383261"/>
+                <a:ext cx="793010" cy="246221"/>
+              </a:xfrm>
+              <a:prstGeom prst="rect">
+                <a:avLst/>
+              </a:prstGeom>
+              <a:noFill/>
+            </p:spPr>
+            <p:txBody>
+              <a:bodyPr wrap="square" rtlCol="0">
+                <a:spAutoFit/>
+              </a:bodyPr>
+              <a:lstStyle/>
+              <a:p>
+                <a:pPr algn="ctr"/>
+                <a:r>
+                  <a:rPr lang="en-US" sz="1000" dirty="0">
+                    <a:solidFill>
+                      <a:srgbClr val="232F3E"/>
+                    </a:solidFill>
+                  </a:rPr>
+                  <a:t>Instance</a:t>
+                </a:r>
+              </a:p>
+            </p:txBody>
+          </p:sp>
+        </p:grpSp>
+        <p:cxnSp>
+          <p:nvCxnSpPr>
+            <p:cNvPr id="123" name="Straight Arrow Connector 122">
+              <a:extLst>
+                <a:ext uri="{FF2B5EF4-FFF2-40B4-BE49-F238E27FC236}">
+                  <a16:creationId xmlns:a16="http://schemas.microsoft.com/office/drawing/2014/main" id="{D1C79EFD-C6A9-BB4B-8D4A-E177B9FCAD7D}"/>
+                </a:ext>
+              </a:extLst>
+            </p:cNvPr>
+            <p:cNvCxnSpPr>
+              <a:cxnSpLocks/>
+              <a:endCxn id="86" idx="3"/>
+            </p:cNvCxnSpPr>
+            <p:nvPr/>
+          </p:nvCxnSpPr>
+          <p:spPr>
+            <a:xfrm flipH="1">
+              <a:off x="1952997" y="1214423"/>
+              <a:ext cx="454329" cy="0"/>
+            </a:xfrm>
+            <a:prstGeom prst="straightConnector1">
+              <a:avLst/>
+            </a:prstGeom>
+            <a:ln w="12700">
+              <a:solidFill>
+                <a:schemeClr val="tx2"/>
+              </a:solidFill>
+              <a:headEnd type="arrow" w="med" len="sm"/>
+              <a:tailEnd type="none" w="med" len="sm"/>
+            </a:ln>
+          </p:spPr>
+          <p:style>
+            <a:lnRef idx="1">
+              <a:schemeClr val="accent1"/>
+            </a:lnRef>
+            <a:fillRef idx="0">
+              <a:schemeClr val="accent1"/>
+            </a:fillRef>
+            <a:effectRef idx="0">
+              <a:schemeClr val="accent1"/>
+            </a:effectRef>
+            <a:fontRef idx="minor">
+              <a:schemeClr val="tx1"/>
+            </a:fontRef>
+          </p:style>
+        </p:cxnSp>
+        <p:cxnSp>
+          <p:nvCxnSpPr>
+            <p:cNvPr id="126" name="Straight Arrow Connector 125">
+              <a:extLst>
+                <a:ext uri="{FF2B5EF4-FFF2-40B4-BE49-F238E27FC236}">
+                  <a16:creationId xmlns:a16="http://schemas.microsoft.com/office/drawing/2014/main" id="{F3D2A760-273D-7841-A5FE-45DDFEDBD333}"/>
+                </a:ext>
+              </a:extLst>
+            </p:cNvPr>
+            <p:cNvCxnSpPr>
+              <a:cxnSpLocks/>
+              <a:stCxn id="111" idx="1"/>
+              <a:endCxn id="83" idx="3"/>
+            </p:cNvCxnSpPr>
+            <p:nvPr/>
+          </p:nvCxnSpPr>
+          <p:spPr>
+            <a:xfrm flipH="1" flipV="1">
+              <a:off x="1952997" y="2673485"/>
+              <a:ext cx="454329" cy="5348"/>
+            </a:xfrm>
+            <a:prstGeom prst="straightConnector1">
+              <a:avLst/>
+            </a:prstGeom>
+            <a:ln w="12700">
+              <a:solidFill>
+                <a:schemeClr val="tx2"/>
+              </a:solidFill>
+              <a:headEnd type="arrow" w="med" len="sm"/>
+              <a:tailEnd type="none" w="med" len="sm"/>
+            </a:ln>
+          </p:spPr>
+          <p:style>
+            <a:lnRef idx="1">
+              <a:schemeClr val="accent1"/>
+            </a:lnRef>
+            <a:fillRef idx="0">
+              <a:schemeClr val="accent1"/>
+            </a:fillRef>
+            <a:effectRef idx="0">
+              <a:schemeClr val="accent1"/>
+            </a:effectRef>
+            <a:fontRef idx="minor">
+              <a:schemeClr val="tx1"/>
+            </a:fontRef>
+          </p:style>
+        </p:cxnSp>
+        <p:cxnSp>
+          <p:nvCxnSpPr>
+            <p:cNvPr id="133" name="Straight Arrow Connector 132">
+              <a:extLst>
+                <a:ext uri="{FF2B5EF4-FFF2-40B4-BE49-F238E27FC236}">
+                  <a16:creationId xmlns:a16="http://schemas.microsoft.com/office/drawing/2014/main" id="{20E0A396-8A13-354C-873E-A30D3B6E3217}"/>
+                </a:ext>
+              </a:extLst>
+            </p:cNvPr>
+            <p:cNvCxnSpPr>
+              <a:cxnSpLocks/>
+              <a:endCxn id="79" idx="3"/>
+            </p:cNvCxnSpPr>
+            <p:nvPr/>
+          </p:nvCxnSpPr>
+          <p:spPr>
+            <a:xfrm flipH="1">
+              <a:off x="1952997" y="3842458"/>
+              <a:ext cx="451970" cy="2727"/>
+            </a:xfrm>
+            <a:prstGeom prst="straightConnector1">
+              <a:avLst/>
+            </a:prstGeom>
+            <a:ln w="12700">
+              <a:solidFill>
+                <a:schemeClr val="tx2"/>
+              </a:solidFill>
+              <a:headEnd type="arrow" w="med" len="sm"/>
+              <a:tailEnd type="none" w="med" len="sm"/>
+            </a:ln>
+          </p:spPr>
+          <p:style>
+            <a:lnRef idx="1">
+              <a:schemeClr val="accent1"/>
+            </a:lnRef>
+            <a:fillRef idx="0">
+              <a:schemeClr val="accent1"/>
+            </a:fillRef>
+            <a:effectRef idx="0">
+              <a:schemeClr val="accent1"/>
+            </a:effectRef>
+            <a:fontRef idx="minor">
+              <a:schemeClr val="tx1"/>
+            </a:fontRef>
+          </p:style>
+        </p:cxnSp>
+        <p:cxnSp>
+          <p:nvCxnSpPr>
+            <p:cNvPr id="136" name="Straight Arrow Connector 135">
+              <a:extLst>
+                <a:ext uri="{FF2B5EF4-FFF2-40B4-BE49-F238E27FC236}">
+                  <a16:creationId xmlns:a16="http://schemas.microsoft.com/office/drawing/2014/main" id="{3F880D10-2465-984A-85E1-2400854E17AA}"/>
+                </a:ext>
+              </a:extLst>
+            </p:cNvPr>
+            <p:cNvCxnSpPr>
+              <a:cxnSpLocks/>
+              <a:endCxn id="110" idx="1"/>
+            </p:cNvCxnSpPr>
+            <p:nvPr/>
+          </p:nvCxnSpPr>
+          <p:spPr>
+            <a:xfrm>
+              <a:off x="4172626" y="3886010"/>
+              <a:ext cx="510210" cy="0"/>
+            </a:xfrm>
+            <a:prstGeom prst="straightConnector1">
+              <a:avLst/>
+            </a:prstGeom>
+            <a:ln w="12700">
+              <a:solidFill>
+                <a:schemeClr val="tx2"/>
+              </a:solidFill>
+              <a:headEnd type="arrow" w="med" len="sm"/>
+              <a:tailEnd type="none" w="med" len="sm"/>
+            </a:ln>
+          </p:spPr>
+          <p:style>
+            <a:lnRef idx="1">
+              <a:schemeClr val="accent1"/>
+            </a:lnRef>
+            <a:fillRef idx="0">
+              <a:schemeClr val="accent1"/>
+            </a:fillRef>
+            <a:effectRef idx="0">
+              <a:schemeClr val="accent1"/>
+            </a:effectRef>
+            <a:fontRef idx="minor">
+              <a:schemeClr val="tx1"/>
+            </a:fontRef>
+          </p:style>
+        </p:cxnSp>
+        <p:cxnSp>
+          <p:nvCxnSpPr>
+            <p:cNvPr id="139" name="Straight Arrow Connector 138">
+              <a:extLst>
+                <a:ext uri="{FF2B5EF4-FFF2-40B4-BE49-F238E27FC236}">
+                  <a16:creationId xmlns:a16="http://schemas.microsoft.com/office/drawing/2014/main" id="{74BB28E2-73AD-A34A-B872-B794E95F740E}"/>
+                </a:ext>
+              </a:extLst>
+            </p:cNvPr>
+            <p:cNvCxnSpPr>
+              <a:cxnSpLocks/>
+              <a:stCxn id="87" idx="1"/>
+              <a:endCxn id="111" idx="3"/>
+            </p:cNvCxnSpPr>
+            <p:nvPr/>
+          </p:nvCxnSpPr>
+          <p:spPr>
+            <a:xfrm flipH="1" flipV="1">
+              <a:off x="4172626" y="2678833"/>
+              <a:ext cx="411362" cy="3873"/>
+            </a:xfrm>
+            <a:prstGeom prst="straightConnector1">
+              <a:avLst/>
+            </a:prstGeom>
+            <a:ln w="12700">
+              <a:solidFill>
+                <a:schemeClr val="tx2"/>
+              </a:solidFill>
+              <a:headEnd type="arrow" w="med" len="sm"/>
+              <a:tailEnd type="none" w="med" len="sm"/>
+            </a:ln>
+          </p:spPr>
+          <p:style>
+            <a:lnRef idx="1">
+              <a:schemeClr val="accent1"/>
+            </a:lnRef>
+            <a:fillRef idx="0">
+              <a:schemeClr val="accent1"/>
+            </a:fillRef>
+            <a:effectRef idx="0">
+              <a:schemeClr val="accent1"/>
+            </a:effectRef>
+            <a:fontRef idx="minor">
+              <a:schemeClr val="tx1"/>
+            </a:fontRef>
+          </p:style>
+        </p:cxnSp>
+        <p:cxnSp>
+          <p:nvCxnSpPr>
+            <p:cNvPr id="151" name="Straight Arrow Connector 150">
+              <a:extLst>
+                <a:ext uri="{FF2B5EF4-FFF2-40B4-BE49-F238E27FC236}">
+                  <a16:creationId xmlns:a16="http://schemas.microsoft.com/office/drawing/2014/main" id="{4F8A6FA8-9833-5C40-B180-390A5000EF57}"/>
+                </a:ext>
+              </a:extLst>
+            </p:cNvPr>
+            <p:cNvCxnSpPr>
+              <a:cxnSpLocks/>
+              <a:stCxn id="73" idx="1"/>
+            </p:cNvCxnSpPr>
+            <p:nvPr/>
+          </p:nvCxnSpPr>
+          <p:spPr>
+            <a:xfrm flipH="1">
+              <a:off x="4172626" y="1207238"/>
+              <a:ext cx="532012" cy="0"/>
+            </a:xfrm>
+            <a:prstGeom prst="straightConnector1">
+              <a:avLst/>
+            </a:prstGeom>
+            <a:ln w="12700">
+              <a:solidFill>
+                <a:schemeClr val="tx2"/>
+              </a:solidFill>
+              <a:headEnd type="arrow" w="med" len="sm"/>
+              <a:tailEnd type="none" w="med" len="sm"/>
+            </a:ln>
+          </p:spPr>
+          <p:style>
+            <a:lnRef idx="1">
+              <a:schemeClr val="accent1"/>
+            </a:lnRef>
+            <a:fillRef idx="0">
+              <a:schemeClr val="accent1"/>
+            </a:fillRef>
+            <a:effectRef idx="0">
+              <a:schemeClr val="accent1"/>
+            </a:effectRef>
+            <a:fontRef idx="minor">
+              <a:schemeClr val="tx1"/>
+            </a:fontRef>
+          </p:style>
+        </p:cxnSp>
       </p:grpSp>
-      <p:cxnSp>
-        <p:nvCxnSpPr>
-          <p:cNvPr id="123" name="Straight Arrow Connector 122">
-            <a:extLst>
-              <a:ext uri="{FF2B5EF4-FFF2-40B4-BE49-F238E27FC236}">
-                <a16:creationId xmlns:a16="http://schemas.microsoft.com/office/drawing/2014/main" id="{D1C79EFD-C6A9-BB4B-8D4A-E177B9FCAD7D}"/>
-              </a:ext>
-            </a:extLst>
-          </p:cNvPr>
-          <p:cNvCxnSpPr>
-            <a:cxnSpLocks/>
-            <a:endCxn id="86" idx="3"/>
-          </p:cNvCxnSpPr>
-          <p:nvPr/>
-        </p:nvCxnSpPr>
-        <p:spPr>
-          <a:xfrm flipH="1">
-            <a:off x="1952997" y="1214423"/>
-            <a:ext cx="454329" cy="0"/>
-          </a:xfrm>
-          <a:prstGeom prst="straightConnector1">
-            <a:avLst/>
-          </a:prstGeom>
-          <a:ln w="12700">
-            <a:solidFill>
-              <a:schemeClr val="tx2"/>
-            </a:solidFill>
-            <a:headEnd type="arrow" w="med" len="sm"/>
-            <a:tailEnd type="none" w="med" len="sm"/>
-          </a:ln>
-        </p:spPr>
-        <p:style>
-          <a:lnRef idx="1">
-            <a:schemeClr val="accent1"/>
-          </a:lnRef>
-          <a:fillRef idx="0">
-            <a:schemeClr val="accent1"/>
-          </a:fillRef>
-          <a:effectRef idx="0">
-            <a:schemeClr val="accent1"/>
-          </a:effectRef>
-          <a:fontRef idx="minor">
-            <a:schemeClr val="tx1"/>
-          </a:fontRef>
-        </p:style>
-      </p:cxnSp>
-      <p:cxnSp>
-        <p:nvCxnSpPr>
-          <p:cNvPr id="126" name="Straight Arrow Connector 125">
-            <a:extLst>
-              <a:ext uri="{FF2B5EF4-FFF2-40B4-BE49-F238E27FC236}">
-                <a16:creationId xmlns:a16="http://schemas.microsoft.com/office/drawing/2014/main" id="{F3D2A760-273D-7841-A5FE-45DDFEDBD333}"/>
-              </a:ext>
-            </a:extLst>
-          </p:cNvPr>
-          <p:cNvCxnSpPr>
-            <a:cxnSpLocks/>
-            <a:stCxn id="111" idx="1"/>
-            <a:endCxn id="83" idx="3"/>
-          </p:cNvCxnSpPr>
-          <p:nvPr/>
-        </p:nvCxnSpPr>
-        <p:spPr>
-          <a:xfrm flipH="1" flipV="1">
-            <a:off x="1952997" y="2673485"/>
-            <a:ext cx="454329" cy="5348"/>
-          </a:xfrm>
-          <a:prstGeom prst="straightConnector1">
-            <a:avLst/>
-          </a:prstGeom>
-          <a:ln w="12700">
-            <a:solidFill>
-              <a:schemeClr val="tx2"/>
-            </a:solidFill>
-            <a:headEnd type="arrow" w="med" len="sm"/>
-            <a:tailEnd type="none" w="med" len="sm"/>
-          </a:ln>
-        </p:spPr>
-        <p:style>
-          <a:lnRef idx="1">
-            <a:schemeClr val="accent1"/>
-          </a:lnRef>
-          <a:fillRef idx="0">
-            <a:schemeClr val="accent1"/>
-          </a:fillRef>
-          <a:effectRef idx="0">
-            <a:schemeClr val="accent1"/>
-          </a:effectRef>
-          <a:fontRef idx="minor">
-            <a:schemeClr val="tx1"/>
-          </a:fontRef>
-        </p:style>
-      </p:cxnSp>
-      <p:cxnSp>
-        <p:nvCxnSpPr>
-          <p:cNvPr id="133" name="Straight Arrow Connector 132">
-            <a:extLst>
-              <a:ext uri="{FF2B5EF4-FFF2-40B4-BE49-F238E27FC236}">
-                <a16:creationId xmlns:a16="http://schemas.microsoft.com/office/drawing/2014/main" id="{20E0A396-8A13-354C-873E-A30D3B6E3217}"/>
-              </a:ext>
-            </a:extLst>
-          </p:cNvPr>
-          <p:cNvCxnSpPr>
-            <a:cxnSpLocks/>
-            <a:endCxn id="79" idx="3"/>
-          </p:cNvCxnSpPr>
-          <p:nvPr/>
-        </p:nvCxnSpPr>
-        <p:spPr>
-          <a:xfrm flipH="1">
-            <a:off x="1952997" y="3842458"/>
-            <a:ext cx="451970" cy="2727"/>
-          </a:xfrm>
-          <a:prstGeom prst="straightConnector1">
-            <a:avLst/>
-          </a:prstGeom>
-          <a:ln w="12700">
-            <a:solidFill>
-              <a:schemeClr val="tx2"/>
-            </a:solidFill>
-            <a:headEnd type="arrow" w="med" len="sm"/>
-            <a:tailEnd type="none" w="med" len="sm"/>
-          </a:ln>
-        </p:spPr>
-        <p:style>
-          <a:lnRef idx="1">
-            <a:schemeClr val="accent1"/>
-          </a:lnRef>
-          <a:fillRef idx="0">
-            <a:schemeClr val="accent1"/>
-          </a:fillRef>
-          <a:effectRef idx="0">
-            <a:schemeClr val="accent1"/>
-          </a:effectRef>
-          <a:fontRef idx="minor">
-            <a:schemeClr val="tx1"/>
-          </a:fontRef>
-        </p:style>
-      </p:cxnSp>
-      <p:cxnSp>
-        <p:nvCxnSpPr>
-          <p:cNvPr id="136" name="Straight Arrow Connector 135">
-            <a:extLst>
-              <a:ext uri="{FF2B5EF4-FFF2-40B4-BE49-F238E27FC236}">
-                <a16:creationId xmlns:a16="http://schemas.microsoft.com/office/drawing/2014/main" id="{3F880D10-2465-984A-85E1-2400854E17AA}"/>
-              </a:ext>
-            </a:extLst>
-          </p:cNvPr>
-          <p:cNvCxnSpPr>
-            <a:cxnSpLocks/>
-            <a:endCxn id="110" idx="1"/>
-          </p:cNvCxnSpPr>
-          <p:nvPr/>
-        </p:nvCxnSpPr>
-        <p:spPr>
-          <a:xfrm>
-            <a:off x="4172626" y="3886010"/>
-            <a:ext cx="510210" cy="0"/>
-          </a:xfrm>
-          <a:prstGeom prst="straightConnector1">
-            <a:avLst/>
-          </a:prstGeom>
-          <a:ln w="12700">
-            <a:solidFill>
-              <a:schemeClr val="tx2"/>
-            </a:solidFill>
-            <a:headEnd type="arrow" w="med" len="sm"/>
-            <a:tailEnd type="none" w="med" len="sm"/>
-          </a:ln>
-        </p:spPr>
-        <p:style>
-          <a:lnRef idx="1">
-            <a:schemeClr val="accent1"/>
-          </a:lnRef>
-          <a:fillRef idx="0">
-            <a:schemeClr val="accent1"/>
-          </a:fillRef>
-          <a:effectRef idx="0">
-            <a:schemeClr val="accent1"/>
-          </a:effectRef>
-          <a:fontRef idx="minor">
-            <a:schemeClr val="tx1"/>
-          </a:fontRef>
-        </p:style>
-      </p:cxnSp>
-      <p:cxnSp>
-        <p:nvCxnSpPr>
-          <p:cNvPr id="139" name="Straight Arrow Connector 138">
-            <a:extLst>
-              <a:ext uri="{FF2B5EF4-FFF2-40B4-BE49-F238E27FC236}">
-                <a16:creationId xmlns:a16="http://schemas.microsoft.com/office/drawing/2014/main" id="{74BB28E2-73AD-A34A-B872-B794E95F740E}"/>
-              </a:ext>
-            </a:extLst>
-          </p:cNvPr>
-          <p:cNvCxnSpPr>
-            <a:cxnSpLocks/>
-            <a:stCxn id="87" idx="1"/>
-            <a:endCxn id="111" idx="3"/>
-          </p:cNvCxnSpPr>
-          <p:nvPr/>
-        </p:nvCxnSpPr>
-        <p:spPr>
-          <a:xfrm flipH="1" flipV="1">
-            <a:off x="4172626" y="2678833"/>
-            <a:ext cx="411362" cy="3873"/>
-          </a:xfrm>
-          <a:prstGeom prst="straightConnector1">
-            <a:avLst/>
-          </a:prstGeom>
-          <a:ln w="12700">
-            <a:solidFill>
-              <a:schemeClr val="tx2"/>
-            </a:solidFill>
-            <a:headEnd type="arrow" w="med" len="sm"/>
-            <a:tailEnd type="none" w="med" len="sm"/>
-          </a:ln>
-        </p:spPr>
-        <p:style>
-          <a:lnRef idx="1">
-            <a:schemeClr val="accent1"/>
-          </a:lnRef>
-          <a:fillRef idx="0">
-            <a:schemeClr val="accent1"/>
-          </a:fillRef>
-          <a:effectRef idx="0">
-            <a:schemeClr val="accent1"/>
-          </a:effectRef>
-          <a:fontRef idx="minor">
-            <a:schemeClr val="tx1"/>
-          </a:fontRef>
-        </p:style>
-      </p:cxnSp>
-      <p:cxnSp>
-        <p:nvCxnSpPr>
-          <p:cNvPr id="151" name="Straight Arrow Connector 150">
-            <a:extLst>
-              <a:ext uri="{FF2B5EF4-FFF2-40B4-BE49-F238E27FC236}">
-                <a16:creationId xmlns:a16="http://schemas.microsoft.com/office/drawing/2014/main" id="{4F8A6FA8-9833-5C40-B180-390A5000EF57}"/>
-              </a:ext>
-            </a:extLst>
-          </p:cNvPr>
-          <p:cNvCxnSpPr>
-            <a:cxnSpLocks/>
-            <a:stCxn id="73" idx="1"/>
-          </p:cNvCxnSpPr>
-          <p:nvPr/>
-        </p:nvCxnSpPr>
-        <p:spPr>
-          <a:xfrm flipH="1">
-            <a:off x="4172626" y="1207238"/>
-            <a:ext cx="532012" cy="0"/>
-          </a:xfrm>
-          <a:prstGeom prst="straightConnector1">
-            <a:avLst/>
-          </a:prstGeom>
-          <a:ln w="12700">
-            <a:solidFill>
-              <a:schemeClr val="tx2"/>
-            </a:solidFill>
-            <a:headEnd type="arrow" w="med" len="sm"/>
-            <a:tailEnd type="none" w="med" len="sm"/>
-          </a:ln>
-        </p:spPr>
-        <p:style>
-          <a:lnRef idx="1">
-            <a:schemeClr val="accent1"/>
-          </a:lnRef>
-          <a:fillRef idx="0">
-            <a:schemeClr val="accent1"/>
-          </a:fillRef>
-          <a:effectRef idx="0">
-            <a:schemeClr val="accent1"/>
-          </a:effectRef>
-          <a:fontRef idx="minor">
-            <a:schemeClr val="tx1"/>
-          </a:fontRef>
-        </p:style>
-      </p:cxnSp>
     </p:spTree>
     <p:extLst>
       <p:ext uri="{BB962C8B-B14F-4D97-AF65-F5344CB8AC3E}">

--- a/Diagram.pptx
+++ b/Diagram.pptx
@@ -5,13 +5,14 @@
     <p:sldMasterId id="2147483674" r:id="rId4"/>
   </p:sldMasterIdLst>
   <p:notesMasterIdLst>
-    <p:notesMasterId r:id="rId6"/>
+    <p:notesMasterId r:id="rId7"/>
   </p:notesMasterIdLst>
   <p:handoutMasterIdLst>
-    <p:handoutMasterId r:id="rId7"/>
+    <p:handoutMasterId r:id="rId8"/>
   </p:handoutMasterIdLst>
   <p:sldIdLst>
     <p:sldId id="349" r:id="rId5"/>
+    <p:sldId id="350" r:id="rId6"/>
   </p:sldIdLst>
   <p:sldSz cx="14630400" cy="8229600"/>
   <p:notesSz cx="6858000" cy="9144000"/>
@@ -812,6 +813,91 @@
 </p:notesMaster>
 </file>
 
+<file path=ppt/notesSlides/notesSlide1.xml><?xml version="1.0" encoding="utf-8"?>
+<p:notes xmlns:a="http://schemas.openxmlformats.org/drawingml/2006/main" xmlns:r="http://schemas.openxmlformats.org/officeDocument/2006/relationships" xmlns:p="http://schemas.openxmlformats.org/presentationml/2006/main">
+  <p:cSld>
+    <p:spTree>
+      <p:nvGrpSpPr>
+        <p:cNvPr id="1" name=""/>
+        <p:cNvGrpSpPr/>
+        <p:nvPr/>
+      </p:nvGrpSpPr>
+      <p:grpSpPr>
+        <a:xfrm>
+          <a:off x="0" y="0"/>
+          <a:ext cx="0" cy="0"/>
+          <a:chOff x="0" y="0"/>
+          <a:chExt cx="0" cy="0"/>
+        </a:xfrm>
+      </p:grpSpPr>
+      <p:sp>
+        <p:nvSpPr>
+          <p:cNvPr id="2" name="Slide Image Placeholder 1"/>
+          <p:cNvSpPr>
+            <a:spLocks noGrp="1" noRot="1" noChangeAspect="1"/>
+          </p:cNvSpPr>
+          <p:nvPr>
+            <p:ph type="sldImg"/>
+          </p:nvPr>
+        </p:nvSpPr>
+        <p:spPr/>
+      </p:sp>
+      <p:sp>
+        <p:nvSpPr>
+          <p:cNvPr id="3" name="Notes Placeholder 2"/>
+          <p:cNvSpPr>
+            <a:spLocks noGrp="1"/>
+          </p:cNvSpPr>
+          <p:nvPr>
+            <p:ph type="body" idx="1"/>
+          </p:nvPr>
+        </p:nvSpPr>
+        <p:spPr/>
+        <p:txBody>
+          <a:bodyPr/>
+          <a:lstStyle/>
+          <a:p>
+            <a:endParaRPr lang="en-US" dirty="0"/>
+          </a:p>
+        </p:txBody>
+      </p:sp>
+      <p:sp>
+        <p:nvSpPr>
+          <p:cNvPr id="4" name="Slide Number Placeholder 3"/>
+          <p:cNvSpPr>
+            <a:spLocks noGrp="1"/>
+          </p:cNvSpPr>
+          <p:nvPr>
+            <p:ph type="sldNum" sz="quarter" idx="5"/>
+          </p:nvPr>
+        </p:nvSpPr>
+        <p:spPr/>
+        <p:txBody>
+          <a:bodyPr/>
+          <a:lstStyle/>
+          <a:p>
+            <a:fld id="{69C3F2ED-74C5-7D4F-8560-0CC253E9A436}" type="slidenum">
+              <a:rPr lang="en-US" smtClean="0"/>
+              <a:pPr/>
+              <a:t>2</a:t>
+            </a:fld>
+            <a:endParaRPr lang="en-US" dirty="0"/>
+          </a:p>
+        </p:txBody>
+      </p:sp>
+    </p:spTree>
+    <p:extLst>
+      <p:ext uri="{BB962C8B-B14F-4D97-AF65-F5344CB8AC3E}">
+        <p14:creationId xmlns:p14="http://schemas.microsoft.com/office/powerpoint/2010/main" val="4160490633"/>
+      </p:ext>
+    </p:extLst>
+  </p:cSld>
+  <p:clrMapOvr>
+    <a:masterClrMapping/>
+  </p:clrMapOvr>
+</p:notes>
+</file>
+
 <file path=ppt/slideLayouts/slideLayout1.xml><?xml version="1.0" encoding="utf-8"?>
 <p:sldLayout xmlns:a="http://schemas.openxmlformats.org/drawingml/2006/main" xmlns:r="http://schemas.openxmlformats.org/officeDocument/2006/relationships" xmlns:p="http://schemas.openxmlformats.org/presentationml/2006/main" showMasterSp="0" preserve="1" userDrawn="1">
   <p:cSld name="1_Title_TwoSpeakers">
@@ -9525,6 +9611,1712 @@
     <p:extLst>
       <p:ext uri="{BB962C8B-B14F-4D97-AF65-F5344CB8AC3E}">
         <p14:creationId xmlns:p14="http://schemas.microsoft.com/office/powerpoint/2010/main" val="5159513"/>
+      </p:ext>
+    </p:extLst>
+  </p:cSld>
+  <p:clrMapOvr>
+    <a:masterClrMapping/>
+  </p:clrMapOvr>
+</p:sld>
+</file>
+
+<file path=ppt/slides/slide2.xml><?xml version="1.0" encoding="utf-8"?>
+<p:sld xmlns:a="http://schemas.openxmlformats.org/drawingml/2006/main" xmlns:r="http://schemas.openxmlformats.org/officeDocument/2006/relationships" xmlns:p="http://schemas.openxmlformats.org/presentationml/2006/main">
+  <p:cSld>
+    <p:spTree>
+      <p:nvGrpSpPr>
+        <p:cNvPr id="1" name=""/>
+        <p:cNvGrpSpPr/>
+        <p:nvPr/>
+      </p:nvGrpSpPr>
+      <p:grpSpPr>
+        <a:xfrm>
+          <a:off x="0" y="0"/>
+          <a:ext cx="0" cy="0"/>
+          <a:chOff x="0" y="0"/>
+          <a:chExt cx="0" cy="0"/>
+        </a:xfrm>
+      </p:grpSpPr>
+      <p:grpSp>
+        <p:nvGrpSpPr>
+          <p:cNvPr id="26" name="Group 25">
+            <a:extLst>
+              <a:ext uri="{FF2B5EF4-FFF2-40B4-BE49-F238E27FC236}">
+                <a16:creationId xmlns:a16="http://schemas.microsoft.com/office/drawing/2014/main" id="{1B6DE246-D259-A549-A7FF-BEE1C69E35F4}"/>
+              </a:ext>
+            </a:extLst>
+          </p:cNvPr>
+          <p:cNvGrpSpPr/>
+          <p:nvPr/>
+        </p:nvGrpSpPr>
+        <p:grpSpPr>
+          <a:xfrm>
+            <a:off x="136314" y="685504"/>
+            <a:ext cx="14357773" cy="6858592"/>
+            <a:chOff x="79401" y="879940"/>
+            <a:chExt cx="14357773" cy="6858592"/>
+          </a:xfrm>
+        </p:grpSpPr>
+        <p:sp>
+          <p:nvSpPr>
+            <p:cNvPr id="68" name="TextBox 67">
+              <a:extLst>
+                <a:ext uri="{FF2B5EF4-FFF2-40B4-BE49-F238E27FC236}">
+                  <a16:creationId xmlns:a16="http://schemas.microsoft.com/office/drawing/2014/main" id="{D563AB73-1EDF-844C-BF68-AC0958760000}"/>
+                </a:ext>
+              </a:extLst>
+            </p:cNvPr>
+            <p:cNvSpPr txBox="1"/>
+            <p:nvPr/>
+          </p:nvSpPr>
+          <p:spPr>
+            <a:xfrm>
+              <a:off x="79401" y="3460120"/>
+              <a:ext cx="2301904" cy="276999"/>
+            </a:xfrm>
+            <a:prstGeom prst="rect">
+              <a:avLst/>
+            </a:prstGeom>
+            <a:noFill/>
+          </p:spPr>
+          <p:txBody>
+            <a:bodyPr wrap="square" rtlCol="0">
+              <a:spAutoFit/>
+            </a:bodyPr>
+            <a:lstStyle/>
+            <a:p>
+              <a:pPr algn="ctr"/>
+              <a:r>
+                <a:rPr lang="en-US" sz="1200" dirty="0"/>
+                <a:t>AWS CloudFormation</a:t>
+              </a:r>
+            </a:p>
+          </p:txBody>
+        </p:sp>
+        <p:pic>
+          <p:nvPicPr>
+            <p:cNvPr id="69" name="Graphic 68">
+              <a:extLst>
+                <a:ext uri="{FF2B5EF4-FFF2-40B4-BE49-F238E27FC236}">
+                  <a16:creationId xmlns:a16="http://schemas.microsoft.com/office/drawing/2014/main" id="{3B2165FC-E7BE-7146-BD43-FA6AAB7A03DB}"/>
+                </a:ext>
+              </a:extLst>
+            </p:cNvPr>
+            <p:cNvPicPr>
+              <a:picLocks noChangeAspect="1"/>
+            </p:cNvPicPr>
+            <p:nvPr/>
+          </p:nvPicPr>
+          <p:blipFill>
+            <a:blip r:embed="rId3">
+              <a:extLst>
+                <a:ext uri="{96DAC541-7B7A-43D3-8B79-37D633B846F1}">
+                  <asvg:svgBlip xmlns:asvg="http://schemas.microsoft.com/office/drawing/2016/SVG/main" r:embed="rId4"/>
+                </a:ext>
+              </a:extLst>
+            </a:blip>
+            <a:stretch>
+              <a:fillRect/>
+            </a:stretch>
+          </p:blipFill>
+          <p:spPr>
+            <a:xfrm>
+              <a:off x="863369" y="2691212"/>
+              <a:ext cx="711200" cy="711200"/>
+            </a:xfrm>
+            <a:prstGeom prst="rect">
+              <a:avLst/>
+            </a:prstGeom>
+          </p:spPr>
+        </p:pic>
+        <p:sp>
+          <p:nvSpPr>
+            <p:cNvPr id="70" name="TextBox 69">
+              <a:extLst>
+                <a:ext uri="{FF2B5EF4-FFF2-40B4-BE49-F238E27FC236}">
+                  <a16:creationId xmlns:a16="http://schemas.microsoft.com/office/drawing/2014/main" id="{B54406BB-4837-6140-8566-AC044ADC0E93}"/>
+                </a:ext>
+              </a:extLst>
+            </p:cNvPr>
+            <p:cNvSpPr txBox="1"/>
+            <p:nvPr/>
+          </p:nvSpPr>
+          <p:spPr>
+            <a:xfrm>
+              <a:off x="5216971" y="3460120"/>
+              <a:ext cx="1691411" cy="276999"/>
+            </a:xfrm>
+            <a:prstGeom prst="rect">
+              <a:avLst/>
+            </a:prstGeom>
+            <a:noFill/>
+          </p:spPr>
+          <p:txBody>
+            <a:bodyPr wrap="square" rtlCol="0">
+              <a:spAutoFit/>
+            </a:bodyPr>
+            <a:lstStyle/>
+            <a:p>
+              <a:pPr algn="ctr"/>
+              <a:r>
+                <a:rPr lang="en-US" sz="1200" dirty="0">
+                  <a:latin typeface="+mj-lt"/>
+                  <a:ea typeface="Amazon Ember" panose="020B0603020204020204" pitchFamily="34" charset="0"/>
+                  <a:cs typeface="Amazon Ember" panose="020B0603020204020204" pitchFamily="34" charset="0"/>
+                </a:rPr>
+                <a:t>Amazon Athena</a:t>
+              </a:r>
+            </a:p>
+          </p:txBody>
+        </p:sp>
+        <p:pic>
+          <p:nvPicPr>
+            <p:cNvPr id="71" name="Graphic 70">
+              <a:extLst>
+                <a:ext uri="{FF2B5EF4-FFF2-40B4-BE49-F238E27FC236}">
+                  <a16:creationId xmlns:a16="http://schemas.microsoft.com/office/drawing/2014/main" id="{BAD64086-BBC3-7245-AACD-ADAAEC568B6A}"/>
+                </a:ext>
+              </a:extLst>
+            </p:cNvPr>
+            <p:cNvPicPr>
+              <a:picLocks noChangeAspect="1"/>
+            </p:cNvPicPr>
+            <p:nvPr/>
+          </p:nvPicPr>
+          <p:blipFill>
+            <a:blip r:embed="rId5">
+              <a:extLst>
+                <a:ext uri="{96DAC541-7B7A-43D3-8B79-37D633B846F1}">
+                  <asvg:svgBlip xmlns:asvg="http://schemas.microsoft.com/office/drawing/2016/SVG/main" r:embed="rId6"/>
+                </a:ext>
+              </a:extLst>
+            </a:blip>
+            <a:stretch>
+              <a:fillRect/>
+            </a:stretch>
+          </p:blipFill>
+          <p:spPr>
+            <a:xfrm>
+              <a:off x="5707077" y="2691212"/>
+              <a:ext cx="711200" cy="711200"/>
+            </a:xfrm>
+            <a:prstGeom prst="rect">
+              <a:avLst/>
+            </a:prstGeom>
+          </p:spPr>
+        </p:pic>
+        <p:sp>
+          <p:nvSpPr>
+            <p:cNvPr id="75" name="TextBox 74">
+              <a:extLst>
+                <a:ext uri="{FF2B5EF4-FFF2-40B4-BE49-F238E27FC236}">
+                  <a16:creationId xmlns:a16="http://schemas.microsoft.com/office/drawing/2014/main" id="{82FDE3F6-1A92-5543-9F3C-4115D57CC95B}"/>
+                </a:ext>
+              </a:extLst>
+            </p:cNvPr>
+            <p:cNvSpPr txBox="1"/>
+            <p:nvPr/>
+          </p:nvSpPr>
+          <p:spPr>
+            <a:xfrm>
+              <a:off x="5216971" y="5419802"/>
+              <a:ext cx="1691411" cy="276999"/>
+            </a:xfrm>
+            <a:prstGeom prst="rect">
+              <a:avLst/>
+            </a:prstGeom>
+            <a:noFill/>
+          </p:spPr>
+          <p:txBody>
+            <a:bodyPr wrap="square" rtlCol="0">
+              <a:spAutoFit/>
+            </a:bodyPr>
+            <a:lstStyle/>
+            <a:p>
+              <a:pPr algn="ctr"/>
+              <a:r>
+                <a:rPr lang="en-US" sz="1200" dirty="0">
+                  <a:solidFill>
+                    <a:srgbClr val="000000"/>
+                  </a:solidFill>
+                  <a:latin typeface="+mj-lt"/>
+                  <a:ea typeface="Amazon Ember" panose="020B0603020204020204" pitchFamily="34" charset="0"/>
+                  <a:cs typeface="Amazon Ember" panose="020B0603020204020204" pitchFamily="34" charset="0"/>
+                </a:rPr>
+                <a:t>AWS Glue</a:t>
+              </a:r>
+              <a:endParaRPr lang="en-US" sz="1200" dirty="0">
+                <a:latin typeface="+mj-lt"/>
+                <a:ea typeface="Amazon Ember" panose="020B0603020204020204" pitchFamily="34" charset="0"/>
+                <a:cs typeface="Amazon Ember" panose="020B0603020204020204" pitchFamily="34" charset="0"/>
+              </a:endParaRPr>
+            </a:p>
+          </p:txBody>
+        </p:sp>
+        <p:pic>
+          <p:nvPicPr>
+            <p:cNvPr id="76" name="Graphic 75">
+              <a:extLst>
+                <a:ext uri="{FF2B5EF4-FFF2-40B4-BE49-F238E27FC236}">
+                  <a16:creationId xmlns:a16="http://schemas.microsoft.com/office/drawing/2014/main" id="{E7DEF88C-DEFB-1B4C-AA27-4EF00A38DF18}"/>
+                </a:ext>
+              </a:extLst>
+            </p:cNvPr>
+            <p:cNvPicPr>
+              <a:picLocks noChangeAspect="1"/>
+            </p:cNvPicPr>
+            <p:nvPr/>
+          </p:nvPicPr>
+          <p:blipFill>
+            <a:blip r:embed="rId7">
+              <a:extLst>
+                <a:ext uri="{96DAC541-7B7A-43D3-8B79-37D633B846F1}">
+                  <asvg:svgBlip xmlns:asvg="http://schemas.microsoft.com/office/drawing/2016/SVG/main" r:embed="rId8"/>
+                </a:ext>
+              </a:extLst>
+            </a:blip>
+            <a:stretch>
+              <a:fillRect/>
+            </a:stretch>
+          </p:blipFill>
+          <p:spPr>
+            <a:xfrm>
+              <a:off x="5707076" y="4685055"/>
+              <a:ext cx="711200" cy="711200"/>
+            </a:xfrm>
+            <a:prstGeom prst="rect">
+              <a:avLst/>
+            </a:prstGeom>
+          </p:spPr>
+        </p:pic>
+        <p:pic>
+          <p:nvPicPr>
+            <p:cNvPr id="77" name="Graphic 76">
+              <a:extLst>
+                <a:ext uri="{FF2B5EF4-FFF2-40B4-BE49-F238E27FC236}">
+                  <a16:creationId xmlns:a16="http://schemas.microsoft.com/office/drawing/2014/main" id="{7A687F11-EB05-E942-A2ED-FFA48E2C2C26}"/>
+                </a:ext>
+              </a:extLst>
+            </p:cNvPr>
+            <p:cNvPicPr>
+              <a:picLocks noChangeAspect="1"/>
+            </p:cNvPicPr>
+            <p:nvPr/>
+          </p:nvPicPr>
+          <p:blipFill>
+            <a:blip r:embed="rId9">
+              <a:extLst>
+                <a:ext uri="{96DAC541-7B7A-43D3-8B79-37D633B846F1}">
+                  <asvg:svgBlip xmlns:asvg="http://schemas.microsoft.com/office/drawing/2016/SVG/main" r:embed="rId10"/>
+                </a:ext>
+              </a:extLst>
+            </a:blip>
+            <a:stretch>
+              <a:fillRect/>
+            </a:stretch>
+          </p:blipFill>
+          <p:spPr>
+            <a:xfrm>
+              <a:off x="3285223" y="2691212"/>
+              <a:ext cx="711200" cy="711200"/>
+            </a:xfrm>
+            <a:prstGeom prst="rect">
+              <a:avLst/>
+            </a:prstGeom>
+          </p:spPr>
+        </p:pic>
+        <p:sp>
+          <p:nvSpPr>
+            <p:cNvPr id="78" name="TextBox 77">
+              <a:extLst>
+                <a:ext uri="{FF2B5EF4-FFF2-40B4-BE49-F238E27FC236}">
+                  <a16:creationId xmlns:a16="http://schemas.microsoft.com/office/drawing/2014/main" id="{99E14596-B228-FB43-9D55-066FCFC29E92}"/>
+                </a:ext>
+              </a:extLst>
+            </p:cNvPr>
+            <p:cNvSpPr txBox="1"/>
+            <p:nvPr/>
+          </p:nvSpPr>
+          <p:spPr>
+            <a:xfrm>
+              <a:off x="2489871" y="3460120"/>
+              <a:ext cx="2301904" cy="461665"/>
+            </a:xfrm>
+            <a:prstGeom prst="rect">
+              <a:avLst/>
+            </a:prstGeom>
+            <a:noFill/>
+          </p:spPr>
+          <p:txBody>
+            <a:bodyPr wrap="square" rtlCol="0">
+              <a:spAutoFit/>
+            </a:bodyPr>
+            <a:lstStyle/>
+            <a:p>
+              <a:pPr algn="ctr"/>
+              <a:r>
+                <a:rPr lang="en-US" sz="1200" dirty="0"/>
+                <a:t>Amazon Simple Storage Service</a:t>
+              </a:r>
+            </a:p>
+          </p:txBody>
+        </p:sp>
+        <p:sp>
+          <p:nvSpPr>
+            <p:cNvPr id="80" name="TextBox 79">
+              <a:extLst>
+                <a:ext uri="{FF2B5EF4-FFF2-40B4-BE49-F238E27FC236}">
+                  <a16:creationId xmlns:a16="http://schemas.microsoft.com/office/drawing/2014/main" id="{B4EA66A5-A0F3-0F42-933E-60DCE225E4C2}"/>
+                </a:ext>
+              </a:extLst>
+            </p:cNvPr>
+            <p:cNvSpPr txBox="1"/>
+            <p:nvPr/>
+          </p:nvSpPr>
+          <p:spPr>
+            <a:xfrm>
+              <a:off x="79401" y="5418290"/>
+              <a:ext cx="2301904" cy="276999"/>
+            </a:xfrm>
+            <a:prstGeom prst="rect">
+              <a:avLst/>
+            </a:prstGeom>
+            <a:noFill/>
+          </p:spPr>
+          <p:txBody>
+            <a:bodyPr wrap="square" rtlCol="0">
+              <a:spAutoFit/>
+            </a:bodyPr>
+            <a:lstStyle/>
+            <a:p>
+              <a:pPr algn="ctr"/>
+              <a:r>
+                <a:rPr lang="en-US" sz="1200" dirty="0"/>
+                <a:t>AWS Config</a:t>
+              </a:r>
+            </a:p>
+          </p:txBody>
+        </p:sp>
+        <p:pic>
+          <p:nvPicPr>
+            <p:cNvPr id="81" name="Graphic 80">
+              <a:extLst>
+                <a:ext uri="{FF2B5EF4-FFF2-40B4-BE49-F238E27FC236}">
+                  <a16:creationId xmlns:a16="http://schemas.microsoft.com/office/drawing/2014/main" id="{12053E2F-CAA0-F04F-96F5-216FD05A6522}"/>
+                </a:ext>
+              </a:extLst>
+            </p:cNvPr>
+            <p:cNvPicPr>
+              <a:picLocks noChangeAspect="1"/>
+            </p:cNvPicPr>
+            <p:nvPr/>
+          </p:nvPicPr>
+          <p:blipFill>
+            <a:blip r:embed="rId11">
+              <a:extLst>
+                <a:ext uri="{96DAC541-7B7A-43D3-8B79-37D633B846F1}">
+                  <asvg:svgBlip xmlns:asvg="http://schemas.microsoft.com/office/drawing/2016/SVG/main" r:embed="rId12"/>
+                </a:ext>
+              </a:extLst>
+            </a:blip>
+            <a:stretch>
+              <a:fillRect/>
+            </a:stretch>
+          </p:blipFill>
+          <p:spPr>
+            <a:xfrm>
+              <a:off x="874753" y="4684212"/>
+              <a:ext cx="711200" cy="711200"/>
+            </a:xfrm>
+            <a:prstGeom prst="rect">
+              <a:avLst/>
+            </a:prstGeom>
+          </p:spPr>
+        </p:pic>
+        <p:sp>
+          <p:nvSpPr>
+            <p:cNvPr id="95" name="TextBox 94">
+              <a:extLst>
+                <a:ext uri="{FF2B5EF4-FFF2-40B4-BE49-F238E27FC236}">
+                  <a16:creationId xmlns:a16="http://schemas.microsoft.com/office/drawing/2014/main" id="{F811967A-1803-0248-8F38-8EC141EE2658}"/>
+                </a:ext>
+              </a:extLst>
+            </p:cNvPr>
+            <p:cNvSpPr txBox="1"/>
+            <p:nvPr/>
+          </p:nvSpPr>
+          <p:spPr>
+            <a:xfrm>
+              <a:off x="9755433" y="3460120"/>
+              <a:ext cx="2301904" cy="461665"/>
+            </a:xfrm>
+            <a:prstGeom prst="rect">
+              <a:avLst/>
+            </a:prstGeom>
+            <a:noFill/>
+          </p:spPr>
+          <p:txBody>
+            <a:bodyPr wrap="square" rtlCol="0">
+              <a:spAutoFit/>
+            </a:bodyPr>
+            <a:lstStyle/>
+            <a:p>
+              <a:pPr algn="ctr"/>
+              <a:r>
+                <a:rPr lang="en-US" sz="1200" dirty="0"/>
+                <a:t>AWS Identity and Access Management</a:t>
+              </a:r>
+            </a:p>
+          </p:txBody>
+        </p:sp>
+        <p:pic>
+          <p:nvPicPr>
+            <p:cNvPr id="96" name="Graphic 95">
+              <a:extLst>
+                <a:ext uri="{FF2B5EF4-FFF2-40B4-BE49-F238E27FC236}">
+                  <a16:creationId xmlns:a16="http://schemas.microsoft.com/office/drawing/2014/main" id="{BA3F8A4A-1189-0641-91ED-1A4FAA5E0AD7}"/>
+                </a:ext>
+              </a:extLst>
+            </p:cNvPr>
+            <p:cNvPicPr>
+              <a:picLocks noChangeAspect="1"/>
+            </p:cNvPicPr>
+            <p:nvPr/>
+          </p:nvPicPr>
+          <p:blipFill>
+            <a:blip r:embed="rId13">
+              <a:extLst>
+                <a:ext uri="{96DAC541-7B7A-43D3-8B79-37D633B846F1}">
+                  <asvg:svgBlip xmlns:asvg="http://schemas.microsoft.com/office/drawing/2016/SVG/main" r:embed="rId14"/>
+                </a:ext>
+              </a:extLst>
+            </a:blip>
+            <a:stretch>
+              <a:fillRect/>
+            </a:stretch>
+          </p:blipFill>
+          <p:spPr>
+            <a:xfrm>
+              <a:off x="10550785" y="2691212"/>
+              <a:ext cx="711200" cy="711200"/>
+            </a:xfrm>
+            <a:prstGeom prst="rect">
+              <a:avLst/>
+            </a:prstGeom>
+          </p:spPr>
+        </p:pic>
+        <p:sp>
+          <p:nvSpPr>
+            <p:cNvPr id="97" name="TextBox 96">
+              <a:extLst>
+                <a:ext uri="{FF2B5EF4-FFF2-40B4-BE49-F238E27FC236}">
+                  <a16:creationId xmlns:a16="http://schemas.microsoft.com/office/drawing/2014/main" id="{1E93E15A-2580-A54C-8E1C-1DD2CDA9F5E6}"/>
+                </a:ext>
+              </a:extLst>
+            </p:cNvPr>
+            <p:cNvSpPr txBox="1"/>
+            <p:nvPr/>
+          </p:nvSpPr>
+          <p:spPr>
+            <a:xfrm>
+              <a:off x="7357320" y="3460120"/>
+              <a:ext cx="2301904" cy="276999"/>
+            </a:xfrm>
+            <a:prstGeom prst="rect">
+              <a:avLst/>
+            </a:prstGeom>
+            <a:noFill/>
+          </p:spPr>
+          <p:txBody>
+            <a:bodyPr wrap="square" rtlCol="0">
+              <a:spAutoFit/>
+            </a:bodyPr>
+            <a:lstStyle/>
+            <a:p>
+              <a:pPr algn="ctr"/>
+              <a:r>
+                <a:rPr lang="en-US" sz="1200" dirty="0"/>
+                <a:t>AWS Lambda</a:t>
+              </a:r>
+            </a:p>
+          </p:txBody>
+        </p:sp>
+        <p:pic>
+          <p:nvPicPr>
+            <p:cNvPr id="98" name="Graphic 97">
+              <a:extLst>
+                <a:ext uri="{FF2B5EF4-FFF2-40B4-BE49-F238E27FC236}">
+                  <a16:creationId xmlns:a16="http://schemas.microsoft.com/office/drawing/2014/main" id="{8F3F20A7-713D-BC4C-8A65-EB70D6847863}"/>
+                </a:ext>
+              </a:extLst>
+            </p:cNvPr>
+            <p:cNvPicPr>
+              <a:picLocks noChangeAspect="1"/>
+            </p:cNvPicPr>
+            <p:nvPr/>
+          </p:nvPicPr>
+          <p:blipFill>
+            <a:blip r:embed="rId15">
+              <a:extLst>
+                <a:ext uri="{96DAC541-7B7A-43D3-8B79-37D633B846F1}">
+                  <asvg:svgBlip xmlns:asvg="http://schemas.microsoft.com/office/drawing/2016/SVG/main" r:embed="rId16"/>
+                </a:ext>
+              </a:extLst>
+            </a:blip>
+            <a:stretch>
+              <a:fillRect/>
+            </a:stretch>
+          </p:blipFill>
+          <p:spPr>
+            <a:xfrm>
+              <a:off x="8128931" y="2691212"/>
+              <a:ext cx="711200" cy="711200"/>
+            </a:xfrm>
+            <a:prstGeom prst="rect">
+              <a:avLst/>
+            </a:prstGeom>
+          </p:spPr>
+        </p:pic>
+        <p:sp>
+          <p:nvSpPr>
+            <p:cNvPr id="99" name="TextBox 98">
+              <a:extLst>
+                <a:ext uri="{FF2B5EF4-FFF2-40B4-BE49-F238E27FC236}">
+                  <a16:creationId xmlns:a16="http://schemas.microsoft.com/office/drawing/2014/main" id="{67DD05EF-954B-7B4D-A433-C7081114E3C2}"/>
+                </a:ext>
+              </a:extLst>
+            </p:cNvPr>
+            <p:cNvSpPr txBox="1"/>
+            <p:nvPr/>
+          </p:nvSpPr>
+          <p:spPr>
+            <a:xfrm>
+              <a:off x="12219303" y="3460120"/>
+              <a:ext cx="2217871" cy="461665"/>
+            </a:xfrm>
+            <a:prstGeom prst="rect">
+              <a:avLst/>
+            </a:prstGeom>
+            <a:noFill/>
+          </p:spPr>
+          <p:txBody>
+            <a:bodyPr wrap="square" rtlCol="0">
+              <a:spAutoFit/>
+            </a:bodyPr>
+            <a:lstStyle/>
+            <a:p>
+              <a:pPr algn="ctr"/>
+              <a:r>
+                <a:rPr lang="en-US" sz="1200" dirty="0">
+                  <a:latin typeface="+mj-lt"/>
+                  <a:ea typeface="Amazon Ember" panose="020B0603020204020204" pitchFamily="34" charset="0"/>
+                  <a:cs typeface="Amazon Ember" panose="020B0603020204020204" pitchFamily="34" charset="0"/>
+                </a:rPr>
+                <a:t>Amazon Simple Notification Service</a:t>
+              </a:r>
+            </a:p>
+          </p:txBody>
+        </p:sp>
+        <p:pic>
+          <p:nvPicPr>
+            <p:cNvPr id="100" name="Graphic 99">
+              <a:extLst>
+                <a:ext uri="{FF2B5EF4-FFF2-40B4-BE49-F238E27FC236}">
+                  <a16:creationId xmlns:a16="http://schemas.microsoft.com/office/drawing/2014/main" id="{9B406DC2-7C18-944F-8354-AC184A8A07A8}"/>
+                </a:ext>
+              </a:extLst>
+            </p:cNvPr>
+            <p:cNvPicPr>
+              <a:picLocks noChangeAspect="1"/>
+            </p:cNvPicPr>
+            <p:nvPr/>
+          </p:nvPicPr>
+          <p:blipFill>
+            <a:blip r:embed="rId17">
+              <a:extLst>
+                <a:ext uri="{96DAC541-7B7A-43D3-8B79-37D633B846F1}">
+                  <asvg:svgBlip xmlns:asvg="http://schemas.microsoft.com/office/drawing/2016/SVG/main" r:embed="rId18"/>
+                </a:ext>
+              </a:extLst>
+            </a:blip>
+            <a:stretch>
+              <a:fillRect/>
+            </a:stretch>
+          </p:blipFill>
+          <p:spPr>
+            <a:xfrm>
+              <a:off x="12972639" y="2691212"/>
+              <a:ext cx="711200" cy="711200"/>
+            </a:xfrm>
+            <a:prstGeom prst="rect">
+              <a:avLst/>
+            </a:prstGeom>
+          </p:spPr>
+        </p:pic>
+        <p:sp>
+          <p:nvSpPr>
+            <p:cNvPr id="102" name="TextBox 101">
+              <a:extLst>
+                <a:ext uri="{FF2B5EF4-FFF2-40B4-BE49-F238E27FC236}">
+                  <a16:creationId xmlns:a16="http://schemas.microsoft.com/office/drawing/2014/main" id="{CACFCD61-680D-8540-B4B5-9598266AB0BF}"/>
+                </a:ext>
+              </a:extLst>
+            </p:cNvPr>
+            <p:cNvSpPr txBox="1"/>
+            <p:nvPr/>
+          </p:nvSpPr>
+          <p:spPr>
+            <a:xfrm>
+              <a:off x="79401" y="7375032"/>
+              <a:ext cx="2301904" cy="276999"/>
+            </a:xfrm>
+            <a:prstGeom prst="rect">
+              <a:avLst/>
+            </a:prstGeom>
+            <a:noFill/>
+          </p:spPr>
+          <p:txBody>
+            <a:bodyPr wrap="square" rtlCol="0">
+              <a:spAutoFit/>
+            </a:bodyPr>
+            <a:lstStyle/>
+            <a:p>
+              <a:pPr algn="ctr"/>
+              <a:r>
+                <a:rPr lang="en-US" sz="1200" dirty="0"/>
+                <a:t>AWS Systems Manager</a:t>
+              </a:r>
+            </a:p>
+          </p:txBody>
+        </p:sp>
+        <p:pic>
+          <p:nvPicPr>
+            <p:cNvPr id="103" name="Graphic 102">
+              <a:extLst>
+                <a:ext uri="{FF2B5EF4-FFF2-40B4-BE49-F238E27FC236}">
+                  <a16:creationId xmlns:a16="http://schemas.microsoft.com/office/drawing/2014/main" id="{FF91607D-B11F-E549-A3FC-BAF166D62B8B}"/>
+                </a:ext>
+              </a:extLst>
+            </p:cNvPr>
+            <p:cNvPicPr>
+              <a:picLocks noChangeAspect="1"/>
+            </p:cNvPicPr>
+            <p:nvPr/>
+          </p:nvPicPr>
+          <p:blipFill>
+            <a:blip r:embed="rId19">
+              <a:extLst>
+                <a:ext uri="{96DAC541-7B7A-43D3-8B79-37D633B846F1}">
+                  <asvg:svgBlip xmlns:asvg="http://schemas.microsoft.com/office/drawing/2016/SVG/main" r:embed="rId20"/>
+                </a:ext>
+              </a:extLst>
+            </a:blip>
+            <a:stretch>
+              <a:fillRect/>
+            </a:stretch>
+          </p:blipFill>
+          <p:spPr>
+            <a:xfrm>
+              <a:off x="874753" y="6638459"/>
+              <a:ext cx="711200" cy="711200"/>
+            </a:xfrm>
+            <a:prstGeom prst="rect">
+              <a:avLst/>
+            </a:prstGeom>
+          </p:spPr>
+        </p:pic>
+        <p:pic>
+          <p:nvPicPr>
+            <p:cNvPr id="1026" name="Picture 2" descr="Excel VBA Python Help Onsite Consultant NYC 929 356 5046 @ Manhattan |  LinkedIn">
+              <a:extLst>
+                <a:ext uri="{FF2B5EF4-FFF2-40B4-BE49-F238E27FC236}">
+                  <a16:creationId xmlns:a16="http://schemas.microsoft.com/office/drawing/2014/main" id="{9551E5D3-7858-D146-8E2B-EA2E2BD929C2}"/>
+                </a:ext>
+              </a:extLst>
+            </p:cNvPr>
+            <p:cNvPicPr>
+              <a:picLocks noChangeAspect="1" noChangeArrowheads="1"/>
+            </p:cNvPicPr>
+            <p:nvPr/>
+          </p:nvPicPr>
+          <p:blipFill rotWithShape="1">
+            <a:blip r:embed="rId21">
+              <a:extLst>
+                <a:ext uri="{28A0092B-C50C-407E-A947-70E740481C1C}">
+                  <a14:useLocalDpi xmlns:a14="http://schemas.microsoft.com/office/drawing/2010/main" val="0"/>
+                </a:ext>
+              </a:extLst>
+            </a:blip>
+            <a:srcRect l="10277" t="10131" r="9693" b="9839"/>
+            <a:stretch/>
+          </p:blipFill>
+          <p:spPr bwMode="auto">
+            <a:xfrm>
+              <a:off x="8214533" y="3767897"/>
+              <a:ext cx="539996" cy="540000"/>
+            </a:xfrm>
+            <a:prstGeom prst="rect">
+              <a:avLst/>
+            </a:prstGeom>
+            <a:noFill/>
+            <a:extLst>
+              <a:ext uri="{909E8E84-426E-40DD-AFC4-6F175D3DCCD1}">
+                <a14:hiddenFill xmlns:a14="http://schemas.microsoft.com/office/drawing/2010/main">
+                  <a:solidFill>
+                    <a:srgbClr val="FFFFFF"/>
+                  </a:solidFill>
+                </a14:hiddenFill>
+              </a:ext>
+            </a:extLst>
+          </p:spPr>
+        </p:pic>
+        <p:pic>
+          <p:nvPicPr>
+            <p:cNvPr id="1028" name="Picture 4">
+              <a:extLst>
+                <a:ext uri="{FF2B5EF4-FFF2-40B4-BE49-F238E27FC236}">
+                  <a16:creationId xmlns:a16="http://schemas.microsoft.com/office/drawing/2014/main" id="{056CA3B6-411E-9B42-82EB-C68E440BDA50}"/>
+                </a:ext>
+              </a:extLst>
+            </p:cNvPr>
+            <p:cNvPicPr>
+              <a:picLocks noChangeAspect="1" noChangeArrowheads="1"/>
+            </p:cNvPicPr>
+            <p:nvPr/>
+          </p:nvPicPr>
+          <p:blipFill>
+            <a:blip r:embed="rId22">
+              <a:extLst>
+                <a:ext uri="{28A0092B-C50C-407E-A947-70E740481C1C}">
+                  <a14:useLocalDpi xmlns:a14="http://schemas.microsoft.com/office/drawing/2010/main" val="0"/>
+                </a:ext>
+              </a:extLst>
+            </a:blip>
+            <a:srcRect/>
+            <a:stretch>
+              <a:fillRect/>
+            </a:stretch>
+          </p:blipFill>
+          <p:spPr bwMode="auto">
+            <a:xfrm>
+              <a:off x="932003" y="3767614"/>
+              <a:ext cx="596700" cy="540000"/>
+            </a:xfrm>
+            <a:prstGeom prst="rect">
+              <a:avLst/>
+            </a:prstGeom>
+            <a:noFill/>
+            <a:extLst>
+              <a:ext uri="{909E8E84-426E-40DD-AFC4-6F175D3DCCD1}">
+                <a14:hiddenFill xmlns:a14="http://schemas.microsoft.com/office/drawing/2010/main">
+                  <a:solidFill>
+                    <a:srgbClr val="FFFFFF"/>
+                  </a:solidFill>
+                </a14:hiddenFill>
+              </a:ext>
+            </a:extLst>
+          </p:spPr>
+        </p:pic>
+        <p:pic>
+          <p:nvPicPr>
+            <p:cNvPr id="112" name="Graphic 111">
+              <a:extLst>
+                <a:ext uri="{FF2B5EF4-FFF2-40B4-BE49-F238E27FC236}">
+                  <a16:creationId xmlns:a16="http://schemas.microsoft.com/office/drawing/2014/main" id="{5BAC36C3-9DCC-3047-9FD3-A5161E4C48D8}"/>
+                </a:ext>
+              </a:extLst>
+            </p:cNvPr>
+            <p:cNvPicPr>
+              <a:picLocks noChangeAspect="1"/>
+            </p:cNvPicPr>
+            <p:nvPr/>
+          </p:nvPicPr>
+          <p:blipFill>
+            <a:blip r:embed="rId23">
+              <a:extLst>
+                <a:ext uri="{96DAC541-7B7A-43D3-8B79-37D633B846F1}">
+                  <asvg:svgBlip xmlns:asvg="http://schemas.microsoft.com/office/drawing/2016/SVG/main" r:embed="rId24"/>
+                </a:ext>
+              </a:extLst>
+            </a:blip>
+            <a:stretch>
+              <a:fillRect/>
+            </a:stretch>
+          </p:blipFill>
+          <p:spPr>
+            <a:xfrm>
+              <a:off x="754103" y="939163"/>
+              <a:ext cx="952500" cy="952500"/>
+            </a:xfrm>
+            <a:prstGeom prst="rect">
+              <a:avLst/>
+            </a:prstGeom>
+          </p:spPr>
+        </p:pic>
+        <p:sp>
+          <p:nvSpPr>
+            <p:cNvPr id="2" name="Rectangle 1">
+              <a:extLst>
+                <a:ext uri="{FF2B5EF4-FFF2-40B4-BE49-F238E27FC236}">
+                  <a16:creationId xmlns:a16="http://schemas.microsoft.com/office/drawing/2014/main" id="{B5244E47-18B5-2048-8AC3-5F0EE4CEF128}"/>
+                </a:ext>
+              </a:extLst>
+            </p:cNvPr>
+            <p:cNvSpPr/>
+            <p:nvPr/>
+          </p:nvSpPr>
+          <p:spPr>
+            <a:xfrm>
+              <a:off x="166600" y="1877977"/>
+              <a:ext cx="2127505" cy="276999"/>
+            </a:xfrm>
+            <a:prstGeom prst="rect">
+              <a:avLst/>
+            </a:prstGeom>
+          </p:spPr>
+          <p:txBody>
+            <a:bodyPr wrap="none">
+              <a:spAutoFit/>
+            </a:bodyPr>
+            <a:lstStyle/>
+            <a:p>
+              <a:r>
+                <a:rPr lang="en-US" sz="1200" dirty="0"/>
+                <a:t>Management &amp; Governance</a:t>
+              </a:r>
+            </a:p>
+          </p:txBody>
+        </p:sp>
+        <p:pic>
+          <p:nvPicPr>
+            <p:cNvPr id="124" name="Graphic 123">
+              <a:extLst>
+                <a:ext uri="{FF2B5EF4-FFF2-40B4-BE49-F238E27FC236}">
+                  <a16:creationId xmlns:a16="http://schemas.microsoft.com/office/drawing/2014/main" id="{B6E0F620-0688-F34B-823D-E8C34CBEAFF3}"/>
+                </a:ext>
+              </a:extLst>
+            </p:cNvPr>
+            <p:cNvPicPr>
+              <a:picLocks noChangeAspect="1"/>
+            </p:cNvPicPr>
+            <p:nvPr/>
+          </p:nvPicPr>
+          <p:blipFill>
+            <a:blip r:embed="rId25">
+              <a:extLst>
+                <a:ext uri="{96DAC541-7B7A-43D3-8B79-37D633B846F1}">
+                  <asvg:svgBlip xmlns:asvg="http://schemas.microsoft.com/office/drawing/2016/SVG/main" r:embed="rId26"/>
+                </a:ext>
+              </a:extLst>
+            </a:blip>
+            <a:stretch>
+              <a:fillRect/>
+            </a:stretch>
+          </p:blipFill>
+          <p:spPr>
+            <a:xfrm>
+              <a:off x="3164573" y="939163"/>
+              <a:ext cx="952500" cy="952500"/>
+            </a:xfrm>
+            <a:prstGeom prst="rect">
+              <a:avLst/>
+            </a:prstGeom>
+          </p:spPr>
+        </p:pic>
+        <p:sp>
+          <p:nvSpPr>
+            <p:cNvPr id="3" name="Rectangle 2">
+              <a:extLst>
+                <a:ext uri="{FF2B5EF4-FFF2-40B4-BE49-F238E27FC236}">
+                  <a16:creationId xmlns:a16="http://schemas.microsoft.com/office/drawing/2014/main" id="{2B5F4694-7AAC-C045-8DD8-9FC3AA6A20DD}"/>
+                </a:ext>
+              </a:extLst>
+            </p:cNvPr>
+            <p:cNvSpPr/>
+            <p:nvPr/>
+          </p:nvSpPr>
+          <p:spPr>
+            <a:xfrm>
+              <a:off x="3274376" y="1877977"/>
+              <a:ext cx="732893" cy="276999"/>
+            </a:xfrm>
+            <a:prstGeom prst="rect">
+              <a:avLst/>
+            </a:prstGeom>
+          </p:spPr>
+          <p:txBody>
+            <a:bodyPr wrap="none">
+              <a:spAutoFit/>
+            </a:bodyPr>
+            <a:lstStyle/>
+            <a:p>
+              <a:r>
+                <a:rPr lang="en-US" sz="1200" dirty="0"/>
+                <a:t>Storage</a:t>
+              </a:r>
+            </a:p>
+          </p:txBody>
+        </p:sp>
+        <p:sp>
+          <p:nvSpPr>
+            <p:cNvPr id="7" name="Rectangle 6">
+              <a:extLst>
+                <a:ext uri="{FF2B5EF4-FFF2-40B4-BE49-F238E27FC236}">
+                  <a16:creationId xmlns:a16="http://schemas.microsoft.com/office/drawing/2014/main" id="{BA612AA5-D4AF-3E4D-85AF-46C79B0C54C4}"/>
+                </a:ext>
+              </a:extLst>
+            </p:cNvPr>
+            <p:cNvSpPr/>
+            <p:nvPr/>
+          </p:nvSpPr>
+          <p:spPr>
+            <a:xfrm>
+              <a:off x="5656955" y="1877976"/>
+              <a:ext cx="811441" cy="276999"/>
+            </a:xfrm>
+            <a:prstGeom prst="rect">
+              <a:avLst/>
+            </a:prstGeom>
+          </p:spPr>
+          <p:txBody>
+            <a:bodyPr wrap="none">
+              <a:spAutoFit/>
+            </a:bodyPr>
+            <a:lstStyle/>
+            <a:p>
+              <a:r>
+                <a:rPr lang="en-US" sz="1200" dirty="0"/>
+                <a:t>Analytics</a:t>
+              </a:r>
+            </a:p>
+          </p:txBody>
+        </p:sp>
+        <p:pic>
+          <p:nvPicPr>
+            <p:cNvPr id="125" name="Graphic 124">
+              <a:extLst>
+                <a:ext uri="{FF2B5EF4-FFF2-40B4-BE49-F238E27FC236}">
+                  <a16:creationId xmlns:a16="http://schemas.microsoft.com/office/drawing/2014/main" id="{03A9FF1E-8A70-3D43-BF61-2CA0D840FEB0}"/>
+                </a:ext>
+              </a:extLst>
+            </p:cNvPr>
+            <p:cNvPicPr>
+              <a:picLocks noChangeAspect="1"/>
+            </p:cNvPicPr>
+            <p:nvPr/>
+          </p:nvPicPr>
+          <p:blipFill>
+            <a:blip r:embed="rId27">
+              <a:extLst>
+                <a:ext uri="{96DAC541-7B7A-43D3-8B79-37D633B846F1}">
+                  <asvg:svgBlip xmlns:asvg="http://schemas.microsoft.com/office/drawing/2016/SVG/main" r:embed="rId28"/>
+                </a:ext>
+              </a:extLst>
+            </a:blip>
+            <a:stretch>
+              <a:fillRect/>
+            </a:stretch>
+          </p:blipFill>
+          <p:spPr>
+            <a:xfrm>
+              <a:off x="5586425" y="939163"/>
+              <a:ext cx="952500" cy="952500"/>
+            </a:xfrm>
+            <a:prstGeom prst="rect">
+              <a:avLst/>
+            </a:prstGeom>
+          </p:spPr>
+        </p:pic>
+        <p:sp>
+          <p:nvSpPr>
+            <p:cNvPr id="9" name="Rectangle 8">
+              <a:extLst>
+                <a:ext uri="{FF2B5EF4-FFF2-40B4-BE49-F238E27FC236}">
+                  <a16:creationId xmlns:a16="http://schemas.microsoft.com/office/drawing/2014/main" id="{F4002F89-2A0E-4E42-9452-C2B9D1FA7690}"/>
+                </a:ext>
+              </a:extLst>
+            </p:cNvPr>
+            <p:cNvSpPr/>
+            <p:nvPr/>
+          </p:nvSpPr>
+          <p:spPr>
+            <a:xfrm>
+              <a:off x="8071597" y="1877976"/>
+              <a:ext cx="825867" cy="276999"/>
+            </a:xfrm>
+            <a:prstGeom prst="rect">
+              <a:avLst/>
+            </a:prstGeom>
+          </p:spPr>
+          <p:txBody>
+            <a:bodyPr wrap="none">
+              <a:spAutoFit/>
+            </a:bodyPr>
+            <a:lstStyle/>
+            <a:p>
+              <a:r>
+                <a:rPr lang="en-US" sz="1200" dirty="0"/>
+                <a:t>Compute</a:t>
+              </a:r>
+            </a:p>
+          </p:txBody>
+        </p:sp>
+        <p:pic>
+          <p:nvPicPr>
+            <p:cNvPr id="127" name="Graphic 126">
+              <a:extLst>
+                <a:ext uri="{FF2B5EF4-FFF2-40B4-BE49-F238E27FC236}">
+                  <a16:creationId xmlns:a16="http://schemas.microsoft.com/office/drawing/2014/main" id="{E9A46899-30E2-DD49-8AC2-0A0FD69E43CC}"/>
+                </a:ext>
+              </a:extLst>
+            </p:cNvPr>
+            <p:cNvPicPr>
+              <a:picLocks noChangeAspect="1"/>
+            </p:cNvPicPr>
+            <p:nvPr/>
+          </p:nvPicPr>
+          <p:blipFill>
+            <a:blip r:embed="rId29">
+              <a:extLst>
+                <a:ext uri="{96DAC541-7B7A-43D3-8B79-37D633B846F1}">
+                  <asvg:svgBlip xmlns:asvg="http://schemas.microsoft.com/office/drawing/2016/SVG/main" r:embed="rId30"/>
+                </a:ext>
+              </a:extLst>
+            </a:blip>
+            <a:stretch>
+              <a:fillRect/>
+            </a:stretch>
+          </p:blipFill>
+          <p:spPr>
+            <a:xfrm>
+              <a:off x="8008280" y="939163"/>
+              <a:ext cx="952500" cy="952500"/>
+            </a:xfrm>
+            <a:prstGeom prst="rect">
+              <a:avLst/>
+            </a:prstGeom>
+          </p:spPr>
+        </p:pic>
+        <p:sp>
+          <p:nvSpPr>
+            <p:cNvPr id="128" name="TextBox 127">
+              <a:extLst>
+                <a:ext uri="{FF2B5EF4-FFF2-40B4-BE49-F238E27FC236}">
+                  <a16:creationId xmlns:a16="http://schemas.microsoft.com/office/drawing/2014/main" id="{819CDCD3-2A26-524D-BD3B-9A532406A5ED}"/>
+                </a:ext>
+              </a:extLst>
+            </p:cNvPr>
+            <p:cNvSpPr txBox="1"/>
+            <p:nvPr/>
+          </p:nvSpPr>
+          <p:spPr>
+            <a:xfrm>
+              <a:off x="5109300" y="7375624"/>
+              <a:ext cx="1906749" cy="276999"/>
+            </a:xfrm>
+            <a:prstGeom prst="rect">
+              <a:avLst/>
+            </a:prstGeom>
+            <a:noFill/>
+          </p:spPr>
+          <p:txBody>
+            <a:bodyPr wrap="square" rtlCol="0">
+              <a:spAutoFit/>
+            </a:bodyPr>
+            <a:lstStyle/>
+            <a:p>
+              <a:pPr algn="ctr"/>
+              <a:r>
+                <a:rPr lang="en-US" sz="1200" dirty="0">
+                  <a:solidFill>
+                    <a:srgbClr val="000000"/>
+                  </a:solidFill>
+                  <a:latin typeface="+mj-lt"/>
+                  <a:ea typeface="Amazon Ember" panose="020B0603020204020204" pitchFamily="34" charset="0"/>
+                  <a:cs typeface="Amazon Ember" panose="020B0603020204020204" pitchFamily="34" charset="0"/>
+                </a:rPr>
+                <a:t>Amazon </a:t>
+              </a:r>
+              <a:r>
+                <a:rPr lang="en-US" sz="1200" dirty="0" err="1">
+                  <a:solidFill>
+                    <a:srgbClr val="000000"/>
+                  </a:solidFill>
+                  <a:latin typeface="+mj-lt"/>
+                  <a:ea typeface="Amazon Ember" panose="020B0603020204020204" pitchFamily="34" charset="0"/>
+                  <a:cs typeface="Amazon Ember" panose="020B0603020204020204" pitchFamily="34" charset="0"/>
+                </a:rPr>
+                <a:t>QuickSight</a:t>
+              </a:r>
+              <a:endParaRPr lang="en-US" sz="1200" dirty="0">
+                <a:latin typeface="+mj-lt"/>
+                <a:ea typeface="Amazon Ember" panose="020B0603020204020204" pitchFamily="34" charset="0"/>
+                <a:cs typeface="Amazon Ember" panose="020B0603020204020204" pitchFamily="34" charset="0"/>
+              </a:endParaRPr>
+            </a:p>
+          </p:txBody>
+        </p:sp>
+        <p:pic>
+          <p:nvPicPr>
+            <p:cNvPr id="129" name="Graphic 128">
+              <a:extLst>
+                <a:ext uri="{FF2B5EF4-FFF2-40B4-BE49-F238E27FC236}">
+                  <a16:creationId xmlns:a16="http://schemas.microsoft.com/office/drawing/2014/main" id="{B39D4E00-1326-394A-8215-867AFA4D6195}"/>
+                </a:ext>
+              </a:extLst>
+            </p:cNvPr>
+            <p:cNvPicPr>
+              <a:picLocks noChangeAspect="1"/>
+            </p:cNvPicPr>
+            <p:nvPr/>
+          </p:nvPicPr>
+          <p:blipFill>
+            <a:blip r:embed="rId31">
+              <a:extLst>
+                <a:ext uri="{96DAC541-7B7A-43D3-8B79-37D633B846F1}">
+                  <asvg:svgBlip xmlns:asvg="http://schemas.microsoft.com/office/drawing/2016/SVG/main" r:embed="rId32"/>
+                </a:ext>
+              </a:extLst>
+            </a:blip>
+            <a:stretch>
+              <a:fillRect/>
+            </a:stretch>
+          </p:blipFill>
+          <p:spPr>
+            <a:xfrm>
+              <a:off x="5707076" y="6638459"/>
+              <a:ext cx="711200" cy="711200"/>
+            </a:xfrm>
+            <a:prstGeom prst="rect">
+              <a:avLst/>
+            </a:prstGeom>
+          </p:spPr>
+        </p:pic>
+        <p:pic>
+          <p:nvPicPr>
+            <p:cNvPr id="130" name="Graphic 129">
+              <a:extLst>
+                <a:ext uri="{FF2B5EF4-FFF2-40B4-BE49-F238E27FC236}">
+                  <a16:creationId xmlns:a16="http://schemas.microsoft.com/office/drawing/2014/main" id="{01E83A44-16CE-F644-969E-EDECEC104A21}"/>
+                </a:ext>
+              </a:extLst>
+            </p:cNvPr>
+            <p:cNvPicPr>
+              <a:picLocks noChangeAspect="1"/>
+            </p:cNvPicPr>
+            <p:nvPr/>
+          </p:nvPicPr>
+          <p:blipFill>
+            <a:blip r:embed="rId33">
+              <a:extLst>
+                <a:ext uri="{96DAC541-7B7A-43D3-8B79-37D633B846F1}">
+                  <asvg:svgBlip xmlns:asvg="http://schemas.microsoft.com/office/drawing/2016/SVG/main" r:embed="rId34"/>
+                </a:ext>
+              </a:extLst>
+            </a:blip>
+            <a:stretch>
+              <a:fillRect/>
+            </a:stretch>
+          </p:blipFill>
+          <p:spPr>
+            <a:xfrm>
+              <a:off x="10430135" y="939163"/>
+              <a:ext cx="952500" cy="952500"/>
+            </a:xfrm>
+            <a:prstGeom prst="rect">
+              <a:avLst/>
+            </a:prstGeom>
+          </p:spPr>
+        </p:pic>
+        <p:sp>
+          <p:nvSpPr>
+            <p:cNvPr id="21" name="Rectangle 20">
+              <a:extLst>
+                <a:ext uri="{FF2B5EF4-FFF2-40B4-BE49-F238E27FC236}">
+                  <a16:creationId xmlns:a16="http://schemas.microsoft.com/office/drawing/2014/main" id="{BD6B5D98-5A5C-184B-BD13-A1FA158F52D5}"/>
+                </a:ext>
+              </a:extLst>
+            </p:cNvPr>
+            <p:cNvSpPr/>
+            <p:nvPr/>
+          </p:nvSpPr>
+          <p:spPr>
+            <a:xfrm>
+              <a:off x="10127165" y="1876374"/>
+              <a:ext cx="1558440" cy="461665"/>
+            </a:xfrm>
+            <a:prstGeom prst="rect">
+              <a:avLst/>
+            </a:prstGeom>
+          </p:spPr>
+          <p:txBody>
+            <a:bodyPr wrap="none">
+              <a:spAutoFit/>
+            </a:bodyPr>
+            <a:lstStyle/>
+            <a:p>
+              <a:pPr algn="ctr"/>
+              <a:r>
+                <a:rPr lang="en-US" sz="1200" dirty="0"/>
+                <a:t>Security, Identity, &amp;</a:t>
+              </a:r>
+            </a:p>
+            <a:p>
+              <a:pPr algn="ctr"/>
+              <a:r>
+                <a:rPr lang="en-US" sz="1200" dirty="0"/>
+                <a:t>Compliance</a:t>
+              </a:r>
+            </a:p>
+          </p:txBody>
+        </p:sp>
+        <p:pic>
+          <p:nvPicPr>
+            <p:cNvPr id="132" name="Graphic 131">
+              <a:extLst>
+                <a:ext uri="{FF2B5EF4-FFF2-40B4-BE49-F238E27FC236}">
+                  <a16:creationId xmlns:a16="http://schemas.microsoft.com/office/drawing/2014/main" id="{5B722F56-984A-2B43-BD60-176D45FBC2F6}"/>
+                </a:ext>
+              </a:extLst>
+            </p:cNvPr>
+            <p:cNvPicPr>
+              <a:picLocks noChangeAspect="1"/>
+            </p:cNvPicPr>
+            <p:nvPr/>
+          </p:nvPicPr>
+          <p:blipFill>
+            <a:blip r:embed="rId35">
+              <a:extLst>
+                <a:ext uri="{96DAC541-7B7A-43D3-8B79-37D633B846F1}">
+                  <asvg:svgBlip xmlns:asvg="http://schemas.microsoft.com/office/drawing/2016/SVG/main" r:embed="rId36"/>
+                </a:ext>
+              </a:extLst>
+            </a:blip>
+            <a:stretch>
+              <a:fillRect/>
+            </a:stretch>
+          </p:blipFill>
+          <p:spPr>
+            <a:xfrm>
+              <a:off x="12851988" y="939163"/>
+              <a:ext cx="952500" cy="952500"/>
+            </a:xfrm>
+            <a:prstGeom prst="rect">
+              <a:avLst/>
+            </a:prstGeom>
+          </p:spPr>
+        </p:pic>
+        <p:sp>
+          <p:nvSpPr>
+            <p:cNvPr id="22" name="Rectangle 21">
+              <a:extLst>
+                <a:ext uri="{FF2B5EF4-FFF2-40B4-BE49-F238E27FC236}">
+                  <a16:creationId xmlns:a16="http://schemas.microsoft.com/office/drawing/2014/main" id="{742F70B2-CB88-1E48-AC3E-7487E717FEBB}"/>
+                </a:ext>
+              </a:extLst>
+            </p:cNvPr>
+            <p:cNvSpPr/>
+            <p:nvPr/>
+          </p:nvSpPr>
+          <p:spPr>
+            <a:xfrm>
+              <a:off x="12428793" y="1877975"/>
+              <a:ext cx="1798890" cy="276999"/>
+            </a:xfrm>
+            <a:prstGeom prst="rect">
+              <a:avLst/>
+            </a:prstGeom>
+          </p:spPr>
+          <p:txBody>
+            <a:bodyPr wrap="none">
+              <a:spAutoFit/>
+            </a:bodyPr>
+            <a:lstStyle/>
+            <a:p>
+              <a:r>
+                <a:rPr lang="en-US" sz="1200" dirty="0"/>
+                <a:t>Application Integration</a:t>
+              </a:r>
+            </a:p>
+          </p:txBody>
+        </p:sp>
+        <p:sp>
+          <p:nvSpPr>
+            <p:cNvPr id="135" name="Rectangle 134">
+              <a:extLst>
+                <a:ext uri="{FF2B5EF4-FFF2-40B4-BE49-F238E27FC236}">
+                  <a16:creationId xmlns:a16="http://schemas.microsoft.com/office/drawing/2014/main" id="{C67547F5-69C8-0142-934A-88AA4FBEE0C1}"/>
+                </a:ext>
+              </a:extLst>
+            </p:cNvPr>
+            <p:cNvSpPr/>
+            <p:nvPr/>
+          </p:nvSpPr>
+          <p:spPr>
+            <a:xfrm flipV="1">
+              <a:off x="159554" y="879940"/>
+              <a:ext cx="2117719" cy="6858592"/>
+            </a:xfrm>
+            <a:prstGeom prst="rect">
+              <a:avLst/>
+            </a:prstGeom>
+            <a:noFill/>
+            <a:ln w="12700">
+              <a:solidFill>
+                <a:srgbClr val="5A6B86"/>
+              </a:solidFill>
+              <a:prstDash val="dash"/>
+            </a:ln>
+          </p:spPr>
+          <p:style>
+            <a:lnRef idx="2">
+              <a:schemeClr val="accent1">
+                <a:shade val="50000"/>
+              </a:schemeClr>
+            </a:lnRef>
+            <a:fillRef idx="1">
+              <a:schemeClr val="accent1"/>
+            </a:fillRef>
+            <a:effectRef idx="0">
+              <a:schemeClr val="accent1"/>
+            </a:effectRef>
+            <a:fontRef idx="minor">
+              <a:schemeClr val="lt1"/>
+            </a:fontRef>
+          </p:style>
+          <p:txBody>
+            <a:bodyPr rot="0" spcFirstLastPara="0" vertOverflow="overflow" horzOverflow="overflow" vert="horz" wrap="square" lIns="91440" tIns="91440" rIns="91440" bIns="45720" numCol="1" spcCol="0" rtlCol="0" fromWordArt="0" anchor="t" anchorCtr="0" forceAA="0" compatLnSpc="1">
+              <a:prstTxWarp prst="textNoShape">
+                <a:avLst/>
+              </a:prstTxWarp>
+              <a:noAutofit/>
+            </a:bodyPr>
+            <a:lstStyle/>
+            <a:p>
+              <a:pPr algn="ctr"/>
+              <a:endParaRPr lang="en-US" sz="1200" dirty="0">
+                <a:solidFill>
+                  <a:srgbClr val="5A6B86"/>
+                </a:solidFill>
+              </a:endParaRPr>
+            </a:p>
+          </p:txBody>
+        </p:sp>
+        <p:sp>
+          <p:nvSpPr>
+            <p:cNvPr id="137" name="Rectangle 136">
+              <a:extLst>
+                <a:ext uri="{FF2B5EF4-FFF2-40B4-BE49-F238E27FC236}">
+                  <a16:creationId xmlns:a16="http://schemas.microsoft.com/office/drawing/2014/main" id="{ED90F993-923F-B241-BDD3-F17320805990}"/>
+                </a:ext>
+              </a:extLst>
+            </p:cNvPr>
+            <p:cNvSpPr/>
+            <p:nvPr/>
+          </p:nvSpPr>
+          <p:spPr>
+            <a:xfrm flipV="1">
+              <a:off x="2581085" y="879940"/>
+              <a:ext cx="2117719" cy="6858592"/>
+            </a:xfrm>
+            <a:prstGeom prst="rect">
+              <a:avLst/>
+            </a:prstGeom>
+            <a:noFill/>
+            <a:ln w="12700">
+              <a:solidFill>
+                <a:srgbClr val="5A6B86"/>
+              </a:solidFill>
+              <a:prstDash val="dash"/>
+            </a:ln>
+          </p:spPr>
+          <p:style>
+            <a:lnRef idx="2">
+              <a:schemeClr val="accent1">
+                <a:shade val="50000"/>
+              </a:schemeClr>
+            </a:lnRef>
+            <a:fillRef idx="1">
+              <a:schemeClr val="accent1"/>
+            </a:fillRef>
+            <a:effectRef idx="0">
+              <a:schemeClr val="accent1"/>
+            </a:effectRef>
+            <a:fontRef idx="minor">
+              <a:schemeClr val="lt1"/>
+            </a:fontRef>
+          </p:style>
+          <p:txBody>
+            <a:bodyPr rot="0" spcFirstLastPara="0" vertOverflow="overflow" horzOverflow="overflow" vert="horz" wrap="square" lIns="91440" tIns="91440" rIns="91440" bIns="45720" numCol="1" spcCol="0" rtlCol="0" fromWordArt="0" anchor="t" anchorCtr="0" forceAA="0" compatLnSpc="1">
+              <a:prstTxWarp prst="textNoShape">
+                <a:avLst/>
+              </a:prstTxWarp>
+              <a:noAutofit/>
+            </a:bodyPr>
+            <a:lstStyle/>
+            <a:p>
+              <a:pPr algn="ctr"/>
+              <a:endParaRPr lang="en-US" sz="1200" dirty="0">
+                <a:solidFill>
+                  <a:srgbClr val="5A6B86"/>
+                </a:solidFill>
+              </a:endParaRPr>
+            </a:p>
+          </p:txBody>
+        </p:sp>
+        <p:sp>
+          <p:nvSpPr>
+            <p:cNvPr id="138" name="Rectangle 137">
+              <a:extLst>
+                <a:ext uri="{FF2B5EF4-FFF2-40B4-BE49-F238E27FC236}">
+                  <a16:creationId xmlns:a16="http://schemas.microsoft.com/office/drawing/2014/main" id="{CF443255-B12B-834D-9878-90DBAED6CA7D}"/>
+                </a:ext>
+              </a:extLst>
+            </p:cNvPr>
+            <p:cNvSpPr/>
+            <p:nvPr/>
+          </p:nvSpPr>
+          <p:spPr>
+            <a:xfrm flipV="1">
+              <a:off x="5000725" y="879940"/>
+              <a:ext cx="2117719" cy="6858592"/>
+            </a:xfrm>
+            <a:prstGeom prst="rect">
+              <a:avLst/>
+            </a:prstGeom>
+            <a:noFill/>
+            <a:ln w="12700">
+              <a:solidFill>
+                <a:srgbClr val="5A6B86"/>
+              </a:solidFill>
+              <a:prstDash val="dash"/>
+            </a:ln>
+          </p:spPr>
+          <p:style>
+            <a:lnRef idx="2">
+              <a:schemeClr val="accent1">
+                <a:shade val="50000"/>
+              </a:schemeClr>
+            </a:lnRef>
+            <a:fillRef idx="1">
+              <a:schemeClr val="accent1"/>
+            </a:fillRef>
+            <a:effectRef idx="0">
+              <a:schemeClr val="accent1"/>
+            </a:effectRef>
+            <a:fontRef idx="minor">
+              <a:schemeClr val="lt1"/>
+            </a:fontRef>
+          </p:style>
+          <p:txBody>
+            <a:bodyPr rot="0" spcFirstLastPara="0" vertOverflow="overflow" horzOverflow="overflow" vert="horz" wrap="square" lIns="91440" tIns="91440" rIns="91440" bIns="45720" numCol="1" spcCol="0" rtlCol="0" fromWordArt="0" anchor="t" anchorCtr="0" forceAA="0" compatLnSpc="1">
+              <a:prstTxWarp prst="textNoShape">
+                <a:avLst/>
+              </a:prstTxWarp>
+              <a:noAutofit/>
+            </a:bodyPr>
+            <a:lstStyle/>
+            <a:p>
+              <a:pPr algn="ctr"/>
+              <a:endParaRPr lang="en-US" sz="1200" dirty="0">
+                <a:solidFill>
+                  <a:srgbClr val="5A6B86"/>
+                </a:solidFill>
+              </a:endParaRPr>
+            </a:p>
+          </p:txBody>
+        </p:sp>
+        <p:sp>
+          <p:nvSpPr>
+            <p:cNvPr id="140" name="Rectangle 139">
+              <a:extLst>
+                <a:ext uri="{FF2B5EF4-FFF2-40B4-BE49-F238E27FC236}">
+                  <a16:creationId xmlns:a16="http://schemas.microsoft.com/office/drawing/2014/main" id="{05D4C1A5-6437-0541-BE6E-14460E0AD809}"/>
+                </a:ext>
+              </a:extLst>
+            </p:cNvPr>
+            <p:cNvSpPr/>
+            <p:nvPr/>
+          </p:nvSpPr>
+          <p:spPr>
+            <a:xfrm flipV="1">
+              <a:off x="7428764" y="879940"/>
+              <a:ext cx="2117719" cy="6858592"/>
+            </a:xfrm>
+            <a:prstGeom prst="rect">
+              <a:avLst/>
+            </a:prstGeom>
+            <a:noFill/>
+            <a:ln w="12700">
+              <a:solidFill>
+                <a:srgbClr val="5A6B86"/>
+              </a:solidFill>
+              <a:prstDash val="dash"/>
+            </a:ln>
+          </p:spPr>
+          <p:style>
+            <a:lnRef idx="2">
+              <a:schemeClr val="accent1">
+                <a:shade val="50000"/>
+              </a:schemeClr>
+            </a:lnRef>
+            <a:fillRef idx="1">
+              <a:schemeClr val="accent1"/>
+            </a:fillRef>
+            <a:effectRef idx="0">
+              <a:schemeClr val="accent1"/>
+            </a:effectRef>
+            <a:fontRef idx="minor">
+              <a:schemeClr val="lt1"/>
+            </a:fontRef>
+          </p:style>
+          <p:txBody>
+            <a:bodyPr rot="0" spcFirstLastPara="0" vertOverflow="overflow" horzOverflow="overflow" vert="horz" wrap="square" lIns="91440" tIns="91440" rIns="91440" bIns="45720" numCol="1" spcCol="0" rtlCol="0" fromWordArt="0" anchor="t" anchorCtr="0" forceAA="0" compatLnSpc="1">
+              <a:prstTxWarp prst="textNoShape">
+                <a:avLst/>
+              </a:prstTxWarp>
+              <a:noAutofit/>
+            </a:bodyPr>
+            <a:lstStyle/>
+            <a:p>
+              <a:pPr algn="ctr"/>
+              <a:endParaRPr lang="en-US" sz="1200" dirty="0">
+                <a:solidFill>
+                  <a:srgbClr val="5A6B86"/>
+                </a:solidFill>
+              </a:endParaRPr>
+            </a:p>
+          </p:txBody>
+        </p:sp>
+        <p:sp>
+          <p:nvSpPr>
+            <p:cNvPr id="141" name="Rectangle 140">
+              <a:extLst>
+                <a:ext uri="{FF2B5EF4-FFF2-40B4-BE49-F238E27FC236}">
+                  <a16:creationId xmlns:a16="http://schemas.microsoft.com/office/drawing/2014/main" id="{3149125F-235A-104F-A852-B539B778D2A5}"/>
+                </a:ext>
+              </a:extLst>
+            </p:cNvPr>
+            <p:cNvSpPr/>
+            <p:nvPr/>
+          </p:nvSpPr>
+          <p:spPr>
+            <a:xfrm flipV="1">
+              <a:off x="9847525" y="879940"/>
+              <a:ext cx="2117719" cy="6858592"/>
+            </a:xfrm>
+            <a:prstGeom prst="rect">
+              <a:avLst/>
+            </a:prstGeom>
+            <a:noFill/>
+            <a:ln w="12700">
+              <a:solidFill>
+                <a:srgbClr val="5A6B86"/>
+              </a:solidFill>
+              <a:prstDash val="dash"/>
+            </a:ln>
+          </p:spPr>
+          <p:style>
+            <a:lnRef idx="2">
+              <a:schemeClr val="accent1">
+                <a:shade val="50000"/>
+              </a:schemeClr>
+            </a:lnRef>
+            <a:fillRef idx="1">
+              <a:schemeClr val="accent1"/>
+            </a:fillRef>
+            <a:effectRef idx="0">
+              <a:schemeClr val="accent1"/>
+            </a:effectRef>
+            <a:fontRef idx="minor">
+              <a:schemeClr val="lt1"/>
+            </a:fontRef>
+          </p:style>
+          <p:txBody>
+            <a:bodyPr rot="0" spcFirstLastPara="0" vertOverflow="overflow" horzOverflow="overflow" vert="horz" wrap="square" lIns="91440" tIns="91440" rIns="91440" bIns="45720" numCol="1" spcCol="0" rtlCol="0" fromWordArt="0" anchor="t" anchorCtr="0" forceAA="0" compatLnSpc="1">
+              <a:prstTxWarp prst="textNoShape">
+                <a:avLst/>
+              </a:prstTxWarp>
+              <a:noAutofit/>
+            </a:bodyPr>
+            <a:lstStyle/>
+            <a:p>
+              <a:pPr algn="ctr"/>
+              <a:endParaRPr lang="en-US" sz="1200" dirty="0">
+                <a:solidFill>
+                  <a:srgbClr val="5A6B86"/>
+                </a:solidFill>
+              </a:endParaRPr>
+            </a:p>
+          </p:txBody>
+        </p:sp>
+        <p:sp>
+          <p:nvSpPr>
+            <p:cNvPr id="142" name="Rectangle 141">
+              <a:extLst>
+                <a:ext uri="{FF2B5EF4-FFF2-40B4-BE49-F238E27FC236}">
+                  <a16:creationId xmlns:a16="http://schemas.microsoft.com/office/drawing/2014/main" id="{5EA2DCA2-2B95-B441-BD94-6BCA8E7FABD7}"/>
+                </a:ext>
+              </a:extLst>
+            </p:cNvPr>
+            <p:cNvSpPr/>
+            <p:nvPr/>
+          </p:nvSpPr>
+          <p:spPr>
+            <a:xfrm flipV="1">
+              <a:off x="12272667" y="879940"/>
+              <a:ext cx="2117719" cy="6858592"/>
+            </a:xfrm>
+            <a:prstGeom prst="rect">
+              <a:avLst/>
+            </a:prstGeom>
+            <a:noFill/>
+            <a:ln w="12700">
+              <a:solidFill>
+                <a:srgbClr val="5A6B86"/>
+              </a:solidFill>
+              <a:prstDash val="dash"/>
+            </a:ln>
+          </p:spPr>
+          <p:style>
+            <a:lnRef idx="2">
+              <a:schemeClr val="accent1">
+                <a:shade val="50000"/>
+              </a:schemeClr>
+            </a:lnRef>
+            <a:fillRef idx="1">
+              <a:schemeClr val="accent1"/>
+            </a:fillRef>
+            <a:effectRef idx="0">
+              <a:schemeClr val="accent1"/>
+            </a:effectRef>
+            <a:fontRef idx="minor">
+              <a:schemeClr val="lt1"/>
+            </a:fontRef>
+          </p:style>
+          <p:txBody>
+            <a:bodyPr rot="0" spcFirstLastPara="0" vertOverflow="overflow" horzOverflow="overflow" vert="horz" wrap="square" lIns="91440" tIns="91440" rIns="91440" bIns="45720" numCol="1" spcCol="0" rtlCol="0" fromWordArt="0" anchor="t" anchorCtr="0" forceAA="0" compatLnSpc="1">
+              <a:prstTxWarp prst="textNoShape">
+                <a:avLst/>
+              </a:prstTxWarp>
+              <a:noAutofit/>
+            </a:bodyPr>
+            <a:lstStyle/>
+            <a:p>
+              <a:pPr algn="ctr"/>
+              <a:endParaRPr lang="en-US" sz="1200" dirty="0">
+                <a:solidFill>
+                  <a:srgbClr val="5A6B86"/>
+                </a:solidFill>
+              </a:endParaRPr>
+            </a:p>
+          </p:txBody>
+        </p:sp>
+      </p:grpSp>
+    </p:spTree>
+    <p:extLst>
+      <p:ext uri="{BB962C8B-B14F-4D97-AF65-F5344CB8AC3E}">
+        <p14:creationId xmlns:p14="http://schemas.microsoft.com/office/powerpoint/2010/main" val="1022223756"/>
       </p:ext>
     </p:extLst>
   </p:cSld>
@@ -10444,21 +12236,6 @@
 </file>
 
 <file path=customXml/item1.xml><?xml version="1.0" encoding="utf-8"?>
-<p:properties xmlns:p="http://schemas.microsoft.com/office/2006/metadata/properties" xmlns:xsi="http://www.w3.org/2001/XMLSchema-instance">
-  <documentManagement/>
-</p:properties>
-</file>
-
-<file path=customXml/item2.xml><?xml version="1.0" encoding="utf-8"?>
-<?mso-contentType ?>
-<FormTemplates xmlns="http://schemas.microsoft.com/sharepoint/v3/contenttype/forms">
-  <Display>DocumentLibraryForm</Display>
-  <Edit>DocumentLibraryForm</Edit>
-  <New>DocumentLibraryForm</New>
-</FormTemplates>
-</file>
-
-<file path=customXml/item3.xml><?xml version="1.0" encoding="utf-8"?>
 <ct:contentTypeSchema xmlns:ct="http://schemas.microsoft.com/office/2006/metadata/contentType" xmlns:ma="http://schemas.microsoft.com/office/2006/metadata/properties/metaAttributes" ct:_="" ma:_="" ma:contentTypeName="Document" ma:contentTypeID="0x010100D26A3D6C04DFD740953BA1B2B9E62D60" ma:contentTypeVersion="0" ma:contentTypeDescription="Create a new document." ma:contentTypeScope="" ma:versionID="26617cd14cd3af163c0e97ff614e520a">
   <xsd:schema xmlns:xsd="http://www.w3.org/2001/XMLSchema" xmlns:xs="http://www.w3.org/2001/XMLSchema" xmlns:p="http://schemas.microsoft.com/office/2006/metadata/properties" targetNamespace="http://schemas.microsoft.com/office/2006/metadata/properties" ma:root="true" ma:fieldsID="c64490b4aec6201516c3a874156f37b2">
     <xsd:element name="properties">
@@ -10572,17 +12349,33 @@
 </ct:contentTypeSchema>
 </file>
 
+<file path=customXml/item2.xml><?xml version="1.0" encoding="utf-8"?>
+<?mso-contentType ?>
+<FormTemplates xmlns="http://schemas.microsoft.com/sharepoint/v3/contenttype/forms">
+  <Display>DocumentLibraryForm</Display>
+  <Edit>DocumentLibraryForm</Edit>
+  <New>DocumentLibraryForm</New>
+</FormTemplates>
+</file>
+
+<file path=customXml/item3.xml><?xml version="1.0" encoding="utf-8"?>
+<p:properties xmlns:p="http://schemas.microsoft.com/office/2006/metadata/properties" xmlns:xsi="http://www.w3.org/2001/XMLSchema-instance">
+  <documentManagement/>
+</p:properties>
+</file>
+
 <file path=customXml/itemProps1.xml><?xml version="1.0" encoding="utf-8"?>
-<ds:datastoreItem xmlns:ds="http://schemas.openxmlformats.org/officeDocument/2006/customXml" ds:itemID="{C597C89A-FD0C-431E-81F6-90225B937683}">
+<ds:datastoreItem xmlns:ds="http://schemas.openxmlformats.org/officeDocument/2006/customXml" ds:itemID="{51A3258A-222C-4488-825E-7520D001FB75}">
   <ds:schemaRefs>
+    <ds:schemaRef ds:uri="http://schemas.microsoft.com/office/2006/metadata/contentType"/>
+    <ds:schemaRef ds:uri="http://schemas.microsoft.com/office/2006/metadata/properties/metaAttributes"/>
+    <ds:schemaRef ds:uri="http://www.w3.org/2001/XMLSchema"/>
+    <ds:schemaRef ds:uri="http://schemas.microsoft.com/office/2006/metadata/properties"/>
+    <ds:schemaRef ds:uri="http://schemas.openxmlformats.org/package/2006/metadata/core-properties"/>
+    <ds:schemaRef ds:uri="http://purl.org/dc/elements/1.1/"/>
+    <ds:schemaRef ds:uri="http://purl.org/dc/terms/"/>
+    <ds:schemaRef ds:uri="http://schemas.microsoft.com/internal/obd"/>
     <ds:schemaRef ds:uri="http://schemas.microsoft.com/office/infopath/2007/PartnerControls"/>
-    <ds:schemaRef ds:uri="http://www.w3.org/XML/1998/namespace"/>
-    <ds:schemaRef ds:uri="http://schemas.microsoft.com/office/2006/documentManagement/types"/>
-    <ds:schemaRef ds:uri="http://purl.org/dc/dcmitype/"/>
-    <ds:schemaRef ds:uri="http://schemas.openxmlformats.org/package/2006/metadata/core-properties"/>
-    <ds:schemaRef ds:uri="http://purl.org/dc/terms/"/>
-    <ds:schemaRef ds:uri="http://schemas.microsoft.com/office/2006/metadata/properties"/>
-    <ds:schemaRef ds:uri="http://purl.org/dc/elements/1.1/"/>
   </ds:schemaRefs>
 </ds:datastoreItem>
 </file>
@@ -10596,17 +12389,16 @@
 </file>
 
 <file path=customXml/itemProps3.xml><?xml version="1.0" encoding="utf-8"?>
-<ds:datastoreItem xmlns:ds="http://schemas.openxmlformats.org/officeDocument/2006/customXml" ds:itemID="{51A3258A-222C-4488-825E-7520D001FB75}">
+<ds:datastoreItem xmlns:ds="http://schemas.openxmlformats.org/officeDocument/2006/customXml" ds:itemID="{C597C89A-FD0C-431E-81F6-90225B937683}">
   <ds:schemaRefs>
-    <ds:schemaRef ds:uri="http://schemas.microsoft.com/office/2006/metadata/contentType"/>
-    <ds:schemaRef ds:uri="http://schemas.microsoft.com/office/2006/metadata/properties/metaAttributes"/>
-    <ds:schemaRef ds:uri="http://www.w3.org/2001/XMLSchema"/>
+    <ds:schemaRef ds:uri="http://schemas.microsoft.com/office/infopath/2007/PartnerControls"/>
+    <ds:schemaRef ds:uri="http://www.w3.org/XML/1998/namespace"/>
+    <ds:schemaRef ds:uri="http://schemas.microsoft.com/office/2006/documentManagement/types"/>
+    <ds:schemaRef ds:uri="http://purl.org/dc/dcmitype/"/>
+    <ds:schemaRef ds:uri="http://schemas.openxmlformats.org/package/2006/metadata/core-properties"/>
+    <ds:schemaRef ds:uri="http://purl.org/dc/terms/"/>
     <ds:schemaRef ds:uri="http://schemas.microsoft.com/office/2006/metadata/properties"/>
-    <ds:schemaRef ds:uri="http://schemas.openxmlformats.org/package/2006/metadata/core-properties"/>
     <ds:schemaRef ds:uri="http://purl.org/dc/elements/1.1/"/>
-    <ds:schemaRef ds:uri="http://purl.org/dc/terms/"/>
-    <ds:schemaRef ds:uri="http://schemas.microsoft.com/internal/obd"/>
-    <ds:schemaRef ds:uri="http://schemas.microsoft.com/office/infopath/2007/PartnerControls"/>
   </ds:schemaRefs>
 </ds:datastoreItem>
 </file>
--- a/Diagram.pptx
+++ b/Diagram.pptx
@@ -10468,7 +10468,7 @@
           <p:spPr>
             <a:xfrm>
               <a:off x="166600" y="1877977"/>
-              <a:ext cx="2127505" cy="276999"/>
+              <a:ext cx="2183611" cy="276999"/>
             </a:xfrm>
             <a:prstGeom prst="rect">
               <a:avLst/>
@@ -10481,7 +10481,7 @@
             <a:lstStyle/>
             <a:p>
               <a:r>
-                <a:rPr lang="en-US" sz="1200" dirty="0"/>
+                <a:rPr lang="en-US" sz="1200" b="1" dirty="0"/>
                 <a:t>Management &amp; Governance</a:t>
               </a:r>
             </a:p>
@@ -10538,7 +10538,7 @@
           <p:spPr>
             <a:xfrm>
               <a:off x="3274376" y="1877977"/>
-              <a:ext cx="732893" cy="276999"/>
+              <a:ext cx="747320" cy="276999"/>
             </a:xfrm>
             <a:prstGeom prst="rect">
               <a:avLst/>
@@ -10551,7 +10551,7 @@
             <a:lstStyle/>
             <a:p>
               <a:r>
-                <a:rPr lang="en-US" sz="1200" dirty="0"/>
+                <a:rPr lang="en-US" sz="1200" b="1" dirty="0"/>
                 <a:t>Storage</a:t>
               </a:r>
             </a:p>
@@ -10572,7 +10572,7 @@
           <p:spPr>
             <a:xfrm>
               <a:off x="5656955" y="1877976"/>
-              <a:ext cx="811441" cy="276999"/>
+              <a:ext cx="843501" cy="276999"/>
             </a:xfrm>
             <a:prstGeom prst="rect">
               <a:avLst/>
@@ -10585,7 +10585,7 @@
             <a:lstStyle/>
             <a:p>
               <a:r>
-                <a:rPr lang="en-US" sz="1200" dirty="0"/>
+                <a:rPr lang="en-US" sz="1200" b="1" dirty="0"/>
                 <a:t>Analytics</a:t>
               </a:r>
             </a:p>
@@ -10642,7 +10642,7 @@
           <p:spPr>
             <a:xfrm>
               <a:off x="8071597" y="1877976"/>
-              <a:ext cx="825867" cy="276999"/>
+              <a:ext cx="843501" cy="276999"/>
             </a:xfrm>
             <a:prstGeom prst="rect">
               <a:avLst/>
@@ -10655,7 +10655,7 @@
             <a:lstStyle/>
             <a:p>
               <a:r>
-                <a:rPr lang="en-US" sz="1200" dirty="0"/>
+                <a:rPr lang="en-US" sz="1200" b="1" dirty="0"/>
                 <a:t>Compute</a:t>
               </a:r>
             </a:p>
@@ -10842,8 +10842,8 @@
           </p:nvSpPr>
           <p:spPr>
             <a:xfrm>
-              <a:off x="10127165" y="1876374"/>
-              <a:ext cx="1558440" cy="461665"/>
+              <a:off x="10094304" y="1876374"/>
+              <a:ext cx="1624163" cy="461665"/>
             </a:xfrm>
             <a:prstGeom prst="rect">
               <a:avLst/>
@@ -10857,14 +10857,14 @@
             <a:p>
               <a:pPr algn="ctr"/>
               <a:r>
-                <a:rPr lang="en-US" sz="1200" dirty="0"/>
+                <a:rPr lang="en-US" sz="1200" b="1" dirty="0"/>
                 <a:t>Security, Identity, &amp;</a:t>
               </a:r>
             </a:p>
             <a:p>
               <a:pPr algn="ctr"/>
               <a:r>
-                <a:rPr lang="en-US" sz="1200" dirty="0"/>
+                <a:rPr lang="en-US" sz="1200" b="1" dirty="0"/>
                 <a:t>Compliance</a:t>
               </a:r>
             </a:p>
@@ -10921,7 +10921,7 @@
           <p:spPr>
             <a:xfrm>
               <a:off x="12428793" y="1877975"/>
-              <a:ext cx="1798890" cy="276999"/>
+              <a:ext cx="1875835" cy="276999"/>
             </a:xfrm>
             <a:prstGeom prst="rect">
               <a:avLst/>
@@ -10934,7 +10934,7 @@
             <a:lstStyle/>
             <a:p>
               <a:r>
-                <a:rPr lang="en-US" sz="1200" dirty="0"/>
+                <a:rPr lang="en-US" sz="1200" b="1" dirty="0"/>
                 <a:t>Application Integration</a:t>
               </a:r>
             </a:p>

--- a/Diagram.pptx
+++ b/Diagram.pptx
@@ -10468,18 +10468,19 @@
           <p:spPr>
             <a:xfrm>
               <a:off x="166600" y="1877977"/>
-              <a:ext cx="2183611" cy="276999"/>
+              <a:ext cx="2104165" cy="461665"/>
             </a:xfrm>
             <a:prstGeom prst="rect">
               <a:avLst/>
             </a:prstGeom>
           </p:spPr>
           <p:txBody>
-            <a:bodyPr wrap="none">
+            <a:bodyPr wrap="square">
               <a:spAutoFit/>
             </a:bodyPr>
             <a:lstStyle/>
             <a:p>
+              <a:pPr algn="ctr"/>
               <a:r>
                 <a:rPr lang="en-US" sz="1200" b="1" dirty="0"/>
                 <a:t>Management &amp; Governance</a:t>
